--- a/I1/Current_Working_Directory/E3/ABM E3 Presentation.pptx
+++ b/I1/Current_Working_Directory/E3/ABM E3 Presentation.pptx
@@ -7,15 +7,42 @@
   <p:sldIdLst>
     <p:sldId id="256" r:id="rId2"/>
     <p:sldId id="276" r:id="rId3"/>
-    <p:sldId id="259" r:id="rId4"/>
-    <p:sldId id="268" r:id="rId5"/>
-    <p:sldId id="271" r:id="rId6"/>
-    <p:sldId id="272" r:id="rId7"/>
-    <p:sldId id="273" r:id="rId8"/>
-    <p:sldId id="274" r:id="rId9"/>
-    <p:sldId id="275" r:id="rId10"/>
-    <p:sldId id="269" r:id="rId11"/>
-    <p:sldId id="270" r:id="rId12"/>
+    <p:sldId id="277" r:id="rId4"/>
+    <p:sldId id="278" r:id="rId5"/>
+    <p:sldId id="279" r:id="rId6"/>
+    <p:sldId id="280" r:id="rId7"/>
+    <p:sldId id="281" r:id="rId8"/>
+    <p:sldId id="282" r:id="rId9"/>
+    <p:sldId id="283" r:id="rId10"/>
+    <p:sldId id="284" r:id="rId11"/>
+    <p:sldId id="285" r:id="rId12"/>
+    <p:sldId id="286" r:id="rId13"/>
+    <p:sldId id="269" r:id="rId14"/>
+    <p:sldId id="270" r:id="rId15"/>
+    <p:sldId id="259" r:id="rId16"/>
+    <p:sldId id="268" r:id="rId17"/>
+    <p:sldId id="271" r:id="rId18"/>
+    <p:sldId id="272" r:id="rId19"/>
+    <p:sldId id="273" r:id="rId20"/>
+    <p:sldId id="274" r:id="rId21"/>
+    <p:sldId id="275" r:id="rId22"/>
+    <p:sldId id="297" r:id="rId23"/>
+    <p:sldId id="298" r:id="rId24"/>
+    <p:sldId id="299" r:id="rId25"/>
+    <p:sldId id="300" r:id="rId26"/>
+    <p:sldId id="301" r:id="rId27"/>
+    <p:sldId id="302" r:id="rId28"/>
+    <p:sldId id="303" r:id="rId29"/>
+    <p:sldId id="287" r:id="rId30"/>
+    <p:sldId id="288" r:id="rId31"/>
+    <p:sldId id="289" r:id="rId32"/>
+    <p:sldId id="290" r:id="rId33"/>
+    <p:sldId id="291" r:id="rId34"/>
+    <p:sldId id="292" r:id="rId35"/>
+    <p:sldId id="293" r:id="rId36"/>
+    <p:sldId id="294" r:id="rId37"/>
+    <p:sldId id="295" r:id="rId38"/>
+    <p:sldId id="296" r:id="rId39"/>
   </p:sldIdLst>
   <p:sldSz cx="12192000" cy="6858000"/>
   <p:notesSz cx="6858000" cy="9144000"/>
@@ -116,7 +143,7 @@
   </p:defaultTextStyle>
   <p:extLst>
     <p:ext uri="{EFAFB233-063F-42B5-8137-9DF3F51BA10A}">
-      <p15:sldGuideLst xmlns:p15="http://schemas.microsoft.com/office/powerpoint/2012/main"/>
+      <p15:sldGuideLst xmlns:p15="http://schemas.microsoft.com/office/powerpoint/2012/main" xmlns=""/>
     </p:ext>
   </p:extLst>
 </p:presentation>
@@ -6202,6 +6229,1305 @@
       </p:grpSpPr>
       <p:sp>
         <p:nvSpPr>
+          <p:cNvPr id="2" name="Title 1"/>
+          <p:cNvSpPr>
+            <a:spLocks noGrp="1"/>
+          </p:cNvSpPr>
+          <p:nvPr>
+            <p:ph type="title"/>
+          </p:nvPr>
+        </p:nvSpPr>
+        <p:spPr/>
+        <p:txBody>
+          <a:bodyPr/>
+          <a:lstStyle/>
+          <a:p>
+            <a:r>
+              <a:rPr lang="bg-BG" dirty="0" smtClean="0"/>
+              <a:t>Входящ и изходящ критерий</a:t>
+            </a:r>
+            <a:endParaRPr lang="en-US" dirty="0"/>
+          </a:p>
+        </p:txBody>
+      </p:sp>
+      <p:sp>
+        <p:nvSpPr>
+          <p:cNvPr id="3" name="Content Placeholder 2"/>
+          <p:cNvSpPr>
+            <a:spLocks noGrp="1"/>
+          </p:cNvSpPr>
+          <p:nvPr>
+            <p:ph idx="1"/>
+          </p:nvPr>
+        </p:nvSpPr>
+        <p:spPr>
+          <a:xfrm>
+            <a:off x="570016" y="1508166"/>
+            <a:ext cx="9479837" cy="4740233"/>
+          </a:xfrm>
+        </p:spPr>
+        <p:txBody>
+          <a:bodyPr/>
+          <a:lstStyle/>
+          <a:p>
+            <a:r>
+              <a:rPr lang="bg-BG" b="1" i="1" dirty="0"/>
+              <a:t>Входящ критерий на главния план за тестване</a:t>
+            </a:r>
+            <a:endParaRPr lang="en-US" b="1" i="1" dirty="0"/>
+          </a:p>
+          <a:p>
+            <a:pPr lvl="1"/>
+            <a:r>
+              <a:rPr lang="bg-BG" dirty="0"/>
+              <a:t>След като разработчиците завършат дадена функционалност от системата, тестването по нея може да започне.</a:t>
+            </a:r>
+            <a:endParaRPr lang="en-US" dirty="0"/>
+          </a:p>
+          <a:p>
+            <a:r>
+              <a:rPr lang="bg-BG" b="1" i="1" dirty="0"/>
+              <a:t>Изходящ критерий на главния план за тестване</a:t>
+            </a:r>
+            <a:endParaRPr lang="en-US" b="1" i="1" dirty="0"/>
+          </a:p>
+          <a:p>
+            <a:pPr lvl="1"/>
+            <a:r>
+              <a:rPr lang="bg-BG" dirty="0"/>
+              <a:t>При достигане на 95% покритие на кода на всички функционалности на системата описани в </a:t>
+            </a:r>
+            <a:r>
+              <a:rPr lang="bg-BG" dirty="0" smtClean="0"/>
+              <a:t>изискванията, </a:t>
+            </a:r>
+            <a:r>
+              <a:rPr lang="bg-BG" dirty="0"/>
+              <a:t>тестването може да завърши.</a:t>
+            </a:r>
+            <a:endParaRPr lang="en-US" dirty="0"/>
+          </a:p>
+          <a:p>
+            <a:endParaRPr lang="en-US" dirty="0"/>
+          </a:p>
+        </p:txBody>
+      </p:sp>
+    </p:spTree>
+    <p:extLst>
+      <p:ext uri="{BB962C8B-B14F-4D97-AF65-F5344CB8AC3E}">
+        <p14:creationId xmlns:p14="http://schemas.microsoft.com/office/powerpoint/2010/main" val="3346867215"/>
+      </p:ext>
+    </p:extLst>
+  </p:cSld>
+  <p:clrMapOvr>
+    <a:masterClrMapping/>
+  </p:clrMapOvr>
+  <p:timing>
+    <p:tnLst>
+      <p:par>
+        <p:cTn id="1" dur="indefinite" restart="never" nodeType="tmRoot"/>
+      </p:par>
+    </p:tnLst>
+  </p:timing>
+</p:sld>
+</file>
+
+<file path=ppt/slides/slide11.xml><?xml version="1.0" encoding="utf-8"?>
+<p:sld xmlns:a="http://schemas.openxmlformats.org/drawingml/2006/main" xmlns:r="http://schemas.openxmlformats.org/officeDocument/2006/relationships" xmlns:p="http://schemas.openxmlformats.org/presentationml/2006/main">
+  <p:cSld>
+    <p:spTree>
+      <p:nvGrpSpPr>
+        <p:cNvPr id="1" name=""/>
+        <p:cNvGrpSpPr/>
+        <p:nvPr/>
+      </p:nvGrpSpPr>
+      <p:grpSpPr>
+        <a:xfrm>
+          <a:off x="0" y="0"/>
+          <a:ext cx="0" cy="0"/>
+          <a:chOff x="0" y="0"/>
+          <a:chExt cx="0" cy="0"/>
+        </a:xfrm>
+      </p:grpSpPr>
+      <p:sp>
+        <p:nvSpPr>
+          <p:cNvPr id="2" name="Title 1"/>
+          <p:cNvSpPr>
+            <a:spLocks noGrp="1"/>
+          </p:cNvSpPr>
+          <p:nvPr>
+            <p:ph type="title"/>
+          </p:nvPr>
+        </p:nvSpPr>
+        <p:spPr/>
+        <p:txBody>
+          <a:bodyPr/>
+          <a:lstStyle/>
+          <a:p>
+            <a:r>
+              <a:rPr lang="bg-BG" dirty="0" smtClean="0"/>
+              <a:t>Планирани тестове</a:t>
+            </a:r>
+            <a:endParaRPr lang="en-US" dirty="0"/>
+          </a:p>
+        </p:txBody>
+      </p:sp>
+      <p:sp>
+        <p:nvSpPr>
+          <p:cNvPr id="3" name="Content Placeholder 2"/>
+          <p:cNvSpPr>
+            <a:spLocks noGrp="1"/>
+          </p:cNvSpPr>
+          <p:nvPr>
+            <p:ph idx="1"/>
+          </p:nvPr>
+        </p:nvSpPr>
+        <p:spPr>
+          <a:xfrm>
+            <a:off x="617518" y="1460666"/>
+            <a:ext cx="9432336" cy="4787734"/>
+          </a:xfrm>
+        </p:spPr>
+        <p:txBody>
+          <a:bodyPr/>
+          <a:lstStyle/>
+          <a:p>
+            <a:pPr lvl="0"/>
+            <a:r>
+              <a:rPr lang="bg-BG" dirty="0"/>
+              <a:t>Компонентно тестване (</a:t>
+            </a:r>
+            <a:r>
+              <a:rPr lang="en-US" dirty="0"/>
+              <a:t>Unit testing)</a:t>
+            </a:r>
+          </a:p>
+          <a:p>
+            <a:pPr lvl="0"/>
+            <a:r>
+              <a:rPr lang="bg-BG" dirty="0"/>
+              <a:t>Функционално тестване (</a:t>
+            </a:r>
+            <a:r>
+              <a:rPr lang="en-US" dirty="0"/>
+              <a:t>Functional testing)</a:t>
+            </a:r>
+          </a:p>
+          <a:p>
+            <a:pPr lvl="0"/>
+            <a:r>
+              <a:rPr lang="bg-BG" dirty="0"/>
+              <a:t>Тестване на потребителския интерфейс (</a:t>
+            </a:r>
+            <a:r>
+              <a:rPr lang="en-US" dirty="0"/>
+              <a:t>UI testing)</a:t>
+            </a:r>
+          </a:p>
+          <a:p>
+            <a:pPr lvl="0"/>
+            <a:r>
+              <a:rPr lang="bg-BG" dirty="0"/>
+              <a:t>Тестване на </a:t>
+            </a:r>
+            <a:r>
+              <a:rPr lang="bg-BG" dirty="0" err="1"/>
+              <a:t>ползваемост</a:t>
+            </a:r>
+            <a:r>
+              <a:rPr lang="bg-BG" dirty="0"/>
+              <a:t> (</a:t>
+            </a:r>
+            <a:r>
+              <a:rPr lang="en-US" dirty="0"/>
+              <a:t>Usability testing)</a:t>
+            </a:r>
+          </a:p>
+          <a:p>
+            <a:pPr lvl="0"/>
+            <a:r>
+              <a:rPr lang="bg-BG" dirty="0"/>
+              <a:t>Тестване на сигурността и контрола на достъп (</a:t>
+            </a:r>
+            <a:r>
+              <a:rPr lang="en-US" dirty="0"/>
+              <a:t>Security and Access Control testing)</a:t>
+            </a:r>
+          </a:p>
+          <a:p>
+            <a:pPr lvl="0"/>
+            <a:r>
+              <a:rPr lang="bg-BG" dirty="0" err="1"/>
+              <a:t>Регресионно</a:t>
+            </a:r>
+            <a:r>
+              <a:rPr lang="bg-BG" dirty="0"/>
+              <a:t> тестване (</a:t>
+            </a:r>
+            <a:r>
+              <a:rPr lang="en-US" dirty="0"/>
+              <a:t>Regression testing)</a:t>
+            </a:r>
+          </a:p>
+          <a:p>
+            <a:pPr lvl="0"/>
+            <a:r>
+              <a:rPr lang="bg-BG" dirty="0"/>
+              <a:t>Интеграционно тестване (</a:t>
+            </a:r>
+            <a:r>
+              <a:rPr lang="en-US" dirty="0"/>
+              <a:t>Integration testing)</a:t>
+            </a:r>
+          </a:p>
+          <a:p>
+            <a:endParaRPr lang="en-US" dirty="0"/>
+          </a:p>
+        </p:txBody>
+      </p:sp>
+    </p:spTree>
+    <p:extLst>
+      <p:ext uri="{BB962C8B-B14F-4D97-AF65-F5344CB8AC3E}">
+        <p14:creationId xmlns:p14="http://schemas.microsoft.com/office/powerpoint/2010/main" val="1582412550"/>
+      </p:ext>
+    </p:extLst>
+  </p:cSld>
+  <p:clrMapOvr>
+    <a:masterClrMapping/>
+  </p:clrMapOvr>
+  <p:timing>
+    <p:tnLst>
+      <p:par>
+        <p:cTn id="1" dur="indefinite" restart="never" nodeType="tmRoot"/>
+      </p:par>
+    </p:tnLst>
+  </p:timing>
+</p:sld>
+</file>
+
+<file path=ppt/slides/slide12.xml><?xml version="1.0" encoding="utf-8"?>
+<p:sld xmlns:a="http://schemas.openxmlformats.org/drawingml/2006/main" xmlns:r="http://schemas.openxmlformats.org/officeDocument/2006/relationships" xmlns:p="http://schemas.openxmlformats.org/presentationml/2006/main">
+  <p:cSld>
+    <p:spTree>
+      <p:nvGrpSpPr>
+        <p:cNvPr id="1" name=""/>
+        <p:cNvGrpSpPr/>
+        <p:nvPr/>
+      </p:nvGrpSpPr>
+      <p:grpSpPr>
+        <a:xfrm>
+          <a:off x="0" y="0"/>
+          <a:ext cx="0" cy="0"/>
+          <a:chOff x="0" y="0"/>
+          <a:chExt cx="0" cy="0"/>
+        </a:xfrm>
+      </p:grpSpPr>
+      <p:sp>
+        <p:nvSpPr>
+          <p:cNvPr id="2" name="Title 1"/>
+          <p:cNvSpPr>
+            <a:spLocks noGrp="1"/>
+          </p:cNvSpPr>
+          <p:nvPr>
+            <p:ph type="title"/>
+          </p:nvPr>
+        </p:nvSpPr>
+        <p:spPr/>
+        <p:txBody>
+          <a:bodyPr/>
+          <a:lstStyle/>
+          <a:p>
+            <a:r>
+              <a:rPr lang="bg-BG" dirty="0" smtClean="0"/>
+              <a:t>Необходими инструменти за тестването</a:t>
+            </a:r>
+            <a:endParaRPr lang="en-US" dirty="0"/>
+          </a:p>
+        </p:txBody>
+      </p:sp>
+      <p:graphicFrame>
+        <p:nvGraphicFramePr>
+          <p:cNvPr id="4" name="Content Placeholder 3"/>
+          <p:cNvGraphicFramePr>
+            <a:graphicFrameLocks noGrp="1"/>
+          </p:cNvGraphicFramePr>
+          <p:nvPr>
+            <p:ph idx="1"/>
+            <p:extLst>
+              <p:ext uri="{D42A27DB-BD31-4B8C-83A1-F6EECF244321}">
+                <p14:modId xmlns:p14="http://schemas.microsoft.com/office/powerpoint/2010/main" val="1130000463"/>
+              </p:ext>
+            </p:extLst>
+          </p:nvPr>
+        </p:nvGraphicFramePr>
+        <p:xfrm>
+          <a:off x="783771" y="2113806"/>
+          <a:ext cx="9512135" cy="2683825"/>
+        </p:xfrm>
+        <a:graphic>
+          <a:graphicData uri="http://schemas.openxmlformats.org/drawingml/2006/table">
+            <a:tbl>
+              <a:tblPr>
+                <a:tableStyleId>{5C22544A-7EE6-4342-B048-85BDC9FD1C3A}</a:tableStyleId>
+              </a:tblPr>
+              <a:tblGrid>
+                <a:gridCol w="3433907"/>
+                <a:gridCol w="1995014"/>
+                <a:gridCol w="2795623"/>
+                <a:gridCol w="1287591"/>
+              </a:tblGrid>
+              <a:tr h="557779">
+                <a:tc>
+                  <a:txBody>
+                    <a:bodyPr/>
+                    <a:lstStyle/>
+                    <a:p>
+                      <a:pPr algn="ctr">
+                        <a:lnSpc>
+                          <a:spcPts val="1200"/>
+                        </a:lnSpc>
+                        <a:spcAft>
+                          <a:spcPts val="0"/>
+                        </a:spcAft>
+                      </a:pPr>
+                      <a:endParaRPr lang="bg-BG" sz="1200" b="1" dirty="0" smtClean="0">
+                        <a:effectLst/>
+                      </a:endParaRPr>
+                    </a:p>
+                    <a:p>
+                      <a:pPr algn="ctr">
+                        <a:lnSpc>
+                          <a:spcPts val="1200"/>
+                        </a:lnSpc>
+                        <a:spcAft>
+                          <a:spcPts val="0"/>
+                        </a:spcAft>
+                      </a:pPr>
+                      <a:r>
+                        <a:rPr lang="bg-BG" sz="1200" b="1" dirty="0" smtClean="0">
+                          <a:effectLst/>
+                        </a:rPr>
+                        <a:t>Категория/тип </a:t>
+                      </a:r>
+                      <a:r>
+                        <a:rPr lang="bg-BG" sz="1200" b="1" dirty="0">
+                          <a:effectLst/>
+                        </a:rPr>
+                        <a:t>на инструмента</a:t>
+                      </a:r>
+                      <a:endParaRPr lang="en-US" sz="1200" b="1" dirty="0">
+                        <a:effectLst/>
+                        <a:latin typeface="Times New Roman"/>
+                        <a:ea typeface="Times New Roman"/>
+                      </a:endParaRPr>
+                    </a:p>
+                  </a:txBody>
+                  <a:tcPr marL="68580" marR="68580" marT="0" marB="0">
+                    <a:solidFill>
+                      <a:schemeClr val="tx1">
+                        <a:lumMod val="85000"/>
+                      </a:schemeClr>
+                    </a:solidFill>
+                  </a:tcPr>
+                </a:tc>
+                <a:tc>
+                  <a:txBody>
+                    <a:bodyPr/>
+                    <a:lstStyle/>
+                    <a:p>
+                      <a:pPr algn="ctr">
+                        <a:lnSpc>
+                          <a:spcPts val="1200"/>
+                        </a:lnSpc>
+                        <a:spcAft>
+                          <a:spcPts val="0"/>
+                        </a:spcAft>
+                      </a:pPr>
+                      <a:endParaRPr lang="bg-BG" sz="1200" dirty="0" smtClean="0">
+                        <a:effectLst/>
+                      </a:endParaRPr>
+                    </a:p>
+                    <a:p>
+                      <a:pPr algn="ctr">
+                        <a:lnSpc>
+                          <a:spcPts val="1200"/>
+                        </a:lnSpc>
+                        <a:spcAft>
+                          <a:spcPts val="0"/>
+                        </a:spcAft>
+                      </a:pPr>
+                      <a:r>
+                        <a:rPr lang="bg-BG" sz="1200" b="1" dirty="0" smtClean="0">
+                          <a:effectLst/>
+                        </a:rPr>
+                        <a:t>Име</a:t>
+                      </a:r>
+                      <a:endParaRPr lang="en-US" sz="1200" b="1" dirty="0">
+                        <a:effectLst/>
+                        <a:latin typeface="Times New Roman"/>
+                        <a:ea typeface="Times New Roman"/>
+                      </a:endParaRPr>
+                    </a:p>
+                  </a:txBody>
+                  <a:tcPr marL="68580" marR="68580" marT="0" marB="0">
+                    <a:solidFill>
+                      <a:schemeClr val="tx1">
+                        <a:lumMod val="85000"/>
+                      </a:schemeClr>
+                    </a:solidFill>
+                  </a:tcPr>
+                </a:tc>
+                <a:tc>
+                  <a:txBody>
+                    <a:bodyPr/>
+                    <a:lstStyle/>
+                    <a:p>
+                      <a:pPr marL="457200">
+                        <a:lnSpc>
+                          <a:spcPts val="1200"/>
+                        </a:lnSpc>
+                        <a:spcAft>
+                          <a:spcPts val="0"/>
+                        </a:spcAft>
+                      </a:pPr>
+                      <a:endParaRPr lang="bg-BG" sz="1200" dirty="0" smtClean="0">
+                        <a:effectLst/>
+                      </a:endParaRPr>
+                    </a:p>
+                    <a:p>
+                      <a:pPr marL="457200">
+                        <a:lnSpc>
+                          <a:spcPts val="1200"/>
+                        </a:lnSpc>
+                        <a:spcAft>
+                          <a:spcPts val="0"/>
+                        </a:spcAft>
+                      </a:pPr>
+                      <a:r>
+                        <a:rPr lang="bg-BG" sz="1200" b="1" dirty="0" smtClean="0">
+                          <a:effectLst/>
+                        </a:rPr>
+                        <a:t>Фирма</a:t>
+                      </a:r>
+                      <a:endParaRPr lang="en-US" sz="1200" b="1" dirty="0">
+                        <a:effectLst/>
+                        <a:latin typeface="Times New Roman"/>
+                        <a:ea typeface="Times New Roman"/>
+                      </a:endParaRPr>
+                    </a:p>
+                  </a:txBody>
+                  <a:tcPr marL="68580" marR="68580" marT="0" marB="0">
+                    <a:solidFill>
+                      <a:schemeClr val="tx1">
+                        <a:lumMod val="85000"/>
+                      </a:schemeClr>
+                    </a:solidFill>
+                  </a:tcPr>
+                </a:tc>
+                <a:tc>
+                  <a:txBody>
+                    <a:bodyPr/>
+                    <a:lstStyle/>
+                    <a:p>
+                      <a:pPr algn="ctr">
+                        <a:lnSpc>
+                          <a:spcPts val="1200"/>
+                        </a:lnSpc>
+                        <a:spcAft>
+                          <a:spcPts val="0"/>
+                        </a:spcAft>
+                      </a:pPr>
+                      <a:endParaRPr lang="bg-BG" sz="1200" dirty="0" smtClean="0">
+                        <a:effectLst/>
+                      </a:endParaRPr>
+                    </a:p>
+                    <a:p>
+                      <a:pPr algn="ctr">
+                        <a:lnSpc>
+                          <a:spcPts val="1200"/>
+                        </a:lnSpc>
+                        <a:spcAft>
+                          <a:spcPts val="0"/>
+                        </a:spcAft>
+                      </a:pPr>
+                      <a:r>
+                        <a:rPr lang="bg-BG" sz="1200" b="1" dirty="0" smtClean="0">
+                          <a:effectLst/>
+                        </a:rPr>
+                        <a:t>Версия</a:t>
+                      </a:r>
+                      <a:endParaRPr lang="en-US" sz="1200" b="1" dirty="0">
+                        <a:effectLst/>
+                        <a:latin typeface="Times New Roman"/>
+                        <a:ea typeface="Times New Roman"/>
+                      </a:endParaRPr>
+                    </a:p>
+                  </a:txBody>
+                  <a:tcPr marL="68580" marR="68580" marT="0" marB="0">
+                    <a:solidFill>
+                      <a:schemeClr val="tx1">
+                        <a:lumMod val="85000"/>
+                      </a:schemeClr>
+                    </a:solidFill>
+                  </a:tcPr>
+                </a:tc>
+              </a:tr>
+              <a:tr h="562963">
+                <a:tc>
+                  <a:txBody>
+                    <a:bodyPr/>
+                    <a:lstStyle/>
+                    <a:p>
+                      <a:pPr>
+                        <a:lnSpc>
+                          <a:spcPts val="1200"/>
+                        </a:lnSpc>
+                        <a:spcAft>
+                          <a:spcPts val="0"/>
+                        </a:spcAft>
+                      </a:pPr>
+                      <a:endParaRPr lang="bg-BG" sz="1200" dirty="0" smtClean="0">
+                        <a:effectLst/>
+                      </a:endParaRPr>
+                    </a:p>
+                    <a:p>
+                      <a:pPr>
+                        <a:lnSpc>
+                          <a:spcPts val="1200"/>
+                        </a:lnSpc>
+                        <a:spcAft>
+                          <a:spcPts val="0"/>
+                        </a:spcAft>
+                      </a:pPr>
+                      <a:r>
+                        <a:rPr lang="en-US" sz="1200" dirty="0" smtClean="0">
+                          <a:effectLst/>
+                        </a:rPr>
+                        <a:t>Load </a:t>
+                      </a:r>
+                      <a:r>
+                        <a:rPr lang="bg-BG" sz="1200" dirty="0">
+                          <a:effectLst/>
+                        </a:rPr>
+                        <a:t>тестване</a:t>
+                      </a:r>
+                      <a:endParaRPr lang="en-US" sz="1200" dirty="0">
+                        <a:effectLst/>
+                        <a:latin typeface="Times New Roman"/>
+                        <a:ea typeface="Times New Roman"/>
+                      </a:endParaRPr>
+                    </a:p>
+                  </a:txBody>
+                  <a:tcPr marL="68580" marR="68580" marT="0" marB="0">
+                    <a:solidFill>
+                      <a:schemeClr val="tx1"/>
+                    </a:solidFill>
+                  </a:tcPr>
+                </a:tc>
+                <a:tc>
+                  <a:txBody>
+                    <a:bodyPr/>
+                    <a:lstStyle/>
+                    <a:p>
+                      <a:pPr algn="ctr">
+                        <a:lnSpc>
+                          <a:spcPts val="1200"/>
+                        </a:lnSpc>
+                        <a:spcAft>
+                          <a:spcPts val="0"/>
+                        </a:spcAft>
+                      </a:pPr>
+                      <a:endParaRPr lang="bg-BG" sz="1200" dirty="0" smtClean="0">
+                        <a:effectLst/>
+                      </a:endParaRPr>
+                    </a:p>
+                    <a:p>
+                      <a:pPr algn="ctr">
+                        <a:lnSpc>
+                          <a:spcPts val="1200"/>
+                        </a:lnSpc>
+                        <a:spcAft>
+                          <a:spcPts val="0"/>
+                        </a:spcAft>
+                      </a:pPr>
+                      <a:r>
+                        <a:rPr lang="en-US" sz="1200" dirty="0" err="1" smtClean="0">
+                          <a:effectLst/>
+                        </a:rPr>
+                        <a:t>LoadUI</a:t>
+                      </a:r>
+                      <a:endParaRPr lang="en-US" sz="1200" dirty="0">
+                        <a:effectLst/>
+                        <a:latin typeface="Times New Roman"/>
+                        <a:ea typeface="Times New Roman"/>
+                      </a:endParaRPr>
+                    </a:p>
+                  </a:txBody>
+                  <a:tcPr marL="68580" marR="68580" marT="0" marB="0">
+                    <a:solidFill>
+                      <a:schemeClr val="tx1"/>
+                    </a:solidFill>
+                  </a:tcPr>
+                </a:tc>
+                <a:tc>
+                  <a:txBody>
+                    <a:bodyPr/>
+                    <a:lstStyle/>
+                    <a:p>
+                      <a:pPr marL="457200">
+                        <a:lnSpc>
+                          <a:spcPts val="1200"/>
+                        </a:lnSpc>
+                        <a:spcAft>
+                          <a:spcPts val="0"/>
+                        </a:spcAft>
+                      </a:pPr>
+                      <a:endParaRPr lang="bg-BG" sz="1200" dirty="0" smtClean="0">
+                        <a:effectLst/>
+                      </a:endParaRPr>
+                    </a:p>
+                    <a:p>
+                      <a:pPr marL="457200">
+                        <a:lnSpc>
+                          <a:spcPts val="1200"/>
+                        </a:lnSpc>
+                        <a:spcAft>
+                          <a:spcPts val="0"/>
+                        </a:spcAft>
+                      </a:pPr>
+                      <a:r>
+                        <a:rPr lang="en-US" sz="1200" dirty="0" err="1" smtClean="0">
+                          <a:effectLst/>
+                        </a:rPr>
+                        <a:t>smartbear</a:t>
+                      </a:r>
+                      <a:endParaRPr lang="en-US" sz="1200" dirty="0">
+                        <a:effectLst/>
+                        <a:latin typeface="Times New Roman"/>
+                        <a:ea typeface="Times New Roman"/>
+                      </a:endParaRPr>
+                    </a:p>
+                  </a:txBody>
+                  <a:tcPr marL="68580" marR="68580" marT="0" marB="0">
+                    <a:solidFill>
+                      <a:schemeClr val="tx1"/>
+                    </a:solidFill>
+                  </a:tcPr>
+                </a:tc>
+                <a:tc>
+                  <a:txBody>
+                    <a:bodyPr/>
+                    <a:lstStyle/>
+                    <a:p>
+                      <a:pPr algn="ctr">
+                        <a:lnSpc>
+                          <a:spcPts val="1200"/>
+                        </a:lnSpc>
+                        <a:spcAft>
+                          <a:spcPts val="0"/>
+                        </a:spcAft>
+                      </a:pPr>
+                      <a:endParaRPr lang="bg-BG" sz="1200" dirty="0" smtClean="0">
+                        <a:effectLst/>
+                      </a:endParaRPr>
+                    </a:p>
+                    <a:p>
+                      <a:pPr algn="ctr">
+                        <a:lnSpc>
+                          <a:spcPts val="1200"/>
+                        </a:lnSpc>
+                        <a:spcAft>
+                          <a:spcPts val="0"/>
+                        </a:spcAft>
+                      </a:pPr>
+                      <a:r>
+                        <a:rPr lang="en-US" sz="1200" dirty="0" smtClean="0">
+                          <a:effectLst/>
+                        </a:rPr>
+                        <a:t>2.9</a:t>
+                      </a:r>
+                      <a:endParaRPr lang="en-US" sz="1200" dirty="0">
+                        <a:effectLst/>
+                        <a:latin typeface="Times New Roman"/>
+                        <a:ea typeface="Times New Roman"/>
+                      </a:endParaRPr>
+                    </a:p>
+                  </a:txBody>
+                  <a:tcPr marL="68580" marR="68580" marT="0" marB="0">
+                    <a:solidFill>
+                      <a:schemeClr val="tx1"/>
+                    </a:solidFill>
+                  </a:tcPr>
+                </a:tc>
+              </a:tr>
+              <a:tr h="562963">
+                <a:tc>
+                  <a:txBody>
+                    <a:bodyPr/>
+                    <a:lstStyle/>
+                    <a:p>
+                      <a:pPr>
+                        <a:lnSpc>
+                          <a:spcPts val="1200"/>
+                        </a:lnSpc>
+                        <a:spcAft>
+                          <a:spcPts val="0"/>
+                        </a:spcAft>
+                      </a:pPr>
+                      <a:endParaRPr lang="bg-BG" sz="1200" dirty="0" smtClean="0">
+                        <a:effectLst/>
+                      </a:endParaRPr>
+                    </a:p>
+                    <a:p>
+                      <a:pPr>
+                        <a:lnSpc>
+                          <a:spcPts val="1200"/>
+                        </a:lnSpc>
+                        <a:spcAft>
+                          <a:spcPts val="0"/>
+                        </a:spcAft>
+                      </a:pPr>
+                      <a:r>
+                        <a:rPr lang="bg-BG" sz="1200" dirty="0" smtClean="0">
+                          <a:effectLst/>
+                        </a:rPr>
+                        <a:t>Система </a:t>
+                      </a:r>
+                      <a:r>
+                        <a:rPr lang="bg-BG" sz="1200" dirty="0">
+                          <a:effectLst/>
+                        </a:rPr>
+                        <a:t>за следене на </a:t>
+                      </a:r>
+                      <a:r>
+                        <a:rPr lang="bg-BG" sz="1200" dirty="0" smtClean="0">
+                          <a:effectLst/>
+                        </a:rPr>
+                        <a:t>проблеми</a:t>
+                      </a:r>
+                      <a:endParaRPr lang="en-US" sz="1200" dirty="0">
+                        <a:effectLst/>
+                        <a:latin typeface="Times New Roman"/>
+                        <a:ea typeface="Times New Roman"/>
+                      </a:endParaRPr>
+                    </a:p>
+                  </a:txBody>
+                  <a:tcPr marL="68580" marR="68580" marT="0" marB="0">
+                    <a:solidFill>
+                      <a:schemeClr val="tx1"/>
+                    </a:solidFill>
+                  </a:tcPr>
+                </a:tc>
+                <a:tc>
+                  <a:txBody>
+                    <a:bodyPr/>
+                    <a:lstStyle/>
+                    <a:p>
+                      <a:pPr algn="ctr">
+                        <a:lnSpc>
+                          <a:spcPts val="1200"/>
+                        </a:lnSpc>
+                        <a:spcAft>
+                          <a:spcPts val="0"/>
+                        </a:spcAft>
+                      </a:pPr>
+                      <a:endParaRPr lang="bg-BG" sz="1200" dirty="0" smtClean="0">
+                        <a:effectLst/>
+                      </a:endParaRPr>
+                    </a:p>
+                    <a:p>
+                      <a:pPr algn="ctr">
+                        <a:lnSpc>
+                          <a:spcPts val="1200"/>
+                        </a:lnSpc>
+                        <a:spcAft>
+                          <a:spcPts val="0"/>
+                        </a:spcAft>
+                      </a:pPr>
+                      <a:r>
+                        <a:rPr lang="en-US" sz="1200" dirty="0" err="1" smtClean="0">
+                          <a:effectLst/>
+                        </a:rPr>
+                        <a:t>Jira</a:t>
+                      </a:r>
+                      <a:endParaRPr lang="en-US" sz="1200" dirty="0">
+                        <a:effectLst/>
+                        <a:latin typeface="Times New Roman"/>
+                        <a:ea typeface="Times New Roman"/>
+                      </a:endParaRPr>
+                    </a:p>
+                  </a:txBody>
+                  <a:tcPr marL="68580" marR="68580" marT="0" marB="0">
+                    <a:solidFill>
+                      <a:schemeClr val="tx1"/>
+                    </a:solidFill>
+                  </a:tcPr>
+                </a:tc>
+                <a:tc>
+                  <a:txBody>
+                    <a:bodyPr/>
+                    <a:lstStyle/>
+                    <a:p>
+                      <a:pPr marL="457200">
+                        <a:lnSpc>
+                          <a:spcPts val="1200"/>
+                        </a:lnSpc>
+                        <a:spcAft>
+                          <a:spcPts val="0"/>
+                        </a:spcAft>
+                      </a:pPr>
+                      <a:endParaRPr lang="bg-BG" sz="1200" dirty="0" smtClean="0">
+                        <a:effectLst/>
+                      </a:endParaRPr>
+                    </a:p>
+                    <a:p>
+                      <a:pPr marL="457200">
+                        <a:lnSpc>
+                          <a:spcPts val="1200"/>
+                        </a:lnSpc>
+                        <a:spcAft>
+                          <a:spcPts val="0"/>
+                        </a:spcAft>
+                      </a:pPr>
+                      <a:r>
+                        <a:rPr lang="en-US" sz="1200" dirty="0" smtClean="0">
+                          <a:effectLst/>
+                        </a:rPr>
+                        <a:t>atlassian.com</a:t>
+                      </a:r>
+                      <a:endParaRPr lang="en-US" sz="1200" dirty="0">
+                        <a:effectLst/>
+                        <a:latin typeface="Times New Roman"/>
+                        <a:ea typeface="Times New Roman"/>
+                      </a:endParaRPr>
+                    </a:p>
+                  </a:txBody>
+                  <a:tcPr marL="68580" marR="68580" marT="0" marB="0">
+                    <a:solidFill>
+                      <a:schemeClr val="tx1"/>
+                    </a:solidFill>
+                  </a:tcPr>
+                </a:tc>
+                <a:tc>
+                  <a:txBody>
+                    <a:bodyPr/>
+                    <a:lstStyle/>
+                    <a:p>
+                      <a:pPr algn="ctr">
+                        <a:lnSpc>
+                          <a:spcPts val="1200"/>
+                        </a:lnSpc>
+                        <a:spcAft>
+                          <a:spcPts val="0"/>
+                        </a:spcAft>
+                      </a:pPr>
+                      <a:endParaRPr lang="bg-BG" sz="1200" dirty="0" smtClean="0">
+                        <a:effectLst/>
+                      </a:endParaRPr>
+                    </a:p>
+                    <a:p>
+                      <a:pPr algn="ctr">
+                        <a:lnSpc>
+                          <a:spcPts val="1200"/>
+                        </a:lnSpc>
+                        <a:spcAft>
+                          <a:spcPts val="0"/>
+                        </a:spcAft>
+                      </a:pPr>
+                      <a:r>
+                        <a:rPr lang="en-US" sz="1200" dirty="0" smtClean="0">
+                          <a:effectLst/>
+                        </a:rPr>
+                        <a:t>6.1</a:t>
+                      </a:r>
+                      <a:endParaRPr lang="en-US" sz="1200" dirty="0">
+                        <a:effectLst/>
+                        <a:latin typeface="Times New Roman"/>
+                        <a:ea typeface="Times New Roman"/>
+                      </a:endParaRPr>
+                    </a:p>
+                  </a:txBody>
+                  <a:tcPr marL="68580" marR="68580" marT="0" marB="0">
+                    <a:solidFill>
+                      <a:schemeClr val="tx1"/>
+                    </a:solidFill>
+                  </a:tcPr>
+                </a:tc>
+              </a:tr>
+              <a:tr h="655735">
+                <a:tc>
+                  <a:txBody>
+                    <a:bodyPr/>
+                    <a:lstStyle/>
+                    <a:p>
+                      <a:pPr>
+                        <a:lnSpc>
+                          <a:spcPts val="1200"/>
+                        </a:lnSpc>
+                        <a:spcAft>
+                          <a:spcPts val="0"/>
+                        </a:spcAft>
+                      </a:pPr>
+                      <a:endParaRPr lang="bg-BG" sz="1200" dirty="0" smtClean="0">
+                        <a:effectLst/>
+                      </a:endParaRPr>
+                    </a:p>
+                    <a:p>
+                      <a:pPr>
+                        <a:lnSpc>
+                          <a:spcPts val="1200"/>
+                        </a:lnSpc>
+                        <a:spcAft>
+                          <a:spcPts val="0"/>
+                        </a:spcAft>
+                      </a:pPr>
+                      <a:r>
+                        <a:rPr lang="bg-BG" sz="1200" dirty="0" smtClean="0">
+                          <a:effectLst/>
+                        </a:rPr>
+                        <a:t>Автоматизирано </a:t>
+                      </a:r>
+                      <a:r>
+                        <a:rPr lang="bg-BG" sz="1200" dirty="0">
+                          <a:effectLst/>
+                        </a:rPr>
+                        <a:t>функционално тестване</a:t>
+                      </a:r>
+                      <a:endParaRPr lang="en-US" sz="1200" dirty="0">
+                        <a:effectLst/>
+                        <a:latin typeface="Times New Roman"/>
+                        <a:ea typeface="Times New Roman"/>
+                      </a:endParaRPr>
+                    </a:p>
+                  </a:txBody>
+                  <a:tcPr marL="68580" marR="68580" marT="0" marB="0">
+                    <a:solidFill>
+                      <a:schemeClr val="tx1"/>
+                    </a:solidFill>
+                  </a:tcPr>
+                </a:tc>
+                <a:tc>
+                  <a:txBody>
+                    <a:bodyPr/>
+                    <a:lstStyle/>
+                    <a:p>
+                      <a:pPr algn="ctr">
+                        <a:lnSpc>
+                          <a:spcPts val="1200"/>
+                        </a:lnSpc>
+                        <a:spcAft>
+                          <a:spcPts val="0"/>
+                        </a:spcAft>
+                      </a:pPr>
+                      <a:endParaRPr lang="bg-BG" sz="1200" dirty="0" smtClean="0">
+                        <a:effectLst/>
+                      </a:endParaRPr>
+                    </a:p>
+                    <a:p>
+                      <a:pPr algn="ctr">
+                        <a:lnSpc>
+                          <a:spcPts val="1200"/>
+                        </a:lnSpc>
+                        <a:spcAft>
+                          <a:spcPts val="0"/>
+                        </a:spcAft>
+                      </a:pPr>
+                      <a:r>
+                        <a:rPr lang="en-US" sz="1200" dirty="0" smtClean="0">
+                          <a:effectLst/>
+                        </a:rPr>
+                        <a:t>Selenium</a:t>
+                      </a:r>
+                      <a:endParaRPr lang="en-US" sz="1200" dirty="0">
+                        <a:effectLst/>
+                        <a:latin typeface="Times New Roman"/>
+                        <a:ea typeface="Times New Roman"/>
+                      </a:endParaRPr>
+                    </a:p>
+                  </a:txBody>
+                  <a:tcPr marL="68580" marR="68580" marT="0" marB="0">
+                    <a:solidFill>
+                      <a:schemeClr val="tx1"/>
+                    </a:solidFill>
+                  </a:tcPr>
+                </a:tc>
+                <a:tc>
+                  <a:txBody>
+                    <a:bodyPr/>
+                    <a:lstStyle/>
+                    <a:p>
+                      <a:pPr marL="457200">
+                        <a:lnSpc>
+                          <a:spcPts val="1200"/>
+                        </a:lnSpc>
+                        <a:spcAft>
+                          <a:spcPts val="0"/>
+                        </a:spcAft>
+                      </a:pPr>
+                      <a:endParaRPr lang="bg-BG" sz="1200" dirty="0" smtClean="0">
+                        <a:effectLst/>
+                      </a:endParaRPr>
+                    </a:p>
+                    <a:p>
+                      <a:pPr marL="457200">
+                        <a:lnSpc>
+                          <a:spcPts val="1200"/>
+                        </a:lnSpc>
+                        <a:spcAft>
+                          <a:spcPts val="0"/>
+                        </a:spcAft>
+                      </a:pPr>
+                      <a:r>
+                        <a:rPr lang="en-US" sz="1200" dirty="0" smtClean="0">
+                          <a:effectLst/>
+                        </a:rPr>
+                        <a:t>seleniumhq.org</a:t>
+                      </a:r>
+                      <a:endParaRPr lang="en-US" sz="1200" dirty="0">
+                        <a:effectLst/>
+                        <a:latin typeface="Times New Roman"/>
+                        <a:ea typeface="Times New Roman"/>
+                      </a:endParaRPr>
+                    </a:p>
+                  </a:txBody>
+                  <a:tcPr marL="68580" marR="68580" marT="0" marB="0">
+                    <a:solidFill>
+                      <a:schemeClr val="tx1"/>
+                    </a:solidFill>
+                  </a:tcPr>
+                </a:tc>
+                <a:tc>
+                  <a:txBody>
+                    <a:bodyPr/>
+                    <a:lstStyle/>
+                    <a:p>
+                      <a:pPr algn="ctr">
+                        <a:lnSpc>
+                          <a:spcPts val="1200"/>
+                        </a:lnSpc>
+                        <a:spcAft>
+                          <a:spcPts val="0"/>
+                        </a:spcAft>
+                      </a:pPr>
+                      <a:endParaRPr lang="bg-BG" sz="1200" dirty="0" smtClean="0">
+                        <a:effectLst/>
+                      </a:endParaRPr>
+                    </a:p>
+                    <a:p>
+                      <a:pPr algn="ctr">
+                        <a:lnSpc>
+                          <a:spcPts val="1200"/>
+                        </a:lnSpc>
+                        <a:spcAft>
+                          <a:spcPts val="0"/>
+                        </a:spcAft>
+                      </a:pPr>
+                      <a:r>
+                        <a:rPr lang="bg-BG" sz="1200" dirty="0" smtClean="0">
+                          <a:effectLst/>
+                        </a:rPr>
+                        <a:t>2.35.0</a:t>
+                      </a:r>
+                      <a:endParaRPr lang="en-US" sz="1200" dirty="0">
+                        <a:effectLst/>
+                        <a:latin typeface="Times New Roman"/>
+                        <a:ea typeface="Times New Roman"/>
+                      </a:endParaRPr>
+                    </a:p>
+                  </a:txBody>
+                  <a:tcPr marL="68580" marR="68580" marT="0" marB="0">
+                    <a:solidFill>
+                      <a:schemeClr val="tx1"/>
+                    </a:solidFill>
+                  </a:tcPr>
+                </a:tc>
+              </a:tr>
+              <a:tr h="344385">
+                <a:tc>
+                  <a:txBody>
+                    <a:bodyPr/>
+                    <a:lstStyle/>
+                    <a:p>
+                      <a:pPr>
+                        <a:lnSpc>
+                          <a:spcPts val="1200"/>
+                        </a:lnSpc>
+                        <a:spcAft>
+                          <a:spcPts val="0"/>
+                        </a:spcAft>
+                      </a:pPr>
+                      <a:r>
+                        <a:rPr lang="bg-BG" sz="1200">
+                          <a:effectLst/>
+                        </a:rPr>
+                        <a:t>Функционално тестване</a:t>
+                      </a:r>
+                      <a:endParaRPr lang="en-US" sz="1200">
+                        <a:effectLst/>
+                        <a:latin typeface="Times New Roman"/>
+                        <a:ea typeface="Times New Roman"/>
+                      </a:endParaRPr>
+                    </a:p>
+                  </a:txBody>
+                  <a:tcPr marL="68580" marR="68580" marT="0" marB="0">
+                    <a:solidFill>
+                      <a:schemeClr val="tx1"/>
+                    </a:solidFill>
+                  </a:tcPr>
+                </a:tc>
+                <a:tc>
+                  <a:txBody>
+                    <a:bodyPr/>
+                    <a:lstStyle/>
+                    <a:p>
+                      <a:pPr algn="ctr">
+                        <a:lnSpc>
+                          <a:spcPts val="1200"/>
+                        </a:lnSpc>
+                        <a:spcAft>
+                          <a:spcPts val="0"/>
+                        </a:spcAft>
+                      </a:pPr>
+                      <a:r>
+                        <a:rPr lang="en-US" sz="1200" dirty="0" err="1">
+                          <a:effectLst/>
+                        </a:rPr>
+                        <a:t>SoapUI</a:t>
+                      </a:r>
+                      <a:endParaRPr lang="en-US" sz="1200" dirty="0">
+                        <a:effectLst/>
+                        <a:latin typeface="Times New Roman"/>
+                        <a:ea typeface="Times New Roman"/>
+                      </a:endParaRPr>
+                    </a:p>
+                  </a:txBody>
+                  <a:tcPr marL="68580" marR="68580" marT="0" marB="0">
+                    <a:solidFill>
+                      <a:schemeClr val="tx1"/>
+                    </a:solidFill>
+                  </a:tcPr>
+                </a:tc>
+                <a:tc>
+                  <a:txBody>
+                    <a:bodyPr/>
+                    <a:lstStyle/>
+                    <a:p>
+                      <a:pPr marL="457200">
+                        <a:lnSpc>
+                          <a:spcPts val="1200"/>
+                        </a:lnSpc>
+                        <a:spcAft>
+                          <a:spcPts val="0"/>
+                        </a:spcAft>
+                      </a:pPr>
+                      <a:r>
+                        <a:rPr lang="en-US" sz="1200">
+                          <a:effectLst/>
+                        </a:rPr>
+                        <a:t>Smart Bear</a:t>
+                      </a:r>
+                      <a:endParaRPr lang="en-US" sz="1200">
+                        <a:effectLst/>
+                        <a:latin typeface="Times New Roman"/>
+                        <a:ea typeface="Times New Roman"/>
+                      </a:endParaRPr>
+                    </a:p>
+                  </a:txBody>
+                  <a:tcPr marL="68580" marR="68580" marT="0" marB="0">
+                    <a:solidFill>
+                      <a:schemeClr val="tx1"/>
+                    </a:solidFill>
+                  </a:tcPr>
+                </a:tc>
+                <a:tc>
+                  <a:txBody>
+                    <a:bodyPr/>
+                    <a:lstStyle/>
+                    <a:p>
+                      <a:pPr algn="ctr">
+                        <a:lnSpc>
+                          <a:spcPts val="1200"/>
+                        </a:lnSpc>
+                        <a:spcAft>
+                          <a:spcPts val="0"/>
+                        </a:spcAft>
+                      </a:pPr>
+                      <a:endParaRPr lang="bg-BG" sz="1200" dirty="0" smtClean="0">
+                        <a:effectLst/>
+                      </a:endParaRPr>
+                    </a:p>
+                    <a:p>
+                      <a:pPr algn="ctr">
+                        <a:lnSpc>
+                          <a:spcPts val="1200"/>
+                        </a:lnSpc>
+                        <a:spcAft>
+                          <a:spcPts val="0"/>
+                        </a:spcAft>
+                      </a:pPr>
+                      <a:r>
+                        <a:rPr lang="en-US" sz="1200" dirty="0" smtClean="0">
+                          <a:effectLst/>
+                        </a:rPr>
+                        <a:t>3.0</a:t>
+                      </a:r>
+                      <a:endParaRPr lang="en-US" sz="1200" dirty="0">
+                        <a:effectLst/>
+                        <a:latin typeface="Times New Roman"/>
+                        <a:ea typeface="Times New Roman"/>
+                      </a:endParaRPr>
+                    </a:p>
+                  </a:txBody>
+                  <a:tcPr marL="68580" marR="68580" marT="0" marB="0">
+                    <a:solidFill>
+                      <a:schemeClr val="tx1"/>
+                    </a:solidFill>
+                  </a:tcPr>
+                </a:tc>
+              </a:tr>
+            </a:tbl>
+          </a:graphicData>
+        </a:graphic>
+      </p:graphicFrame>
+    </p:spTree>
+    <p:extLst>
+      <p:ext uri="{BB962C8B-B14F-4D97-AF65-F5344CB8AC3E}">
+        <p14:creationId xmlns:p14="http://schemas.microsoft.com/office/powerpoint/2010/main" val="1863368678"/>
+      </p:ext>
+    </p:extLst>
+  </p:cSld>
+  <p:clrMapOvr>
+    <a:masterClrMapping/>
+  </p:clrMapOvr>
+  <p:timing>
+    <p:tnLst>
+      <p:par>
+        <p:cTn id="1" dur="indefinite" restart="never" nodeType="tmRoot"/>
+      </p:par>
+    </p:tnLst>
+  </p:timing>
+</p:sld>
+</file>
+
+<file path=ppt/slides/slide13.xml><?xml version="1.0" encoding="utf-8"?>
+<p:sld xmlns:a="http://schemas.openxmlformats.org/drawingml/2006/main" xmlns:r="http://schemas.openxmlformats.org/officeDocument/2006/relationships" xmlns:p="http://schemas.openxmlformats.org/presentationml/2006/main">
+  <p:cSld>
+    <p:spTree>
+      <p:nvGrpSpPr>
+        <p:cNvPr id="1" name=""/>
+        <p:cNvGrpSpPr/>
+        <p:nvPr/>
+      </p:nvGrpSpPr>
+      <p:grpSpPr>
+        <a:xfrm>
+          <a:off x="0" y="0"/>
+          <a:ext cx="0" cy="0"/>
+          <a:chOff x="0" y="0"/>
+          <a:chExt cx="0" cy="0"/>
+        </a:xfrm>
+      </p:grpSpPr>
+      <p:sp>
+        <p:nvSpPr>
           <p:cNvPr id="2" name="Заглавие 1"/>
           <p:cNvSpPr>
             <a:spLocks noGrp="1"/>
@@ -6314,10 +7640,17 @@
   <p:clrMapOvr>
     <a:masterClrMapping/>
   </p:clrMapOvr>
+  <p:timing>
+    <p:tnLst>
+      <p:par>
+        <p:cTn id="1" dur="indefinite" restart="never" nodeType="tmRoot"/>
+      </p:par>
+    </p:tnLst>
+  </p:timing>
 </p:sld>
 </file>
 
-<file path=ppt/slides/slide11.xml><?xml version="1.0" encoding="utf-8"?>
+<file path=ppt/slides/slide14.xml><?xml version="1.0" encoding="utf-8"?>
 <p:sld xmlns:a="http://schemas.openxmlformats.org/drawingml/2006/main" xmlns:r="http://schemas.openxmlformats.org/officeDocument/2006/relationships" xmlns:p="http://schemas.openxmlformats.org/presentationml/2006/main">
   <p:cSld>
     <p:spTree>
@@ -7024,130 +8357,17 @@
   <p:clrMapOvr>
     <a:masterClrMapping/>
   </p:clrMapOvr>
+  <p:timing>
+    <p:tnLst>
+      <p:par>
+        <p:cTn id="1" dur="indefinite" restart="never" nodeType="tmRoot"/>
+      </p:par>
+    </p:tnLst>
+  </p:timing>
 </p:sld>
 </file>
 
-<file path=ppt/slides/slide2.xml><?xml version="1.0" encoding="utf-8"?>
-<p:sld xmlns:a="http://schemas.openxmlformats.org/drawingml/2006/main" xmlns:r="http://schemas.openxmlformats.org/officeDocument/2006/relationships" xmlns:p="http://schemas.openxmlformats.org/presentationml/2006/main">
-  <p:cSld>
-    <p:spTree>
-      <p:nvGrpSpPr>
-        <p:cNvPr id="1" name=""/>
-        <p:cNvGrpSpPr/>
-        <p:nvPr/>
-      </p:nvGrpSpPr>
-      <p:grpSpPr>
-        <a:xfrm>
-          <a:off x="0" y="0"/>
-          <a:ext cx="0" cy="0"/>
-          <a:chOff x="0" y="0"/>
-          <a:chExt cx="0" cy="0"/>
-        </a:xfrm>
-      </p:grpSpPr>
-      <p:sp>
-        <p:nvSpPr>
-          <p:cNvPr id="2" name="Заглавие 1"/>
-          <p:cNvSpPr>
-            <a:spLocks noGrp="1"/>
-          </p:cNvSpPr>
-          <p:nvPr>
-            <p:ph type="title"/>
-          </p:nvPr>
-        </p:nvSpPr>
-        <p:spPr/>
-        <p:txBody>
-          <a:bodyPr/>
-          <a:lstStyle/>
-          <a:p>
-            <a:r>
-              <a:rPr lang="bg-BG" dirty="0" smtClean="0"/>
-              <a:t>Цели на итерация</a:t>
-            </a:r>
-            <a:endParaRPr lang="bg-BG" dirty="0"/>
-          </a:p>
-        </p:txBody>
-      </p:sp>
-      <p:sp>
-        <p:nvSpPr>
-          <p:cNvPr id="3" name="Контейнер за съдържание 2"/>
-          <p:cNvSpPr>
-            <a:spLocks noGrp="1"/>
-          </p:cNvSpPr>
-          <p:nvPr>
-            <p:ph idx="1"/>
-          </p:nvPr>
-        </p:nvSpPr>
-        <p:spPr>
-          <a:xfrm>
-            <a:off x="1403563" y="1616190"/>
-            <a:ext cx="8946541" cy="4195481"/>
-          </a:xfrm>
-        </p:spPr>
-        <p:txBody>
-          <a:bodyPr/>
-          <a:lstStyle/>
-          <a:p>
-            <a:pPr marL="0" indent="0">
-              <a:buNone/>
-            </a:pPr>
-            <a:r>
-              <a:rPr lang="bg-BG" dirty="0" smtClean="0"/>
-              <a:t>Разработване на</a:t>
-            </a:r>
-            <a:r>
-              <a:rPr lang="en-US" dirty="0" smtClean="0"/>
-              <a:t> :</a:t>
-            </a:r>
-          </a:p>
-          <a:p>
-            <a:r>
-              <a:rPr lang="en-US" dirty="0" smtClean="0"/>
-              <a:t>Design Model</a:t>
-            </a:r>
-          </a:p>
-          <a:p>
-            <a:r>
-              <a:rPr lang="en-US" dirty="0" smtClean="0"/>
-              <a:t>Use case Model</a:t>
-            </a:r>
-          </a:p>
-          <a:p>
-            <a:r>
-              <a:rPr lang="en-US" dirty="0" smtClean="0"/>
-              <a:t>Test Model</a:t>
-            </a:r>
-          </a:p>
-          <a:p>
-            <a:r>
-              <a:rPr lang="en-US" dirty="0" smtClean="0"/>
-              <a:t>Master Test Plan</a:t>
-            </a:r>
-          </a:p>
-          <a:p>
-            <a:r>
-              <a:rPr lang="en-US" dirty="0" smtClean="0"/>
-              <a:t>Iteration plan C1</a:t>
-            </a:r>
-          </a:p>
-          <a:p>
-            <a:endParaRPr lang="bg-BG" dirty="0"/>
-          </a:p>
-        </p:txBody>
-      </p:sp>
-    </p:spTree>
-    <p:extLst>
-      <p:ext uri="{BB962C8B-B14F-4D97-AF65-F5344CB8AC3E}">
-        <p14:creationId xmlns:p14="http://schemas.microsoft.com/office/powerpoint/2010/main" val="4109409730"/>
-      </p:ext>
-    </p:extLst>
-  </p:cSld>
-  <p:clrMapOvr>
-    <a:masterClrMapping/>
-  </p:clrMapOvr>
-</p:sld>
-</file>
-
-<file path=ppt/slides/slide3.xml><?xml version="1.0" encoding="utf-8"?>
+<file path=ppt/slides/slide15.xml><?xml version="1.0" encoding="utf-8"?>
 <p:sld xmlns:a="http://schemas.openxmlformats.org/drawingml/2006/main" xmlns:r="http://schemas.openxmlformats.org/officeDocument/2006/relationships" xmlns:p="http://schemas.openxmlformats.org/presentationml/2006/main">
   <p:cSld>
     <p:spTree>
@@ -7272,7 +8492,7 @@
 </p:sld>
 </file>
 
-<file path=ppt/slides/slide4.xml><?xml version="1.0" encoding="utf-8"?>
+<file path=ppt/slides/slide16.xml><?xml version="1.0" encoding="utf-8"?>
 <p:sld xmlns:a="http://schemas.openxmlformats.org/drawingml/2006/main" xmlns:r="http://schemas.openxmlformats.org/officeDocument/2006/relationships" xmlns:p="http://schemas.openxmlformats.org/presentationml/2006/main">
   <p:cSld>
     <p:spTree>
@@ -7403,7 +8623,7 @@
 </p:sld>
 </file>
 
-<file path=ppt/slides/slide5.xml><?xml version="1.0" encoding="utf-8"?>
+<file path=ppt/slides/slide17.xml><?xml version="1.0" encoding="utf-8"?>
 <p:sld xmlns:a="http://schemas.openxmlformats.org/drawingml/2006/main" xmlns:r="http://schemas.openxmlformats.org/officeDocument/2006/relationships" xmlns:p="http://schemas.openxmlformats.org/presentationml/2006/main">
   <p:cSld>
     <p:spTree>
@@ -7528,10 +8748,17 @@
   <p:clrMapOvr>
     <a:masterClrMapping/>
   </p:clrMapOvr>
+  <p:timing>
+    <p:tnLst>
+      <p:par>
+        <p:cTn id="1" dur="indefinite" restart="never" nodeType="tmRoot"/>
+      </p:par>
+    </p:tnLst>
+  </p:timing>
 </p:sld>
 </file>
 
-<file path=ppt/slides/slide6.xml><?xml version="1.0" encoding="utf-8"?>
+<file path=ppt/slides/slide18.xml><?xml version="1.0" encoding="utf-8"?>
 <p:sld xmlns:a="http://schemas.openxmlformats.org/drawingml/2006/main" xmlns:r="http://schemas.openxmlformats.org/officeDocument/2006/relationships" xmlns:p="http://schemas.openxmlformats.org/presentationml/2006/main">
   <p:cSld>
     <p:spTree>
@@ -7751,10 +8978,17 @@
   <p:clrMapOvr>
     <a:masterClrMapping/>
   </p:clrMapOvr>
+  <p:timing>
+    <p:tnLst>
+      <p:par>
+        <p:cTn id="1" dur="indefinite" restart="never" nodeType="tmRoot"/>
+      </p:par>
+    </p:tnLst>
+  </p:timing>
 </p:sld>
 </file>
 
-<file path=ppt/slides/slide7.xml><?xml version="1.0" encoding="utf-8"?>
+<file path=ppt/slides/slide19.xml><?xml version="1.0" encoding="utf-8"?>
 <p:sld xmlns:a="http://schemas.openxmlformats.org/drawingml/2006/main" xmlns:r="http://schemas.openxmlformats.org/officeDocument/2006/relationships" xmlns:p="http://schemas.openxmlformats.org/presentationml/2006/main">
   <p:cSld>
     <p:spTree>
@@ -7834,10 +9068,167 @@
   <p:clrMapOvr>
     <a:masterClrMapping/>
   </p:clrMapOvr>
+  <p:timing>
+    <p:tnLst>
+      <p:par>
+        <p:cTn id="1" dur="indefinite" restart="never" nodeType="tmRoot"/>
+      </p:par>
+    </p:tnLst>
+  </p:timing>
 </p:sld>
 </file>
 
-<file path=ppt/slides/slide8.xml><?xml version="1.0" encoding="utf-8"?>
+<file path=ppt/slides/slide2.xml><?xml version="1.0" encoding="utf-8"?>
+<p:sld xmlns:a="http://schemas.openxmlformats.org/drawingml/2006/main" xmlns:r="http://schemas.openxmlformats.org/officeDocument/2006/relationships" xmlns:p="http://schemas.openxmlformats.org/presentationml/2006/main">
+  <p:cSld>
+    <p:spTree>
+      <p:nvGrpSpPr>
+        <p:cNvPr id="1" name=""/>
+        <p:cNvGrpSpPr/>
+        <p:nvPr/>
+      </p:nvGrpSpPr>
+      <p:grpSpPr>
+        <a:xfrm>
+          <a:off x="0" y="0"/>
+          <a:ext cx="0" cy="0"/>
+          <a:chOff x="0" y="0"/>
+          <a:chExt cx="0" cy="0"/>
+        </a:xfrm>
+      </p:grpSpPr>
+      <p:sp>
+        <p:nvSpPr>
+          <p:cNvPr id="2" name="Заглавие 1"/>
+          <p:cNvSpPr>
+            <a:spLocks noGrp="1"/>
+          </p:cNvSpPr>
+          <p:nvPr>
+            <p:ph type="title"/>
+          </p:nvPr>
+        </p:nvSpPr>
+        <p:spPr/>
+        <p:txBody>
+          <a:bodyPr/>
+          <a:lstStyle/>
+          <a:p>
+            <a:r>
+              <a:rPr lang="bg-BG" dirty="0" smtClean="0"/>
+              <a:t>Цели на итерация</a:t>
+            </a:r>
+            <a:endParaRPr lang="bg-BG" dirty="0"/>
+          </a:p>
+        </p:txBody>
+      </p:sp>
+      <p:sp>
+        <p:nvSpPr>
+          <p:cNvPr id="3" name="Контейнер за съдържание 2"/>
+          <p:cNvSpPr>
+            <a:spLocks noGrp="1"/>
+          </p:cNvSpPr>
+          <p:nvPr>
+            <p:ph idx="1"/>
+          </p:nvPr>
+        </p:nvSpPr>
+        <p:spPr>
+          <a:xfrm>
+            <a:off x="1403563" y="1616190"/>
+            <a:ext cx="8946541" cy="4195481"/>
+          </a:xfrm>
+        </p:spPr>
+        <p:txBody>
+          <a:bodyPr/>
+          <a:lstStyle/>
+          <a:p>
+            <a:pPr marL="0" indent="0">
+              <a:buNone/>
+            </a:pPr>
+            <a:r>
+              <a:rPr lang="bg-BG" dirty="0" smtClean="0"/>
+              <a:t>Разработване на</a:t>
+            </a:r>
+            <a:r>
+              <a:rPr lang="en-US" dirty="0" smtClean="0"/>
+              <a:t> :</a:t>
+            </a:r>
+            <a:endParaRPr lang="bg-BG" dirty="0" smtClean="0"/>
+          </a:p>
+          <a:p>
+            <a:r>
+              <a:rPr lang="en-US" dirty="0" smtClean="0"/>
+              <a:t>Master </a:t>
+            </a:r>
+            <a:r>
+              <a:rPr lang="en-US" dirty="0"/>
+              <a:t>Test </a:t>
+            </a:r>
+            <a:r>
+              <a:rPr lang="en-US" dirty="0" smtClean="0"/>
+              <a:t>Plan</a:t>
+            </a:r>
+            <a:endParaRPr lang="bg-BG" dirty="0" smtClean="0"/>
+          </a:p>
+          <a:p>
+            <a:r>
+              <a:rPr lang="en-US" dirty="0"/>
+              <a:t>Test </a:t>
+            </a:r>
+            <a:r>
+              <a:rPr lang="en-US" dirty="0" smtClean="0"/>
+              <a:t>Model</a:t>
+            </a:r>
+            <a:endParaRPr lang="bg-BG" dirty="0" smtClean="0"/>
+          </a:p>
+          <a:p>
+            <a:r>
+              <a:rPr lang="en-US" dirty="0"/>
+              <a:t>Use case </a:t>
+            </a:r>
+            <a:r>
+              <a:rPr lang="en-US" dirty="0" smtClean="0"/>
+              <a:t>Model</a:t>
+            </a:r>
+          </a:p>
+          <a:p>
+            <a:r>
+              <a:rPr lang="en-US" dirty="0" smtClean="0"/>
+              <a:t>Design Model</a:t>
+            </a:r>
+          </a:p>
+          <a:p>
+            <a:r>
+              <a:rPr lang="en-US" dirty="0" smtClean="0">
+                <a:solidFill>
+                  <a:srgbClr val="FF0000"/>
+                </a:solidFill>
+              </a:rPr>
+              <a:t>Iteration plan C1</a:t>
+            </a:r>
+          </a:p>
+          <a:p>
+            <a:endParaRPr lang="bg-BG" dirty="0"/>
+          </a:p>
+        </p:txBody>
+      </p:sp>
+    </p:spTree>
+    <p:extLst>
+      <p:ext uri="{BB962C8B-B14F-4D97-AF65-F5344CB8AC3E}">
+        <p14:creationId xmlns:p14="http://schemas.microsoft.com/office/powerpoint/2010/main" val="4109409730"/>
+      </p:ext>
+    </p:extLst>
+  </p:cSld>
+  <p:clrMapOvr>
+    <a:masterClrMapping/>
+  </p:clrMapOvr>
+  <p:timing>
+    <p:tnLst>
+      <p:par>
+        <p:cTn id="1" dur="indefinite" restart="never" nodeType="tmRoot"/>
+      </p:par>
+    </p:tnLst>
+  </p:timing>
+</p:sld>
+</file>
+
+<file path=ppt/slides/slide20.xml><?xml version="1.0" encoding="utf-8"?>
 <p:sld xmlns:a="http://schemas.openxmlformats.org/drawingml/2006/main" xmlns:r="http://schemas.openxmlformats.org/officeDocument/2006/relationships" xmlns:p="http://schemas.openxmlformats.org/presentationml/2006/main">
   <p:cSld>
     <p:spTree>
@@ -7916,6 +9307,4332 @@
   <p:clrMapOvr>
     <a:masterClrMapping/>
   </p:clrMapOvr>
+  <p:timing>
+    <p:tnLst>
+      <p:par>
+        <p:cTn id="1" dur="indefinite" restart="never" nodeType="tmRoot"/>
+      </p:par>
+    </p:tnLst>
+  </p:timing>
+</p:sld>
+</file>
+
+<file path=ppt/slides/slide21.xml><?xml version="1.0" encoding="utf-8"?>
+<p:sld xmlns:a="http://schemas.openxmlformats.org/drawingml/2006/main" xmlns:r="http://schemas.openxmlformats.org/officeDocument/2006/relationships" xmlns:p="http://schemas.openxmlformats.org/presentationml/2006/main">
+  <p:cSld>
+    <p:spTree>
+      <p:nvGrpSpPr>
+        <p:cNvPr id="1" name=""/>
+        <p:cNvGrpSpPr/>
+        <p:nvPr/>
+      </p:nvGrpSpPr>
+      <p:grpSpPr>
+        <a:xfrm>
+          <a:off x="0" y="0"/>
+          <a:ext cx="0" cy="0"/>
+          <a:chOff x="0" y="0"/>
+          <a:chExt cx="0" cy="0"/>
+        </a:xfrm>
+      </p:grpSpPr>
+      <p:sp>
+        <p:nvSpPr>
+          <p:cNvPr id="2" name="Заглавие 1"/>
+          <p:cNvSpPr>
+            <a:spLocks noGrp="1"/>
+          </p:cNvSpPr>
+          <p:nvPr>
+            <p:ph type="title"/>
+          </p:nvPr>
+        </p:nvSpPr>
+        <p:spPr/>
+        <p:txBody>
+          <a:bodyPr/>
+          <a:lstStyle/>
+          <a:p>
+            <a:r>
+              <a:rPr lang="bg-BG" dirty="0" smtClean="0"/>
+              <a:t>Блокиране на карта</a:t>
+            </a:r>
+            <a:endParaRPr lang="bg-BG" dirty="0"/>
+          </a:p>
+        </p:txBody>
+      </p:sp>
+      <p:pic>
+        <p:nvPicPr>
+          <p:cNvPr id="4" name="Контейнер за съдържание 3"/>
+          <p:cNvPicPr>
+            <a:picLocks noGrp="1" noChangeAspect="1"/>
+          </p:cNvPicPr>
+          <p:nvPr>
+            <p:ph idx="1"/>
+          </p:nvPr>
+        </p:nvPicPr>
+        <p:blipFill rotWithShape="1">
+          <a:blip r:embed="rId2"/>
+          <a:srcRect l="11155" t="16622" r="20612" b="13372"/>
+          <a:stretch/>
+        </p:blipFill>
+        <p:spPr>
+          <a:xfrm>
+            <a:off x="4258101" y="1306345"/>
+            <a:ext cx="7042244" cy="4835147"/>
+          </a:xfrm>
+          <a:prstGeom prst="rect">
+            <a:avLst/>
+          </a:prstGeom>
+        </p:spPr>
+      </p:pic>
+      <p:sp>
+        <p:nvSpPr>
+          <p:cNvPr id="5" name="Текстово поле 4"/>
+          <p:cNvSpPr txBox="1"/>
+          <p:nvPr/>
+        </p:nvSpPr>
+        <p:spPr>
+          <a:xfrm>
+            <a:off x="741646" y="2804769"/>
+            <a:ext cx="3611990" cy="1477328"/>
+          </a:xfrm>
+          <a:prstGeom prst="rect">
+            <a:avLst/>
+          </a:prstGeom>
+          <a:noFill/>
+        </p:spPr>
+        <p:txBody>
+          <a:bodyPr wrap="square" rtlCol="0">
+            <a:spAutoFit/>
+          </a:bodyPr>
+          <a:lstStyle/>
+          <a:p>
+            <a:pPr marL="342900" indent="-342900">
+              <a:buAutoNum type="arabicPeriod"/>
+            </a:pPr>
+            <a:r>
+              <a:rPr lang="bg-BG" dirty="0" smtClean="0"/>
+              <a:t>Избор на меню за </a:t>
+            </a:r>
+            <a:r>
+              <a:rPr lang="bg-BG" dirty="0" err="1" smtClean="0"/>
+              <a:t>блокриане</a:t>
+            </a:r>
+            <a:r>
+              <a:rPr lang="bg-BG" dirty="0" smtClean="0"/>
+              <a:t> на карта</a:t>
+            </a:r>
+          </a:p>
+          <a:p>
+            <a:pPr marL="342900" indent="-342900">
+              <a:buAutoNum type="arabicPeriod"/>
+            </a:pPr>
+            <a:r>
+              <a:rPr lang="bg-BG" dirty="0" smtClean="0"/>
+              <a:t>Определяне на причина за блокиране</a:t>
+            </a:r>
+          </a:p>
+          <a:p>
+            <a:pPr marL="342900" indent="-342900">
+              <a:buAutoNum type="arabicPeriod"/>
+            </a:pPr>
+            <a:r>
+              <a:rPr lang="bg-BG" dirty="0" smtClean="0"/>
+              <a:t>Потвърждение </a:t>
+            </a:r>
+            <a:endParaRPr lang="bg-BG" dirty="0"/>
+          </a:p>
+        </p:txBody>
+      </p:sp>
+    </p:spTree>
+    <p:extLst>
+      <p:ext uri="{BB962C8B-B14F-4D97-AF65-F5344CB8AC3E}">
+        <p14:creationId xmlns:p14="http://schemas.microsoft.com/office/powerpoint/2010/main" val="2479056072"/>
+      </p:ext>
+    </p:extLst>
+  </p:cSld>
+  <p:clrMapOvr>
+    <a:masterClrMapping/>
+  </p:clrMapOvr>
+  <p:timing>
+    <p:tnLst>
+      <p:par>
+        <p:cTn id="1" dur="indefinite" restart="never" nodeType="tmRoot"/>
+      </p:par>
+    </p:tnLst>
+  </p:timing>
+</p:sld>
+</file>
+
+<file path=ppt/slides/slide22.xml><?xml version="1.0" encoding="utf-8"?>
+<p:sld xmlns:a="http://schemas.openxmlformats.org/drawingml/2006/main" xmlns:r="http://schemas.openxmlformats.org/officeDocument/2006/relationships" xmlns:p="http://schemas.openxmlformats.org/presentationml/2006/main">
+  <p:cSld>
+    <p:spTree>
+      <p:nvGrpSpPr>
+        <p:cNvPr id="1" name=""/>
+        <p:cNvGrpSpPr/>
+        <p:nvPr/>
+      </p:nvGrpSpPr>
+      <p:grpSpPr>
+        <a:xfrm>
+          <a:off x="0" y="0"/>
+          <a:ext cx="0" cy="0"/>
+          <a:chOff x="0" y="0"/>
+          <a:chExt cx="0" cy="0"/>
+        </a:xfrm>
+      </p:grpSpPr>
+      <p:sp>
+        <p:nvSpPr>
+          <p:cNvPr id="4" name="Title 1"/>
+          <p:cNvSpPr>
+            <a:spLocks noGrp="1"/>
+          </p:cNvSpPr>
+          <p:nvPr>
+            <p:ph type="title"/>
+          </p:nvPr>
+        </p:nvSpPr>
+        <p:spPr>
+          <a:xfrm>
+            <a:off x="646111" y="452718"/>
+            <a:ext cx="9404723" cy="1400530"/>
+          </a:xfrm>
+        </p:spPr>
+        <p:txBody>
+          <a:bodyPr/>
+          <a:lstStyle/>
+          <a:p>
+            <a:r>
+              <a:rPr lang="bg-BG" dirty="0" smtClean="0"/>
+              <a:t>Дизайн модел</a:t>
+            </a:r>
+            <a:endParaRPr lang="bg-BG" dirty="0"/>
+          </a:p>
+        </p:txBody>
+      </p:sp>
+      <p:graphicFrame>
+        <p:nvGraphicFramePr>
+          <p:cNvPr id="5" name="Content Placeholder 3"/>
+          <p:cNvGraphicFramePr>
+            <a:graphicFrameLocks noGrp="1"/>
+          </p:cNvGraphicFramePr>
+          <p:nvPr>
+            <p:ph idx="1"/>
+            <p:extLst>
+              <p:ext uri="{D42A27DB-BD31-4B8C-83A1-F6EECF244321}">
+                <p14:modId xmlns:p14="http://schemas.microsoft.com/office/powerpoint/2010/main" val="1642363888"/>
+              </p:ext>
+            </p:extLst>
+          </p:nvPr>
+        </p:nvGraphicFramePr>
+        <p:xfrm>
+          <a:off x="1330036" y="1448792"/>
+          <a:ext cx="8942119" cy="4681022"/>
+        </p:xfrm>
+        <a:graphic>
+          <a:graphicData uri="http://schemas.openxmlformats.org/drawingml/2006/table">
+            <a:tbl>
+              <a:tblPr>
+                <a:tableStyleId>{8799B23B-EC83-4686-B30A-512413B5E67A}</a:tableStyleId>
+              </a:tblPr>
+              <a:tblGrid>
+                <a:gridCol w="4191125"/>
+                <a:gridCol w="4750994"/>
+              </a:tblGrid>
+              <a:tr h="445812">
+                <a:tc>
+                  <a:txBody>
+                    <a:bodyPr/>
+                    <a:lstStyle/>
+                    <a:p>
+                      <a:pPr>
+                        <a:spcAft>
+                          <a:spcPts val="0"/>
+                        </a:spcAft>
+                      </a:pPr>
+                      <a:r>
+                        <a:rPr lang="bg-BG" sz="1400" dirty="0">
+                          <a:effectLst/>
+                        </a:rPr>
+                        <a:t>Представяне</a:t>
+                      </a:r>
+                      <a:endParaRPr lang="bg-BG" sz="2000" dirty="0">
+                        <a:solidFill>
+                          <a:srgbClr val="000000"/>
+                        </a:solidFill>
+                        <a:effectLst/>
+                        <a:latin typeface="Times New Roman"/>
+                        <a:ea typeface="Times New Roman"/>
+                      </a:endParaRPr>
+                    </a:p>
+                  </a:txBody>
+                  <a:tcPr marL="68580" marR="68580" marT="0" marB="0"/>
+                </a:tc>
+                <a:tc>
+                  <a:txBody>
+                    <a:bodyPr/>
+                    <a:lstStyle/>
+                    <a:p>
+                      <a:pPr>
+                        <a:spcAft>
+                          <a:spcPts val="0"/>
+                        </a:spcAft>
+                      </a:pPr>
+                      <a:r>
+                        <a:rPr lang="bg-BG" sz="1400">
+                          <a:effectLst/>
+                        </a:rPr>
+                        <a:t>Предоставя информация относно този документ</a:t>
+                      </a:r>
+                      <a:endParaRPr lang="bg-BG" sz="2000">
+                        <a:solidFill>
+                          <a:srgbClr val="000000"/>
+                        </a:solidFill>
+                        <a:effectLst/>
+                        <a:latin typeface="Times New Roman"/>
+                        <a:ea typeface="Times New Roman"/>
+                      </a:endParaRPr>
+                    </a:p>
+                  </a:txBody>
+                  <a:tcPr marL="68580" marR="68580" marT="0" marB="0"/>
+                </a:tc>
+              </a:tr>
+              <a:tr h="891623">
+                <a:tc>
+                  <a:txBody>
+                    <a:bodyPr/>
+                    <a:lstStyle/>
+                    <a:p>
+                      <a:pPr>
+                        <a:spcAft>
+                          <a:spcPts val="0"/>
+                        </a:spcAft>
+                      </a:pPr>
+                      <a:r>
+                        <a:rPr lang="bg-BG" sz="1400" dirty="0">
+                          <a:effectLst/>
+                        </a:rPr>
+                        <a:t>Преглед на дизайна </a:t>
+                      </a:r>
+                      <a:endParaRPr lang="bg-BG" sz="2000" dirty="0">
+                        <a:solidFill>
+                          <a:srgbClr val="000000"/>
+                        </a:solidFill>
+                        <a:effectLst/>
+                        <a:latin typeface="Times New Roman"/>
+                        <a:ea typeface="Times New Roman"/>
+                      </a:endParaRPr>
+                    </a:p>
+                  </a:txBody>
+                  <a:tcPr marL="68580" marR="68580" marT="0" marB="0"/>
+                </a:tc>
+                <a:tc>
+                  <a:txBody>
+                    <a:bodyPr/>
+                    <a:lstStyle/>
+                    <a:p>
+                      <a:pPr>
+                        <a:spcAft>
+                          <a:spcPts val="0"/>
+                        </a:spcAft>
+                      </a:pPr>
+                      <a:r>
+                        <a:rPr lang="bg-BG" sz="1400" dirty="0">
+                          <a:effectLst/>
+                        </a:rPr>
+                        <a:t>Описва подхода, архитектурните цели и ограничения, принципите, дизайн </a:t>
+                      </a:r>
+                      <a:r>
+                        <a:rPr lang="bg-BG" sz="1400" dirty="0" err="1">
+                          <a:effectLst/>
+                        </a:rPr>
+                        <a:t>патерни</a:t>
+                      </a:r>
+                      <a:r>
+                        <a:rPr lang="bg-BG" sz="1400" dirty="0">
+                          <a:effectLst/>
+                        </a:rPr>
+                        <a:t> използвани при дизайна и разработката на системата </a:t>
+                      </a:r>
+                      <a:endParaRPr lang="bg-BG" sz="2000" dirty="0">
+                        <a:solidFill>
+                          <a:srgbClr val="000000"/>
+                        </a:solidFill>
+                        <a:effectLst/>
+                        <a:latin typeface="Times New Roman"/>
+                        <a:ea typeface="Times New Roman"/>
+                      </a:endParaRPr>
+                    </a:p>
+                  </a:txBody>
+                  <a:tcPr marL="68580" marR="68580" marT="0" marB="0"/>
+                </a:tc>
+              </a:tr>
+              <a:tr h="445812">
+                <a:tc>
+                  <a:txBody>
+                    <a:bodyPr/>
+                    <a:lstStyle/>
+                    <a:p>
+                      <a:pPr>
+                        <a:spcAft>
+                          <a:spcPts val="0"/>
+                        </a:spcAft>
+                      </a:pPr>
+                      <a:r>
+                        <a:rPr lang="bg-BG" sz="1400">
+                          <a:effectLst/>
+                        </a:rPr>
+                        <a:t>Принципи на дизайна </a:t>
+                      </a:r>
+                      <a:endParaRPr lang="bg-BG" sz="2000">
+                        <a:solidFill>
+                          <a:srgbClr val="000000"/>
+                        </a:solidFill>
+                        <a:effectLst/>
+                        <a:latin typeface="Times New Roman"/>
+                        <a:ea typeface="Times New Roman"/>
+                      </a:endParaRPr>
+                    </a:p>
+                  </a:txBody>
+                  <a:tcPr marL="68580" marR="68580" marT="0" marB="0"/>
+                </a:tc>
+                <a:tc>
+                  <a:txBody>
+                    <a:bodyPr/>
+                    <a:lstStyle/>
+                    <a:p>
+                      <a:pPr>
+                        <a:spcAft>
+                          <a:spcPts val="0"/>
+                        </a:spcAft>
+                      </a:pPr>
+                      <a:r>
+                        <a:rPr lang="bg-BG" sz="1400">
+                          <a:effectLst/>
+                        </a:rPr>
+                        <a:t>Описва различните принципи и основни изисквания към дизайна на приложението</a:t>
+                      </a:r>
+                      <a:endParaRPr lang="bg-BG" sz="2000">
+                        <a:solidFill>
+                          <a:srgbClr val="000000"/>
+                        </a:solidFill>
+                        <a:effectLst/>
+                        <a:latin typeface="Times New Roman"/>
+                        <a:ea typeface="Times New Roman"/>
+                      </a:endParaRPr>
+                    </a:p>
+                  </a:txBody>
+                  <a:tcPr marL="68580" marR="68580" marT="0" marB="0"/>
+                </a:tc>
+              </a:tr>
+              <a:tr h="668717">
+                <a:tc>
+                  <a:txBody>
+                    <a:bodyPr/>
+                    <a:lstStyle/>
+                    <a:p>
+                      <a:pPr>
+                        <a:spcAft>
+                          <a:spcPts val="0"/>
+                        </a:spcAft>
+                      </a:pPr>
+                      <a:r>
+                        <a:rPr lang="bg-BG" sz="1400">
+                          <a:effectLst/>
+                        </a:rPr>
+                        <a:t>Архитектура на приложението </a:t>
+                      </a:r>
+                      <a:endParaRPr lang="bg-BG" sz="2000">
+                        <a:solidFill>
+                          <a:srgbClr val="000000"/>
+                        </a:solidFill>
+                        <a:effectLst/>
+                        <a:latin typeface="Times New Roman"/>
+                        <a:ea typeface="Times New Roman"/>
+                      </a:endParaRPr>
+                    </a:p>
+                  </a:txBody>
+                  <a:tcPr marL="68580" marR="68580" marT="0" marB="0"/>
+                </a:tc>
+                <a:tc>
+                  <a:txBody>
+                    <a:bodyPr/>
+                    <a:lstStyle/>
+                    <a:p>
+                      <a:pPr>
+                        <a:spcAft>
+                          <a:spcPts val="0"/>
+                        </a:spcAft>
+                      </a:pPr>
+                      <a:r>
+                        <a:rPr lang="bg-BG" sz="1400" dirty="0">
+                          <a:effectLst/>
+                        </a:rPr>
+                        <a:t>Описва архитектурата на </a:t>
+                      </a:r>
+                      <a:r>
+                        <a:rPr lang="bg-BG" sz="1400" dirty="0" smtClean="0">
+                          <a:effectLst/>
+                        </a:rPr>
+                        <a:t>приложението. </a:t>
+                      </a:r>
+                      <a:endParaRPr lang="bg-BG" sz="2000" dirty="0">
+                        <a:solidFill>
+                          <a:srgbClr val="000000"/>
+                        </a:solidFill>
+                        <a:effectLst/>
+                        <a:latin typeface="Times New Roman"/>
+                        <a:ea typeface="Times New Roman"/>
+                      </a:endParaRPr>
+                    </a:p>
+                  </a:txBody>
+                  <a:tcPr marL="68580" marR="68580" marT="0" marB="0"/>
+                </a:tc>
+              </a:tr>
+              <a:tr h="1114529">
+                <a:tc>
+                  <a:txBody>
+                    <a:bodyPr/>
+                    <a:lstStyle/>
+                    <a:p>
+                      <a:pPr>
+                        <a:spcAft>
+                          <a:spcPts val="0"/>
+                        </a:spcAft>
+                      </a:pPr>
+                      <a:r>
+                        <a:rPr lang="bg-BG" sz="1400" dirty="0">
+                          <a:effectLst/>
+                        </a:rPr>
+                        <a:t>Обектен модел </a:t>
+                      </a:r>
+                      <a:endParaRPr lang="bg-BG" sz="2000" dirty="0">
+                        <a:solidFill>
+                          <a:srgbClr val="000000"/>
+                        </a:solidFill>
+                        <a:effectLst/>
+                        <a:latin typeface="Times New Roman"/>
+                        <a:ea typeface="Times New Roman"/>
+                      </a:endParaRPr>
+                    </a:p>
+                  </a:txBody>
+                  <a:tcPr marL="68580" marR="68580" marT="0" marB="0"/>
+                </a:tc>
+                <a:tc>
+                  <a:txBody>
+                    <a:bodyPr/>
+                    <a:lstStyle/>
+                    <a:p>
+                      <a:pPr>
+                        <a:spcAft>
+                          <a:spcPts val="0"/>
+                        </a:spcAft>
+                      </a:pPr>
+                      <a:r>
+                        <a:rPr lang="bg-BG" sz="1400" dirty="0">
+                          <a:effectLst/>
+                        </a:rPr>
+                        <a:t>Описва концептуалното представяне на обектите в системата и как тези обекти ще бъдат представени в система. Визуализирано под формата на </a:t>
+                      </a:r>
+                      <a:r>
+                        <a:rPr lang="en-US" sz="1400" dirty="0">
+                          <a:effectLst/>
+                        </a:rPr>
+                        <a:t>Class </a:t>
+                      </a:r>
+                      <a:r>
+                        <a:rPr lang="bg-BG" sz="1400" dirty="0">
+                          <a:effectLst/>
+                        </a:rPr>
+                        <a:t>диаграми.</a:t>
+                      </a:r>
+                      <a:endParaRPr lang="bg-BG" sz="2000" dirty="0">
+                        <a:solidFill>
+                          <a:srgbClr val="000000"/>
+                        </a:solidFill>
+                        <a:effectLst/>
+                        <a:latin typeface="Times New Roman"/>
+                        <a:ea typeface="Times New Roman"/>
+                      </a:endParaRPr>
+                    </a:p>
+                  </a:txBody>
+                  <a:tcPr marL="68580" marR="68580" marT="0" marB="0"/>
+                </a:tc>
+              </a:tr>
+              <a:tr h="1114529">
+                <a:tc>
+                  <a:txBody>
+                    <a:bodyPr/>
+                    <a:lstStyle/>
+                    <a:p>
+                      <a:pPr>
+                        <a:spcAft>
+                          <a:spcPts val="0"/>
+                        </a:spcAft>
+                      </a:pPr>
+                      <a:r>
+                        <a:rPr lang="bg-BG" sz="1400">
+                          <a:effectLst/>
+                        </a:rPr>
+                        <a:t>Функционалности</a:t>
+                      </a:r>
+                      <a:endParaRPr lang="bg-BG" sz="2000">
+                        <a:solidFill>
+                          <a:srgbClr val="000000"/>
+                        </a:solidFill>
+                        <a:effectLst/>
+                        <a:latin typeface="Times New Roman"/>
+                        <a:ea typeface="Times New Roman"/>
+                      </a:endParaRPr>
+                    </a:p>
+                  </a:txBody>
+                  <a:tcPr marL="68580" marR="68580" marT="0" marB="0"/>
+                </a:tc>
+                <a:tc>
+                  <a:txBody>
+                    <a:bodyPr/>
+                    <a:lstStyle/>
+                    <a:p>
+                      <a:pPr>
+                        <a:spcAft>
+                          <a:spcPts val="0"/>
+                        </a:spcAft>
+                      </a:pPr>
+                      <a:r>
+                        <a:rPr lang="bg-BG" sz="1400" dirty="0">
+                          <a:effectLst/>
+                        </a:rPr>
+                        <a:t>Описва последователността от действия, които изпълнява системата при определени действия от страна на потребителите. Визуализирано под формата на </a:t>
+                      </a:r>
+                      <a:r>
+                        <a:rPr lang="en-US" sz="1400" dirty="0">
+                          <a:effectLst/>
+                        </a:rPr>
+                        <a:t>Sequence </a:t>
+                      </a:r>
+                      <a:r>
+                        <a:rPr lang="bg-BG" sz="1400" dirty="0">
+                          <a:effectLst/>
+                        </a:rPr>
+                        <a:t>диаграми.</a:t>
+                      </a:r>
+                      <a:endParaRPr lang="bg-BG" sz="2000" dirty="0">
+                        <a:solidFill>
+                          <a:srgbClr val="000000"/>
+                        </a:solidFill>
+                        <a:effectLst/>
+                        <a:latin typeface="Times New Roman"/>
+                        <a:ea typeface="Times New Roman"/>
+                      </a:endParaRPr>
+                    </a:p>
+                  </a:txBody>
+                  <a:tcPr marL="68580" marR="68580" marT="0" marB="0"/>
+                </a:tc>
+              </a:tr>
+            </a:tbl>
+          </a:graphicData>
+        </a:graphic>
+      </p:graphicFrame>
+    </p:spTree>
+    <p:extLst>
+      <p:ext uri="{BB962C8B-B14F-4D97-AF65-F5344CB8AC3E}">
+        <p14:creationId xmlns:p14="http://schemas.microsoft.com/office/powerpoint/2010/main" val="4243542792"/>
+      </p:ext>
+    </p:extLst>
+  </p:cSld>
+  <p:clrMapOvr>
+    <a:masterClrMapping/>
+  </p:clrMapOvr>
+  <p:timing>
+    <p:tnLst>
+      <p:par>
+        <p:cTn id="1" dur="indefinite" restart="never" nodeType="tmRoot"/>
+      </p:par>
+    </p:tnLst>
+  </p:timing>
+</p:sld>
+</file>
+
+<file path=ppt/slides/slide23.xml><?xml version="1.0" encoding="utf-8"?>
+<p:sld xmlns:a="http://schemas.openxmlformats.org/drawingml/2006/main" xmlns:r="http://schemas.openxmlformats.org/officeDocument/2006/relationships" xmlns:p="http://schemas.openxmlformats.org/presentationml/2006/main">
+  <p:cSld>
+    <p:spTree>
+      <p:nvGrpSpPr>
+        <p:cNvPr id="1" name=""/>
+        <p:cNvGrpSpPr/>
+        <p:nvPr/>
+      </p:nvGrpSpPr>
+      <p:grpSpPr>
+        <a:xfrm>
+          <a:off x="0" y="0"/>
+          <a:ext cx="0" cy="0"/>
+          <a:chOff x="0" y="0"/>
+          <a:chExt cx="0" cy="0"/>
+        </a:xfrm>
+      </p:grpSpPr>
+      <p:sp>
+        <p:nvSpPr>
+          <p:cNvPr id="4" name="Title 1"/>
+          <p:cNvSpPr>
+            <a:spLocks noGrp="1"/>
+          </p:cNvSpPr>
+          <p:nvPr>
+            <p:ph type="title"/>
+          </p:nvPr>
+        </p:nvSpPr>
+        <p:spPr>
+          <a:xfrm>
+            <a:off x="646111" y="452718"/>
+            <a:ext cx="9404723" cy="1400530"/>
+          </a:xfrm>
+        </p:spPr>
+        <p:txBody>
+          <a:bodyPr/>
+          <a:lstStyle/>
+          <a:p>
+            <a:r>
+              <a:rPr lang="bg-BG" dirty="0" smtClean="0"/>
+              <a:t>Принципи на дизайн</a:t>
+            </a:r>
+            <a:endParaRPr lang="bg-BG" dirty="0"/>
+          </a:p>
+        </p:txBody>
+      </p:sp>
+      <p:sp>
+        <p:nvSpPr>
+          <p:cNvPr id="5" name="Content Placeholder 2"/>
+          <p:cNvSpPr>
+            <a:spLocks noGrp="1"/>
+          </p:cNvSpPr>
+          <p:nvPr>
+            <p:ph idx="1"/>
+          </p:nvPr>
+        </p:nvSpPr>
+        <p:spPr>
+          <a:xfrm>
+            <a:off x="1103311" y="1401288"/>
+            <a:ext cx="9453853" cy="5058889"/>
+          </a:xfrm>
+        </p:spPr>
+        <p:txBody>
+          <a:bodyPr>
+            <a:normAutofit/>
+          </a:bodyPr>
+          <a:lstStyle/>
+          <a:p>
+            <a:pPr lvl="0"/>
+            <a:r>
+              <a:rPr lang="bg-BG" sz="2500" i="1" dirty="0" err="1" smtClean="0"/>
+              <a:t>Основини</a:t>
+            </a:r>
+            <a:r>
+              <a:rPr lang="bg-BG" sz="2500" i="1" dirty="0" smtClean="0"/>
+              <a:t> положения:</a:t>
+            </a:r>
+          </a:p>
+          <a:p>
+            <a:pPr lvl="1"/>
+            <a:r>
+              <a:rPr lang="en-US" i="1" dirty="0" smtClean="0"/>
+              <a:t>WEB</a:t>
+            </a:r>
+            <a:r>
+              <a:rPr lang="en-US" dirty="0" smtClean="0"/>
+              <a:t> </a:t>
+            </a:r>
+            <a:r>
+              <a:rPr lang="bg-BG" dirty="0" err="1" smtClean="0"/>
+              <a:t>базинара</a:t>
+            </a:r>
+            <a:r>
+              <a:rPr lang="bg-BG" dirty="0" smtClean="0"/>
+              <a:t> система - представянето </a:t>
+            </a:r>
+            <a:r>
+              <a:rPr lang="bg-BG" dirty="0"/>
+              <a:t>на информация към отделните потребители става чрез използването на </a:t>
+            </a:r>
+            <a:r>
+              <a:rPr lang="en-US" i="1" dirty="0"/>
+              <a:t>WEB</a:t>
+            </a:r>
+            <a:r>
+              <a:rPr lang="en-US" dirty="0"/>
+              <a:t> </a:t>
+            </a:r>
+            <a:r>
+              <a:rPr lang="bg-BG" dirty="0"/>
+              <a:t>система – използването на браузър за визуализирането на </a:t>
+            </a:r>
+            <a:r>
+              <a:rPr lang="bg-BG" dirty="0" smtClean="0"/>
+              <a:t>интерфейса.</a:t>
+            </a:r>
+            <a:endParaRPr lang="bg-BG" dirty="0"/>
+          </a:p>
+          <a:p>
+            <a:pPr lvl="1"/>
+            <a:r>
+              <a:rPr lang="en-US" i="1" dirty="0"/>
+              <a:t>Client –Side</a:t>
+            </a:r>
+            <a:r>
+              <a:rPr lang="en-US" dirty="0"/>
+              <a:t> </a:t>
+            </a:r>
+            <a:r>
+              <a:rPr lang="bg-BG" dirty="0"/>
+              <a:t>техники </a:t>
+            </a:r>
+            <a:r>
+              <a:rPr lang="bg-BG" dirty="0" smtClean="0"/>
+              <a:t>- за </a:t>
+            </a:r>
+            <a:r>
+              <a:rPr lang="bg-BG" dirty="0"/>
+              <a:t>изпълнението на различни уеб базирани скриптове ще се използва </a:t>
+            </a:r>
+            <a:r>
+              <a:rPr lang="en-US" i="1" dirty="0"/>
+              <a:t>Client –Side</a:t>
+            </a:r>
+            <a:r>
+              <a:rPr lang="en-US" dirty="0"/>
+              <a:t> </a:t>
+            </a:r>
+            <a:r>
+              <a:rPr lang="bg-BG" dirty="0"/>
+              <a:t>техники като </a:t>
+            </a:r>
+            <a:r>
+              <a:rPr lang="en-US" i="1" dirty="0"/>
+              <a:t>responsive design</a:t>
+            </a:r>
+            <a:r>
+              <a:rPr lang="en-US" dirty="0"/>
+              <a:t> </a:t>
+            </a:r>
+            <a:r>
+              <a:rPr lang="bg-BG" dirty="0"/>
+              <a:t>и библиотеки </a:t>
+            </a:r>
+            <a:r>
+              <a:rPr lang="en-US" i="1" dirty="0"/>
+              <a:t>bootstrap, </a:t>
+            </a:r>
+            <a:r>
+              <a:rPr lang="bg-BG" dirty="0"/>
+              <a:t> </a:t>
+            </a:r>
+            <a:r>
+              <a:rPr lang="bg-BG" dirty="0" smtClean="0"/>
+              <a:t>за оптимизиране бързодействието </a:t>
+            </a:r>
+            <a:r>
+              <a:rPr lang="bg-BG" dirty="0"/>
+              <a:t>на системата.</a:t>
+            </a:r>
+          </a:p>
+          <a:p>
+            <a:r>
+              <a:rPr lang="bg-BG" sz="2500" i="1" dirty="0" smtClean="0"/>
+              <a:t>Изисквания</a:t>
+            </a:r>
+            <a:r>
+              <a:rPr lang="bg-BG" b="1" dirty="0" smtClean="0"/>
+              <a:t> </a:t>
+            </a:r>
+            <a:r>
+              <a:rPr lang="bg-BG" sz="2500" i="1" dirty="0" smtClean="0"/>
+              <a:t>към</a:t>
+            </a:r>
+            <a:r>
+              <a:rPr lang="bg-BG" b="1" dirty="0" smtClean="0"/>
+              <a:t> </a:t>
+            </a:r>
+            <a:r>
+              <a:rPr lang="bg-BG" sz="2500" i="1" dirty="0" smtClean="0"/>
+              <a:t>потребителският интерфейс:</a:t>
+            </a:r>
+          </a:p>
+          <a:p>
+            <a:pPr lvl="1"/>
+            <a:r>
+              <a:rPr lang="bg-BG" dirty="0"/>
+              <a:t>Консистентен</a:t>
+            </a:r>
+          </a:p>
+          <a:p>
+            <a:pPr lvl="1"/>
+            <a:r>
+              <a:rPr lang="bg-BG" dirty="0"/>
+              <a:t>Адаптивен </a:t>
+            </a:r>
+          </a:p>
+          <a:p>
+            <a:pPr lvl="1"/>
+            <a:r>
+              <a:rPr lang="bg-BG" dirty="0"/>
+              <a:t>Естествен</a:t>
+            </a:r>
+          </a:p>
+          <a:p>
+            <a:pPr lvl="1"/>
+            <a:r>
+              <a:rPr lang="bg-BG" dirty="0"/>
+              <a:t>Ефективен </a:t>
+            </a:r>
+          </a:p>
+          <a:p>
+            <a:pPr lvl="1"/>
+            <a:r>
+              <a:rPr lang="bg-BG" dirty="0"/>
+              <a:t>Ясни и лесни механизми за визуализиране на съобщения за грешки</a:t>
+            </a:r>
+          </a:p>
+          <a:p>
+            <a:pPr lvl="1"/>
+            <a:endParaRPr lang="bg-BG" sz="2300" i="1" dirty="0"/>
+          </a:p>
+        </p:txBody>
+      </p:sp>
+    </p:spTree>
+    <p:extLst>
+      <p:ext uri="{BB962C8B-B14F-4D97-AF65-F5344CB8AC3E}">
+        <p14:creationId xmlns:p14="http://schemas.microsoft.com/office/powerpoint/2010/main" val="2100004587"/>
+      </p:ext>
+    </p:extLst>
+  </p:cSld>
+  <p:clrMapOvr>
+    <a:masterClrMapping/>
+  </p:clrMapOvr>
+  <p:timing>
+    <p:tnLst>
+      <p:par>
+        <p:cTn id="1" dur="indefinite" restart="never" nodeType="tmRoot"/>
+      </p:par>
+    </p:tnLst>
+  </p:timing>
+</p:sld>
+</file>
+
+<file path=ppt/slides/slide24.xml><?xml version="1.0" encoding="utf-8"?>
+<p:sld xmlns:a="http://schemas.openxmlformats.org/drawingml/2006/main" xmlns:r="http://schemas.openxmlformats.org/officeDocument/2006/relationships" xmlns:p="http://schemas.openxmlformats.org/presentationml/2006/main">
+  <p:cSld>
+    <p:spTree>
+      <p:nvGrpSpPr>
+        <p:cNvPr id="1" name=""/>
+        <p:cNvGrpSpPr/>
+        <p:nvPr/>
+      </p:nvGrpSpPr>
+      <p:grpSpPr>
+        <a:xfrm>
+          <a:off x="0" y="0"/>
+          <a:ext cx="0" cy="0"/>
+          <a:chOff x="0" y="0"/>
+          <a:chExt cx="0" cy="0"/>
+        </a:xfrm>
+      </p:grpSpPr>
+      <p:sp>
+        <p:nvSpPr>
+          <p:cNvPr id="4" name="Title 1"/>
+          <p:cNvSpPr>
+            <a:spLocks noGrp="1"/>
+          </p:cNvSpPr>
+          <p:nvPr>
+            <p:ph type="title"/>
+          </p:nvPr>
+        </p:nvSpPr>
+        <p:spPr>
+          <a:xfrm>
+            <a:off x="646111" y="452718"/>
+            <a:ext cx="9404723" cy="1400530"/>
+          </a:xfrm>
+        </p:spPr>
+        <p:txBody>
+          <a:bodyPr/>
+          <a:lstStyle/>
+          <a:p>
+            <a:r>
+              <a:rPr lang="bg-BG" dirty="0" smtClean="0"/>
+              <a:t>Дизайн шаблони</a:t>
+            </a:r>
+            <a:endParaRPr lang="bg-BG" dirty="0"/>
+          </a:p>
+        </p:txBody>
+      </p:sp>
+      <p:sp>
+        <p:nvSpPr>
+          <p:cNvPr id="5" name="Content Placeholder 2"/>
+          <p:cNvSpPr>
+            <a:spLocks noGrp="1"/>
+          </p:cNvSpPr>
+          <p:nvPr>
+            <p:ph idx="1"/>
+          </p:nvPr>
+        </p:nvSpPr>
+        <p:spPr>
+          <a:xfrm>
+            <a:off x="1103313" y="2052918"/>
+            <a:ext cx="9358848" cy="4195481"/>
+          </a:xfrm>
+        </p:spPr>
+        <p:txBody>
+          <a:bodyPr>
+            <a:normAutofit/>
+          </a:bodyPr>
+          <a:lstStyle/>
+          <a:p>
+            <a:pPr marL="342900" lvl="2" indent="-342900"/>
+            <a:r>
+              <a:rPr lang="bg-BG" sz="2400" i="1" dirty="0" smtClean="0"/>
+              <a:t>Използвани дизайн шаблони</a:t>
+            </a:r>
+            <a:endParaRPr lang="bg-BG" sz="2400" i="1" dirty="0"/>
+          </a:p>
+          <a:p>
+            <a:pPr lvl="1">
+              <a:buFont typeface="Wingdings" pitchFamily="2" charset="2"/>
+              <a:buChar char="§"/>
+            </a:pPr>
+            <a:r>
+              <a:rPr lang="en-US" sz="2000" dirty="0" smtClean="0"/>
+              <a:t>Singleton</a:t>
+            </a:r>
+            <a:r>
+              <a:rPr lang="en-US" sz="2000" dirty="0"/>
+              <a:t>	</a:t>
+            </a:r>
+          </a:p>
+          <a:p>
+            <a:pPr lvl="1">
+              <a:buFont typeface="Wingdings" pitchFamily="2" charset="2"/>
+              <a:buChar char="§"/>
+            </a:pPr>
+            <a:r>
+              <a:rPr lang="en-US" sz="2000" dirty="0"/>
+              <a:t>Factory	</a:t>
+            </a:r>
+          </a:p>
+          <a:p>
+            <a:pPr lvl="1">
+              <a:buFont typeface="Wingdings" pitchFamily="2" charset="2"/>
+              <a:buChar char="§"/>
+            </a:pPr>
+            <a:r>
+              <a:rPr lang="en-US" sz="2000" dirty="0"/>
+              <a:t>Prototype	</a:t>
+            </a:r>
+          </a:p>
+          <a:p>
+            <a:pPr lvl="1">
+              <a:buFont typeface="Wingdings" pitchFamily="2" charset="2"/>
+              <a:buChar char="§"/>
+            </a:pPr>
+            <a:r>
+              <a:rPr lang="en-US" sz="2000" dirty="0"/>
+              <a:t>Chain of responsibility	</a:t>
+            </a:r>
+          </a:p>
+          <a:p>
+            <a:pPr lvl="1">
+              <a:buFont typeface="Wingdings" pitchFamily="2" charset="2"/>
+              <a:buChar char="§"/>
+            </a:pPr>
+            <a:r>
+              <a:rPr lang="en-US" sz="2000" dirty="0"/>
+              <a:t>Command	</a:t>
+            </a:r>
+          </a:p>
+          <a:p>
+            <a:pPr lvl="1">
+              <a:buFont typeface="Wingdings" pitchFamily="2" charset="2"/>
+              <a:buChar char="§"/>
+            </a:pPr>
+            <a:r>
+              <a:rPr lang="en-US" sz="2000" dirty="0" err="1"/>
+              <a:t>Оbserver</a:t>
+            </a:r>
+            <a:endParaRPr lang="en-US" sz="2000" dirty="0"/>
+          </a:p>
+          <a:p>
+            <a:pPr marL="457200" lvl="1" indent="0">
+              <a:buNone/>
+            </a:pPr>
+            <a:endParaRPr lang="bg-BG" dirty="0"/>
+          </a:p>
+        </p:txBody>
+      </p:sp>
+    </p:spTree>
+    <p:extLst>
+      <p:ext uri="{BB962C8B-B14F-4D97-AF65-F5344CB8AC3E}">
+        <p14:creationId xmlns:p14="http://schemas.microsoft.com/office/powerpoint/2010/main" val="3150169347"/>
+      </p:ext>
+    </p:extLst>
+  </p:cSld>
+  <p:clrMapOvr>
+    <a:masterClrMapping/>
+  </p:clrMapOvr>
+  <p:timing>
+    <p:tnLst>
+      <p:par>
+        <p:cTn id="1" dur="indefinite" restart="never" nodeType="tmRoot"/>
+      </p:par>
+    </p:tnLst>
+  </p:timing>
+</p:sld>
+</file>
+
+<file path=ppt/slides/slide25.xml><?xml version="1.0" encoding="utf-8"?>
+<p:sld xmlns:a="http://schemas.openxmlformats.org/drawingml/2006/main" xmlns:r="http://schemas.openxmlformats.org/officeDocument/2006/relationships" xmlns:p="http://schemas.openxmlformats.org/presentationml/2006/main">
+  <p:cSld>
+    <p:spTree>
+      <p:nvGrpSpPr>
+        <p:cNvPr id="1" name=""/>
+        <p:cNvGrpSpPr/>
+        <p:nvPr/>
+      </p:nvGrpSpPr>
+      <p:grpSpPr>
+        <a:xfrm>
+          <a:off x="0" y="0"/>
+          <a:ext cx="0" cy="0"/>
+          <a:chOff x="0" y="0"/>
+          <a:chExt cx="0" cy="0"/>
+        </a:xfrm>
+      </p:grpSpPr>
+      <p:sp>
+        <p:nvSpPr>
+          <p:cNvPr id="4" name="Title 1"/>
+          <p:cNvSpPr>
+            <a:spLocks noGrp="1"/>
+          </p:cNvSpPr>
+          <p:nvPr>
+            <p:ph type="title"/>
+          </p:nvPr>
+        </p:nvSpPr>
+        <p:spPr>
+          <a:xfrm>
+            <a:off x="646111" y="452718"/>
+            <a:ext cx="9404723" cy="1400530"/>
+          </a:xfrm>
+        </p:spPr>
+        <p:txBody>
+          <a:bodyPr/>
+          <a:lstStyle/>
+          <a:p>
+            <a:r>
+              <a:rPr lang="bg-BG" dirty="0" smtClean="0"/>
+              <a:t>Дизайн шаблони</a:t>
+            </a:r>
+            <a:endParaRPr lang="bg-BG" dirty="0"/>
+          </a:p>
+        </p:txBody>
+      </p:sp>
+      <p:sp>
+        <p:nvSpPr>
+          <p:cNvPr id="5" name="Content Placeholder 2"/>
+          <p:cNvSpPr>
+            <a:spLocks noGrp="1"/>
+          </p:cNvSpPr>
+          <p:nvPr>
+            <p:ph idx="1"/>
+          </p:nvPr>
+        </p:nvSpPr>
+        <p:spPr>
+          <a:xfrm>
+            <a:off x="735178" y="2023950"/>
+            <a:ext cx="5499368" cy="4195481"/>
+          </a:xfrm>
+        </p:spPr>
+        <p:txBody>
+          <a:bodyPr>
+            <a:normAutofit fontScale="92500" lnSpcReduction="10000"/>
+          </a:bodyPr>
+          <a:lstStyle/>
+          <a:p>
+            <a:pPr marL="342900" lvl="2" indent="-342900"/>
+            <a:r>
+              <a:rPr lang="en-US" sz="2400" i="1" dirty="0"/>
+              <a:t>Singleton</a:t>
+            </a:r>
+            <a:endParaRPr lang="bg-BG" sz="2400" i="1" dirty="0"/>
+          </a:p>
+          <a:p>
+            <a:pPr lvl="1"/>
+            <a:r>
+              <a:rPr lang="bg-BG" dirty="0" smtClean="0"/>
+              <a:t>	</a:t>
+            </a:r>
+            <a:r>
+              <a:rPr lang="bg-BG" sz="1900" dirty="0"/>
+              <a:t>Използва</a:t>
+            </a:r>
+            <a:r>
+              <a:rPr lang="bg-BG" dirty="0" smtClean="0"/>
+              <a:t> се обикновено в 	моделирането на обекти, 	които 	трябва </a:t>
+            </a:r>
+            <a:r>
+              <a:rPr lang="bg-BG" dirty="0"/>
+              <a:t>да бъдат </a:t>
+            </a:r>
+            <a:r>
+              <a:rPr lang="bg-BG" dirty="0" smtClean="0"/>
+              <a:t>	глобално достъпни</a:t>
+            </a:r>
+          </a:p>
+          <a:p>
+            <a:pPr marL="0" indent="0">
+              <a:buNone/>
+            </a:pPr>
+            <a:r>
+              <a:rPr lang="bg-BG" dirty="0"/>
+              <a:t>	</a:t>
+            </a:r>
+            <a:endParaRPr lang="bg-BG" dirty="0" smtClean="0"/>
+          </a:p>
+          <a:p>
+            <a:pPr lvl="1"/>
+            <a:r>
+              <a:rPr lang="bg-BG" dirty="0" smtClean="0"/>
+              <a:t>	В </a:t>
+            </a:r>
+            <a:r>
+              <a:rPr lang="en-US" b="1" dirty="0"/>
+              <a:t>ABM</a:t>
+            </a:r>
+            <a:r>
+              <a:rPr lang="en-US" dirty="0"/>
+              <a:t> </a:t>
+            </a:r>
+            <a:r>
+              <a:rPr lang="bg-BG" dirty="0" smtClean="0"/>
+              <a:t>ще </a:t>
+            </a:r>
+            <a:r>
+              <a:rPr lang="bg-BG" dirty="0"/>
+              <a:t>се използва за </a:t>
+            </a:r>
+            <a:r>
+              <a:rPr lang="bg-BG" dirty="0" smtClean="0"/>
+              <a:t>	имплементирането </a:t>
+            </a:r>
+            <a:r>
+              <a:rPr lang="bg-BG" dirty="0"/>
+              <a:t>на други дизайн </a:t>
+            </a:r>
+            <a:r>
+              <a:rPr lang="bg-BG" dirty="0" smtClean="0"/>
+              <a:t>	шаблони </a:t>
+            </a:r>
+            <a:r>
+              <a:rPr lang="bg-BG" dirty="0"/>
+              <a:t>(</a:t>
+            </a:r>
+            <a:r>
+              <a:rPr lang="en-US" i="1" dirty="0"/>
+              <a:t>factory, prototype</a:t>
+            </a:r>
+            <a:r>
+              <a:rPr lang="bg-BG" dirty="0"/>
+              <a:t> и т.н), </a:t>
+            </a:r>
+            <a:r>
+              <a:rPr lang="bg-BG" dirty="0" smtClean="0"/>
+              <a:t>	както </a:t>
+            </a:r>
+            <a:r>
+              <a:rPr lang="bg-BG" dirty="0"/>
+              <a:t>и за реализирането на други </a:t>
+            </a:r>
+            <a:r>
+              <a:rPr lang="bg-BG" dirty="0" smtClean="0"/>
+              <a:t>	глобално </a:t>
+            </a:r>
+            <a:r>
+              <a:rPr lang="bg-BG" dirty="0"/>
+              <a:t>достъпни обекти</a:t>
+            </a:r>
+            <a:r>
+              <a:rPr lang="en-US" dirty="0"/>
+              <a:t> (</a:t>
+            </a:r>
+            <a:r>
+              <a:rPr lang="bg-BG" dirty="0"/>
+              <a:t>класовете </a:t>
+            </a:r>
+            <a:r>
+              <a:rPr lang="bg-BG" dirty="0" smtClean="0"/>
+              <a:t>	с </a:t>
+            </a:r>
+            <a:r>
+              <a:rPr lang="bg-BG" dirty="0"/>
+              <a:t>константите за навигация, </a:t>
+            </a:r>
+            <a:r>
+              <a:rPr lang="bg-BG" dirty="0" smtClean="0"/>
+              <a:t>	помощните </a:t>
+            </a:r>
+            <a:r>
+              <a:rPr lang="bg-BG" dirty="0"/>
+              <a:t>класове и обекта </a:t>
+            </a:r>
+            <a:r>
+              <a:rPr lang="bg-BG" dirty="0" smtClean="0"/>
+              <a:t>	съдържащ </a:t>
+            </a:r>
+            <a:r>
+              <a:rPr lang="bg-BG" dirty="0"/>
+              <a:t>сесия за даден </a:t>
+            </a:r>
+            <a:r>
+              <a:rPr lang="bg-BG" dirty="0" smtClean="0"/>
+              <a:t>	потребител</a:t>
+            </a:r>
+            <a:r>
+              <a:rPr lang="en-US" dirty="0" smtClean="0"/>
+              <a:t>).</a:t>
+            </a:r>
+            <a:endParaRPr lang="bg-BG" dirty="0"/>
+          </a:p>
+        </p:txBody>
+      </p:sp>
+      <p:pic>
+        <p:nvPicPr>
+          <p:cNvPr id="6" name="Picture 2" descr="singleton-pattern"/>
+          <p:cNvPicPr>
+            <a:picLocks noChangeAspect="1" noChangeArrowheads="1"/>
+          </p:cNvPicPr>
+          <p:nvPr/>
+        </p:nvPicPr>
+        <p:blipFill>
+          <a:blip r:embed="rId2">
+            <a:extLst>
+              <a:ext uri="{28A0092B-C50C-407E-A947-70E740481C1C}">
+                <a14:useLocalDpi xmlns:a14="http://schemas.microsoft.com/office/drawing/2010/main" val="0"/>
+              </a:ext>
+            </a:extLst>
+          </a:blip>
+          <a:srcRect/>
+          <a:stretch>
+            <a:fillRect/>
+          </a:stretch>
+        </p:blipFill>
+        <p:spPr bwMode="auto">
+          <a:xfrm>
+            <a:off x="6210802" y="2023950"/>
+            <a:ext cx="4880751" cy="3842451"/>
+          </a:xfrm>
+          <a:prstGeom prst="rect">
+            <a:avLst/>
+          </a:prstGeom>
+          <a:noFill/>
+          <a:ln>
+            <a:noFill/>
+          </a:ln>
+          <a:extLst>
+            <a:ext uri="{909E8E84-426E-40DD-AFC4-6F175D3DCCD1}">
+              <a14:hiddenFill xmlns:a14="http://schemas.microsoft.com/office/drawing/2010/main">
+                <a:solidFill>
+                  <a:srgbClr val="FFFFFF"/>
+                </a:solidFill>
+              </a14:hiddenFill>
+            </a:ext>
+            <a:ext uri="{91240B29-F687-4F45-9708-019B960494DF}">
+              <a14:hiddenLine xmlns:a14="http://schemas.microsoft.com/office/drawing/2010/main" w="9525">
+                <a:solidFill>
+                  <a:srgbClr val="000000"/>
+                </a:solidFill>
+                <a:miter lim="800000"/>
+                <a:headEnd/>
+                <a:tailEnd/>
+              </a14:hiddenLine>
+            </a:ext>
+          </a:extLst>
+        </p:spPr>
+      </p:pic>
+    </p:spTree>
+    <p:extLst>
+      <p:ext uri="{BB962C8B-B14F-4D97-AF65-F5344CB8AC3E}">
+        <p14:creationId xmlns:p14="http://schemas.microsoft.com/office/powerpoint/2010/main" val="3592074073"/>
+      </p:ext>
+    </p:extLst>
+  </p:cSld>
+  <p:clrMapOvr>
+    <a:masterClrMapping/>
+  </p:clrMapOvr>
+  <p:timing>
+    <p:tnLst>
+      <p:par>
+        <p:cTn id="1" dur="indefinite" restart="never" nodeType="tmRoot"/>
+      </p:par>
+    </p:tnLst>
+  </p:timing>
+</p:sld>
+</file>
+
+<file path=ppt/slides/slide26.xml><?xml version="1.0" encoding="utf-8"?>
+<p:sld xmlns:a="http://schemas.openxmlformats.org/drawingml/2006/main" xmlns:r="http://schemas.openxmlformats.org/officeDocument/2006/relationships" xmlns:p="http://schemas.openxmlformats.org/presentationml/2006/main">
+  <p:cSld>
+    <p:spTree>
+      <p:nvGrpSpPr>
+        <p:cNvPr id="1" name=""/>
+        <p:cNvGrpSpPr/>
+        <p:nvPr/>
+      </p:nvGrpSpPr>
+      <p:grpSpPr>
+        <a:xfrm>
+          <a:off x="0" y="0"/>
+          <a:ext cx="0" cy="0"/>
+          <a:chOff x="0" y="0"/>
+          <a:chExt cx="0" cy="0"/>
+        </a:xfrm>
+      </p:grpSpPr>
+      <p:sp>
+        <p:nvSpPr>
+          <p:cNvPr id="4" name="Title 1"/>
+          <p:cNvSpPr>
+            <a:spLocks noGrp="1"/>
+          </p:cNvSpPr>
+          <p:nvPr>
+            <p:ph type="title"/>
+          </p:nvPr>
+        </p:nvSpPr>
+        <p:spPr>
+          <a:xfrm>
+            <a:off x="646111" y="452718"/>
+            <a:ext cx="9404723" cy="1400530"/>
+          </a:xfrm>
+        </p:spPr>
+        <p:txBody>
+          <a:bodyPr/>
+          <a:lstStyle/>
+          <a:p>
+            <a:r>
+              <a:rPr lang="bg-BG" dirty="0"/>
+              <a:t>Дизайн шаблони</a:t>
+            </a:r>
+          </a:p>
+        </p:txBody>
+      </p:sp>
+      <p:sp>
+        <p:nvSpPr>
+          <p:cNvPr id="5" name="Content Placeholder 2"/>
+          <p:cNvSpPr>
+            <a:spLocks noGrp="1"/>
+          </p:cNvSpPr>
+          <p:nvPr>
+            <p:ph idx="1"/>
+          </p:nvPr>
+        </p:nvSpPr>
+        <p:spPr>
+          <a:xfrm>
+            <a:off x="711427" y="1911926"/>
+            <a:ext cx="4727472" cy="4195481"/>
+          </a:xfrm>
+        </p:spPr>
+        <p:txBody>
+          <a:bodyPr>
+            <a:normAutofit/>
+          </a:bodyPr>
+          <a:lstStyle/>
+          <a:p>
+            <a:r>
+              <a:rPr lang="en-US" sz="2400" i="1" dirty="0" smtClean="0"/>
+              <a:t>Factory</a:t>
+            </a:r>
+            <a:endParaRPr lang="bg-BG" sz="2400" i="1" dirty="0" smtClean="0"/>
+          </a:p>
+          <a:p>
+            <a:pPr lvl="1"/>
+            <a:r>
+              <a:rPr lang="bg-BG" sz="1900" dirty="0"/>
+              <a:t>Фабриката има за цел </a:t>
+            </a:r>
+            <a:r>
+              <a:rPr lang="bg-BG" sz="1900" dirty="0" err="1"/>
+              <a:t>инстанцирането</a:t>
+            </a:r>
+            <a:r>
+              <a:rPr lang="bg-BG" sz="1900" dirty="0"/>
+              <a:t> на различни обекти, чиито типове не са </a:t>
+            </a:r>
+            <a:r>
+              <a:rPr lang="bg-BG" sz="1900" dirty="0" err="1" smtClean="0"/>
+              <a:t>предефинирани</a:t>
+            </a:r>
+            <a:r>
+              <a:rPr lang="bg-BG" sz="1900" dirty="0"/>
+              <a:t>. </a:t>
+            </a:r>
+            <a:endParaRPr lang="bg-BG" sz="1900" dirty="0" smtClean="0"/>
+          </a:p>
+          <a:p>
+            <a:pPr lvl="1"/>
+            <a:r>
+              <a:rPr lang="ru-RU" sz="1900" dirty="0"/>
+              <a:t>В </a:t>
+            </a:r>
+            <a:r>
+              <a:rPr lang="en-US" sz="1900" dirty="0"/>
+              <a:t>ABM </a:t>
+            </a:r>
+            <a:r>
+              <a:rPr lang="bg-BG" sz="1900" dirty="0" smtClean="0"/>
+              <a:t>ще се използва</a:t>
+            </a:r>
+            <a:r>
+              <a:rPr lang="bg-BG" sz="1900" i="1" dirty="0" smtClean="0"/>
+              <a:t> </a:t>
+            </a:r>
+            <a:r>
+              <a:rPr lang="bg-BG" sz="1900" dirty="0"/>
+              <a:t>за работа с близки или еднотипни класове (обекти) като депозити, влогове, кредитни и дебитни карти и т.н.</a:t>
+            </a:r>
+          </a:p>
+          <a:p>
+            <a:endParaRPr lang="bg-BG" sz="1900" i="1" dirty="0"/>
+          </a:p>
+        </p:txBody>
+      </p:sp>
+      <p:pic>
+        <p:nvPicPr>
+          <p:cNvPr id="6" name="Picture 2" descr="factory-pattern"/>
+          <p:cNvPicPr>
+            <a:picLocks noChangeAspect="1" noChangeArrowheads="1"/>
+          </p:cNvPicPr>
+          <p:nvPr/>
+        </p:nvPicPr>
+        <p:blipFill>
+          <a:blip r:embed="rId2">
+            <a:extLst>
+              <a:ext uri="{28A0092B-C50C-407E-A947-70E740481C1C}">
+                <a14:useLocalDpi xmlns:a14="http://schemas.microsoft.com/office/drawing/2010/main" val="0"/>
+              </a:ext>
+            </a:extLst>
+          </a:blip>
+          <a:srcRect/>
+          <a:stretch>
+            <a:fillRect/>
+          </a:stretch>
+        </p:blipFill>
+        <p:spPr bwMode="auto">
+          <a:xfrm>
+            <a:off x="5830785" y="1888176"/>
+            <a:ext cx="5308270" cy="4112412"/>
+          </a:xfrm>
+          <a:prstGeom prst="rect">
+            <a:avLst/>
+          </a:prstGeom>
+          <a:noFill/>
+          <a:ln>
+            <a:noFill/>
+          </a:ln>
+          <a:extLst>
+            <a:ext uri="{909E8E84-426E-40DD-AFC4-6F175D3DCCD1}">
+              <a14:hiddenFill xmlns:a14="http://schemas.microsoft.com/office/drawing/2010/main">
+                <a:solidFill>
+                  <a:srgbClr val="FFFFFF"/>
+                </a:solidFill>
+              </a14:hiddenFill>
+            </a:ext>
+            <a:ext uri="{91240B29-F687-4F45-9708-019B960494DF}">
+              <a14:hiddenLine xmlns:a14="http://schemas.microsoft.com/office/drawing/2010/main" w="9525">
+                <a:solidFill>
+                  <a:srgbClr val="000000"/>
+                </a:solidFill>
+                <a:miter lim="800000"/>
+                <a:headEnd/>
+                <a:tailEnd/>
+              </a14:hiddenLine>
+            </a:ext>
+          </a:extLst>
+        </p:spPr>
+      </p:pic>
+    </p:spTree>
+    <p:extLst>
+      <p:ext uri="{BB962C8B-B14F-4D97-AF65-F5344CB8AC3E}">
+        <p14:creationId xmlns:p14="http://schemas.microsoft.com/office/powerpoint/2010/main" val="2051043866"/>
+      </p:ext>
+    </p:extLst>
+  </p:cSld>
+  <p:clrMapOvr>
+    <a:masterClrMapping/>
+  </p:clrMapOvr>
+  <p:timing>
+    <p:tnLst>
+      <p:par>
+        <p:cTn id="1" dur="indefinite" restart="never" nodeType="tmRoot"/>
+      </p:par>
+    </p:tnLst>
+  </p:timing>
+</p:sld>
+</file>
+
+<file path=ppt/slides/slide27.xml><?xml version="1.0" encoding="utf-8"?>
+<p:sld xmlns:a="http://schemas.openxmlformats.org/drawingml/2006/main" xmlns:r="http://schemas.openxmlformats.org/officeDocument/2006/relationships" xmlns:p="http://schemas.openxmlformats.org/presentationml/2006/main">
+  <p:cSld>
+    <p:spTree>
+      <p:nvGrpSpPr>
+        <p:cNvPr id="1" name=""/>
+        <p:cNvGrpSpPr/>
+        <p:nvPr/>
+      </p:nvGrpSpPr>
+      <p:grpSpPr>
+        <a:xfrm>
+          <a:off x="0" y="0"/>
+          <a:ext cx="0" cy="0"/>
+          <a:chOff x="0" y="0"/>
+          <a:chExt cx="0" cy="0"/>
+        </a:xfrm>
+      </p:grpSpPr>
+      <p:sp>
+        <p:nvSpPr>
+          <p:cNvPr id="4" name="Title 1"/>
+          <p:cNvSpPr>
+            <a:spLocks noGrp="1"/>
+          </p:cNvSpPr>
+          <p:nvPr>
+            <p:ph type="title"/>
+          </p:nvPr>
+        </p:nvSpPr>
+        <p:spPr>
+          <a:xfrm>
+            <a:off x="646111" y="452718"/>
+            <a:ext cx="9404723" cy="1400530"/>
+          </a:xfrm>
+        </p:spPr>
+        <p:txBody>
+          <a:bodyPr/>
+          <a:lstStyle/>
+          <a:p>
+            <a:r>
+              <a:rPr lang="bg-BG" dirty="0"/>
+              <a:t>Дизайн шаблони</a:t>
+            </a:r>
+          </a:p>
+        </p:txBody>
+      </p:sp>
+      <p:sp>
+        <p:nvSpPr>
+          <p:cNvPr id="5" name="Content Placeholder 2"/>
+          <p:cNvSpPr>
+            <a:spLocks noGrp="1"/>
+          </p:cNvSpPr>
+          <p:nvPr>
+            <p:ph idx="1"/>
+          </p:nvPr>
+        </p:nvSpPr>
+        <p:spPr>
+          <a:xfrm>
+            <a:off x="711427" y="1637282"/>
+            <a:ext cx="4240584" cy="4195481"/>
+          </a:xfrm>
+        </p:spPr>
+        <p:txBody>
+          <a:bodyPr>
+            <a:normAutofit fontScale="92500" lnSpcReduction="10000"/>
+          </a:bodyPr>
+          <a:lstStyle/>
+          <a:p>
+            <a:r>
+              <a:rPr lang="en-US" sz="2400" i="1" dirty="0" smtClean="0"/>
+              <a:t>Observer</a:t>
+            </a:r>
+            <a:endParaRPr lang="bg-BG" sz="2400" i="1" dirty="0" smtClean="0"/>
+          </a:p>
+          <a:p>
+            <a:pPr lvl="1"/>
+            <a:r>
+              <a:rPr lang="ru-RU" sz="1900" dirty="0" err="1"/>
+              <a:t>Дефинира</a:t>
+            </a:r>
+            <a:r>
+              <a:rPr lang="ru-RU" sz="1900" dirty="0"/>
+              <a:t> </a:t>
+            </a:r>
+            <a:r>
+              <a:rPr lang="ru-RU" sz="1900" dirty="0" err="1"/>
+              <a:t>зависимост</a:t>
+            </a:r>
+            <a:r>
+              <a:rPr lang="ru-RU" sz="1900" dirty="0"/>
+              <a:t> "един </a:t>
+            </a:r>
+            <a:r>
+              <a:rPr lang="ru-RU" sz="1900" dirty="0" err="1"/>
+              <a:t>към</a:t>
+            </a:r>
+            <a:r>
+              <a:rPr lang="ru-RU" sz="1900" dirty="0"/>
+              <a:t> много" между </a:t>
+            </a:r>
+            <a:r>
+              <a:rPr lang="ru-RU" sz="1900" dirty="0" err="1"/>
+              <a:t>обектите</a:t>
+            </a:r>
+            <a:r>
+              <a:rPr lang="ru-RU" sz="1900" dirty="0"/>
+              <a:t>, </a:t>
+            </a:r>
+            <a:r>
+              <a:rPr lang="ru-RU" sz="1900" dirty="0" err="1"/>
+              <a:t>така</a:t>
+            </a:r>
+            <a:r>
+              <a:rPr lang="ru-RU" sz="1900" dirty="0"/>
+              <a:t> че </a:t>
+            </a:r>
+            <a:r>
+              <a:rPr lang="ru-RU" sz="1900" dirty="0" err="1"/>
+              <a:t>ако</a:t>
+            </a:r>
+            <a:r>
+              <a:rPr lang="ru-RU" sz="1900" dirty="0"/>
+              <a:t> един </a:t>
+            </a:r>
+            <a:r>
+              <a:rPr lang="ru-RU" sz="1900" dirty="0" err="1"/>
+              <a:t>обект</a:t>
+            </a:r>
+            <a:r>
+              <a:rPr lang="ru-RU" sz="1900" dirty="0"/>
+              <a:t> </a:t>
+            </a:r>
+            <a:r>
+              <a:rPr lang="ru-RU" sz="1900" dirty="0" err="1"/>
+              <a:t>промени</a:t>
+            </a:r>
+            <a:r>
+              <a:rPr lang="ru-RU" sz="1900" dirty="0"/>
+              <a:t> </a:t>
+            </a:r>
+            <a:r>
+              <a:rPr lang="ru-RU" sz="1900" dirty="0" err="1"/>
+              <a:t>състоянието</a:t>
+            </a:r>
+            <a:r>
+              <a:rPr lang="ru-RU" sz="1900" dirty="0"/>
+              <a:t> си, </a:t>
+            </a:r>
+            <a:r>
+              <a:rPr lang="ru-RU" sz="1900" dirty="0" err="1"/>
+              <a:t>всички</a:t>
+            </a:r>
+            <a:r>
+              <a:rPr lang="ru-RU" sz="1900" dirty="0"/>
+              <a:t> </a:t>
+            </a:r>
+            <a:r>
+              <a:rPr lang="ru-RU" sz="1900" dirty="0" err="1"/>
+              <a:t>зависими</a:t>
+            </a:r>
+            <a:r>
+              <a:rPr lang="ru-RU" sz="1900" dirty="0"/>
+              <a:t> от него </a:t>
+            </a:r>
+            <a:r>
+              <a:rPr lang="ru-RU" sz="1900" dirty="0" err="1"/>
+              <a:t>обекти</a:t>
+            </a:r>
+            <a:r>
+              <a:rPr lang="ru-RU" sz="1900" dirty="0"/>
+              <a:t> да </a:t>
+            </a:r>
+            <a:r>
+              <a:rPr lang="ru-RU" sz="1900" dirty="0" err="1"/>
+              <a:t>бъдат</a:t>
+            </a:r>
+            <a:r>
+              <a:rPr lang="ru-RU" sz="1900" dirty="0"/>
+              <a:t> </a:t>
+            </a:r>
+            <a:r>
+              <a:rPr lang="ru-RU" sz="1900" dirty="0" err="1"/>
+              <a:t>известени</a:t>
+            </a:r>
+            <a:r>
+              <a:rPr lang="ru-RU" sz="1900" dirty="0"/>
+              <a:t> и </a:t>
+            </a:r>
+            <a:r>
+              <a:rPr lang="ru-RU" sz="1900" dirty="0" err="1"/>
+              <a:t>обновени</a:t>
+            </a:r>
+            <a:r>
+              <a:rPr lang="ru-RU" sz="1900" dirty="0"/>
+              <a:t> автоматично</a:t>
+            </a:r>
+            <a:r>
+              <a:rPr lang="ru-RU" sz="1900" dirty="0" smtClean="0"/>
+              <a:t>.</a:t>
+            </a:r>
+            <a:r>
+              <a:rPr lang="bg-BG" sz="1900" dirty="0" smtClean="0"/>
+              <a:t> </a:t>
+            </a:r>
+          </a:p>
+          <a:p>
+            <a:pPr lvl="1"/>
+            <a:r>
+              <a:rPr lang="ru-RU" sz="1900" dirty="0"/>
+              <a:t>В </a:t>
+            </a:r>
+            <a:r>
+              <a:rPr lang="en-US" sz="1900" dirty="0"/>
+              <a:t>ABM </a:t>
+            </a:r>
+            <a:r>
+              <a:rPr lang="bg-BG" sz="1900" dirty="0" smtClean="0"/>
+              <a:t>ще се използва</a:t>
+            </a:r>
+            <a:r>
+              <a:rPr lang="bg-BG" sz="1900" i="1" dirty="0" smtClean="0"/>
+              <a:t> </a:t>
+            </a:r>
+            <a:r>
+              <a:rPr lang="bg-BG" sz="1900" dirty="0"/>
+              <a:t>за работа с близки или еднотипни класове (обекти) като депозити, влогове, кредитни и дебитни карти и т.н.</a:t>
+            </a:r>
+          </a:p>
+          <a:p>
+            <a:endParaRPr lang="bg-BG" sz="1900" i="1" dirty="0"/>
+          </a:p>
+        </p:txBody>
+      </p:sp>
+      <p:pic>
+        <p:nvPicPr>
+          <p:cNvPr id="6" name="Picture 2" descr="observer-pattern"/>
+          <p:cNvPicPr>
+            <a:picLocks noChangeAspect="1" noChangeArrowheads="1"/>
+          </p:cNvPicPr>
+          <p:nvPr/>
+        </p:nvPicPr>
+        <p:blipFill>
+          <a:blip r:embed="rId2">
+            <a:extLst>
+              <a:ext uri="{28A0092B-C50C-407E-A947-70E740481C1C}">
+                <a14:useLocalDpi xmlns:a14="http://schemas.microsoft.com/office/drawing/2010/main" val="0"/>
+              </a:ext>
+            </a:extLst>
+          </a:blip>
+          <a:srcRect/>
+          <a:stretch>
+            <a:fillRect/>
+          </a:stretch>
+        </p:blipFill>
+        <p:spPr bwMode="auto">
+          <a:xfrm>
+            <a:off x="5438899" y="1770723"/>
+            <a:ext cx="5652654" cy="4054439"/>
+          </a:xfrm>
+          <a:prstGeom prst="rect">
+            <a:avLst/>
+          </a:prstGeom>
+          <a:noFill/>
+          <a:ln>
+            <a:noFill/>
+          </a:ln>
+          <a:extLst>
+            <a:ext uri="{909E8E84-426E-40DD-AFC4-6F175D3DCCD1}">
+              <a14:hiddenFill xmlns:a14="http://schemas.microsoft.com/office/drawing/2010/main">
+                <a:solidFill>
+                  <a:srgbClr val="FFFFFF"/>
+                </a:solidFill>
+              </a14:hiddenFill>
+            </a:ext>
+            <a:ext uri="{91240B29-F687-4F45-9708-019B960494DF}">
+              <a14:hiddenLine xmlns:a14="http://schemas.microsoft.com/office/drawing/2010/main" w="9525">
+                <a:solidFill>
+                  <a:srgbClr val="000000"/>
+                </a:solidFill>
+                <a:miter lim="800000"/>
+                <a:headEnd/>
+                <a:tailEnd/>
+              </a14:hiddenLine>
+            </a:ext>
+          </a:extLst>
+        </p:spPr>
+      </p:pic>
+    </p:spTree>
+    <p:extLst>
+      <p:ext uri="{BB962C8B-B14F-4D97-AF65-F5344CB8AC3E}">
+        <p14:creationId xmlns:p14="http://schemas.microsoft.com/office/powerpoint/2010/main" val="1624262822"/>
+      </p:ext>
+    </p:extLst>
+  </p:cSld>
+  <p:clrMapOvr>
+    <a:masterClrMapping/>
+  </p:clrMapOvr>
+  <p:timing>
+    <p:tnLst>
+      <p:par>
+        <p:cTn id="1" dur="indefinite" restart="never" nodeType="tmRoot"/>
+      </p:par>
+    </p:tnLst>
+  </p:timing>
+</p:sld>
+</file>
+
+<file path=ppt/slides/slide28.xml><?xml version="1.0" encoding="utf-8"?>
+<p:sld xmlns:a="http://schemas.openxmlformats.org/drawingml/2006/main" xmlns:r="http://schemas.openxmlformats.org/officeDocument/2006/relationships" xmlns:p="http://schemas.openxmlformats.org/presentationml/2006/main">
+  <p:cSld>
+    <p:spTree>
+      <p:nvGrpSpPr>
+        <p:cNvPr id="1" name=""/>
+        <p:cNvGrpSpPr/>
+        <p:nvPr/>
+      </p:nvGrpSpPr>
+      <p:grpSpPr>
+        <a:xfrm>
+          <a:off x="0" y="0"/>
+          <a:ext cx="0" cy="0"/>
+          <a:chOff x="0" y="0"/>
+          <a:chExt cx="0" cy="0"/>
+        </a:xfrm>
+      </p:grpSpPr>
+      <p:sp>
+        <p:nvSpPr>
+          <p:cNvPr id="4" name="Title 1"/>
+          <p:cNvSpPr>
+            <a:spLocks noGrp="1"/>
+          </p:cNvSpPr>
+          <p:nvPr>
+            <p:ph type="title"/>
+          </p:nvPr>
+        </p:nvSpPr>
+        <p:spPr>
+          <a:xfrm>
+            <a:off x="586734" y="428968"/>
+            <a:ext cx="9404723" cy="1400530"/>
+          </a:xfrm>
+        </p:spPr>
+        <p:txBody>
+          <a:bodyPr/>
+          <a:lstStyle/>
+          <a:p>
+            <a:r>
+              <a:rPr lang="bg-BG" dirty="0" smtClean="0"/>
+              <a:t>Сигурност</a:t>
+            </a:r>
+            <a:endParaRPr lang="bg-BG" dirty="0"/>
+          </a:p>
+        </p:txBody>
+      </p:sp>
+      <p:sp>
+        <p:nvSpPr>
+          <p:cNvPr id="5" name="Content Placeholder 2"/>
+          <p:cNvSpPr>
+            <a:spLocks noGrp="1"/>
+          </p:cNvSpPr>
+          <p:nvPr>
+            <p:ph idx="1"/>
+          </p:nvPr>
+        </p:nvSpPr>
+        <p:spPr>
+          <a:xfrm>
+            <a:off x="628300" y="1900057"/>
+            <a:ext cx="5392490" cy="4195481"/>
+          </a:xfrm>
+        </p:spPr>
+        <p:txBody>
+          <a:bodyPr>
+            <a:normAutofit fontScale="92500" lnSpcReduction="20000"/>
+          </a:bodyPr>
+          <a:lstStyle/>
+          <a:p>
+            <a:r>
+              <a:rPr lang="bg-BG" dirty="0" smtClean="0"/>
+              <a:t>Структура </a:t>
+            </a:r>
+            <a:r>
+              <a:rPr lang="bg-BG" dirty="0"/>
+              <a:t>за сигурност </a:t>
+            </a:r>
+            <a:r>
+              <a:rPr lang="en-US" dirty="0"/>
+              <a:t>Apache </a:t>
+            </a:r>
+            <a:r>
+              <a:rPr lang="en-US" dirty="0" err="1" smtClean="0"/>
+              <a:t>Shiro</a:t>
+            </a:r>
+            <a:endParaRPr lang="bg-BG" dirty="0" smtClean="0"/>
+          </a:p>
+          <a:p>
+            <a:pPr marL="0" indent="0">
+              <a:buNone/>
+            </a:pPr>
+            <a:r>
+              <a:rPr lang="bg-BG" dirty="0"/>
+              <a:t>	</a:t>
+            </a:r>
+            <a:r>
+              <a:rPr lang="bg-BG" dirty="0" smtClean="0"/>
+              <a:t>Основни възможности:</a:t>
+            </a:r>
+          </a:p>
+          <a:p>
+            <a:pPr marL="1085850" lvl="2" indent="-285750"/>
+            <a:r>
+              <a:rPr lang="en-US" dirty="0" smtClean="0"/>
+              <a:t>Authentication</a:t>
+            </a:r>
+            <a:endParaRPr lang="en-US" dirty="0"/>
+          </a:p>
+          <a:p>
+            <a:pPr marL="1085850" lvl="2" indent="-285750"/>
+            <a:r>
+              <a:rPr lang="en-US" dirty="0"/>
+              <a:t>Authorization </a:t>
+            </a:r>
+          </a:p>
+          <a:p>
+            <a:pPr marL="1085850" lvl="2" indent="-285750"/>
+            <a:r>
+              <a:rPr lang="en-US" dirty="0"/>
+              <a:t>Session Management</a:t>
+            </a:r>
+          </a:p>
+          <a:p>
+            <a:pPr marL="1085850" lvl="2" indent="-285750"/>
+            <a:r>
+              <a:rPr lang="en-US" dirty="0"/>
+              <a:t>Cryptography</a:t>
+            </a:r>
+          </a:p>
+          <a:p>
+            <a:pPr marL="1085850" lvl="2" indent="-285750"/>
+            <a:r>
+              <a:rPr lang="en-US" dirty="0"/>
+              <a:t>Web Support	</a:t>
+            </a:r>
+          </a:p>
+          <a:p>
+            <a:pPr marL="1085850" lvl="2" indent="-285750"/>
+            <a:r>
+              <a:rPr lang="en-US" dirty="0"/>
+              <a:t>Caching	</a:t>
+            </a:r>
+          </a:p>
+          <a:p>
+            <a:pPr marL="1085850" lvl="2" indent="-285750"/>
+            <a:r>
+              <a:rPr lang="en-US" dirty="0"/>
+              <a:t>Concurrency</a:t>
+            </a:r>
+          </a:p>
+          <a:p>
+            <a:pPr marL="1085850" lvl="2" indent="-285750"/>
+            <a:r>
+              <a:rPr lang="en-US" dirty="0"/>
+              <a:t>Testing</a:t>
+            </a:r>
+          </a:p>
+          <a:p>
+            <a:pPr marL="1085850" lvl="2" indent="-285750"/>
+            <a:r>
+              <a:rPr lang="en-US" dirty="0"/>
+              <a:t>"Run As"</a:t>
+            </a:r>
+          </a:p>
+          <a:p>
+            <a:pPr marL="1085850" lvl="2" indent="-285750"/>
+            <a:r>
+              <a:rPr lang="en-US" dirty="0"/>
+              <a:t>"Remember Me"</a:t>
+            </a:r>
+            <a:r>
+              <a:rPr lang="en-US" dirty="0" smtClean="0"/>
+              <a:t/>
+            </a:r>
+            <a:br>
+              <a:rPr lang="en-US" dirty="0" smtClean="0"/>
+            </a:br>
+            <a:endParaRPr lang="bg-BG" dirty="0"/>
+          </a:p>
+        </p:txBody>
+      </p:sp>
+      <p:pic>
+        <p:nvPicPr>
+          <p:cNvPr id="6" name="Picture 2" descr="ShiroFeatures"/>
+          <p:cNvPicPr>
+            <a:picLocks noChangeAspect="1" noChangeArrowheads="1"/>
+          </p:cNvPicPr>
+          <p:nvPr/>
+        </p:nvPicPr>
+        <p:blipFill>
+          <a:blip r:embed="rId2">
+            <a:extLst>
+              <a:ext uri="{28A0092B-C50C-407E-A947-70E740481C1C}">
+                <a14:useLocalDpi xmlns:a14="http://schemas.microsoft.com/office/drawing/2010/main" val="0"/>
+              </a:ext>
+            </a:extLst>
+          </a:blip>
+          <a:srcRect/>
+          <a:stretch>
+            <a:fillRect/>
+          </a:stretch>
+        </p:blipFill>
+        <p:spPr bwMode="auto">
+          <a:xfrm>
+            <a:off x="5732350" y="2006932"/>
+            <a:ext cx="5418579" cy="3800104"/>
+          </a:xfrm>
+          <a:prstGeom prst="rect">
+            <a:avLst/>
+          </a:prstGeom>
+          <a:noFill/>
+          <a:ln>
+            <a:noFill/>
+          </a:ln>
+          <a:extLst>
+            <a:ext uri="{909E8E84-426E-40DD-AFC4-6F175D3DCCD1}">
+              <a14:hiddenFill xmlns:a14="http://schemas.microsoft.com/office/drawing/2010/main">
+                <a:solidFill>
+                  <a:srgbClr val="FFFFFF"/>
+                </a:solidFill>
+              </a14:hiddenFill>
+            </a:ext>
+            <a:ext uri="{91240B29-F687-4F45-9708-019B960494DF}">
+              <a14:hiddenLine xmlns:a14="http://schemas.microsoft.com/office/drawing/2010/main" w="9525">
+                <a:solidFill>
+                  <a:srgbClr val="000000"/>
+                </a:solidFill>
+                <a:miter lim="800000"/>
+                <a:headEnd/>
+                <a:tailEnd/>
+              </a14:hiddenLine>
+            </a:ext>
+          </a:extLst>
+        </p:spPr>
+      </p:pic>
+    </p:spTree>
+    <p:extLst>
+      <p:ext uri="{BB962C8B-B14F-4D97-AF65-F5344CB8AC3E}">
+        <p14:creationId xmlns:p14="http://schemas.microsoft.com/office/powerpoint/2010/main" val="2698262487"/>
+      </p:ext>
+    </p:extLst>
+  </p:cSld>
+  <p:clrMapOvr>
+    <a:masterClrMapping/>
+  </p:clrMapOvr>
+  <p:timing>
+    <p:tnLst>
+      <p:par>
+        <p:cTn id="1" dur="indefinite" restart="never" nodeType="tmRoot"/>
+      </p:par>
+    </p:tnLst>
+  </p:timing>
+</p:sld>
+</file>
+
+<file path=ppt/slides/slide29.xml><?xml version="1.0" encoding="utf-8"?>
+<p:sld xmlns:a="http://schemas.openxmlformats.org/drawingml/2006/main" xmlns:r="http://schemas.openxmlformats.org/officeDocument/2006/relationships" xmlns:p="http://schemas.openxmlformats.org/presentationml/2006/main">
+  <p:cSld>
+    <p:spTree>
+      <p:nvGrpSpPr>
+        <p:cNvPr id="1" name=""/>
+        <p:cNvGrpSpPr/>
+        <p:nvPr/>
+      </p:nvGrpSpPr>
+      <p:grpSpPr>
+        <a:xfrm>
+          <a:off x="0" y="0"/>
+          <a:ext cx="0" cy="0"/>
+          <a:chOff x="0" y="0"/>
+          <a:chExt cx="0" cy="0"/>
+        </a:xfrm>
+      </p:grpSpPr>
+      <p:sp>
+        <p:nvSpPr>
+          <p:cNvPr id="2" name="Title 1"/>
+          <p:cNvSpPr>
+            <a:spLocks noGrp="1"/>
+          </p:cNvSpPr>
+          <p:nvPr>
+            <p:ph type="title"/>
+          </p:nvPr>
+        </p:nvSpPr>
+        <p:spPr/>
+        <p:txBody>
+          <a:bodyPr/>
+          <a:lstStyle/>
+          <a:p>
+            <a:r>
+              <a:rPr lang="bg-BG" dirty="0" smtClean="0"/>
+              <a:t>Дизайн модел</a:t>
+            </a:r>
+            <a:endParaRPr lang="en-US" dirty="0"/>
+          </a:p>
+        </p:txBody>
+      </p:sp>
+      <p:sp>
+        <p:nvSpPr>
+          <p:cNvPr id="3" name="Content Placeholder 2"/>
+          <p:cNvSpPr>
+            <a:spLocks noGrp="1"/>
+          </p:cNvSpPr>
+          <p:nvPr>
+            <p:ph idx="1"/>
+          </p:nvPr>
+        </p:nvSpPr>
+        <p:spPr>
+          <a:xfrm>
+            <a:off x="842055" y="1221645"/>
+            <a:ext cx="8946541" cy="4195481"/>
+          </a:xfrm>
+        </p:spPr>
+        <p:txBody>
+          <a:bodyPr/>
+          <a:lstStyle/>
+          <a:p>
+            <a:pPr marL="0" indent="0">
+              <a:buNone/>
+            </a:pPr>
+            <a:r>
+              <a:rPr lang="bg-BG" dirty="0" smtClean="0"/>
+              <a:t>Опростен концептуален модел</a:t>
+            </a:r>
+            <a:endParaRPr lang="en-US" dirty="0"/>
+          </a:p>
+        </p:txBody>
+      </p:sp>
+      <p:pic>
+        <p:nvPicPr>
+          <p:cNvPr id="8194" name="Picture 2"/>
+          <p:cNvPicPr>
+            <a:picLocks noChangeAspect="1" noChangeArrowheads="1"/>
+          </p:cNvPicPr>
+          <p:nvPr/>
+        </p:nvPicPr>
+        <p:blipFill>
+          <a:blip r:embed="rId2">
+            <a:extLst>
+              <a:ext uri="{28A0092B-C50C-407E-A947-70E740481C1C}">
+                <a14:useLocalDpi xmlns:a14="http://schemas.microsoft.com/office/drawing/2010/main" val="0"/>
+              </a:ext>
+            </a:extLst>
+          </a:blip>
+          <a:srcRect/>
+          <a:stretch>
+            <a:fillRect/>
+          </a:stretch>
+        </p:blipFill>
+        <p:spPr bwMode="auto">
+          <a:xfrm>
+            <a:off x="951407" y="1967221"/>
+            <a:ext cx="9818819" cy="4219823"/>
+          </a:xfrm>
+          <a:prstGeom prst="rect">
+            <a:avLst/>
+          </a:prstGeom>
+          <a:noFill/>
+          <a:ln>
+            <a:noFill/>
+          </a:ln>
+          <a:effectLst/>
+          <a:extLst>
+            <a:ext uri="{909E8E84-426E-40DD-AFC4-6F175D3DCCD1}">
+              <a14:hiddenFill xmlns:a14="http://schemas.microsoft.com/office/drawing/2010/main">
+                <a:solidFill>
+                  <a:schemeClr val="accent1"/>
+                </a:solidFill>
+              </a14:hiddenFill>
+            </a:ext>
+            <a:ext uri="{91240B29-F687-4F45-9708-019B960494DF}">
+              <a14:hiddenLine xmlns:a14="http://schemas.microsoft.com/office/drawing/2010/main" w="9525">
+                <a:solidFill>
+                  <a:schemeClr val="tx1"/>
+                </a:solidFill>
+                <a:miter lim="800000"/>
+                <a:headEnd/>
+                <a:tailEnd/>
+              </a14:hiddenLine>
+            </a:ext>
+            <a:ext uri="{AF507438-7753-43E0-B8FC-AC1667EBCBE1}">
+              <a14:hiddenEffects xmlns:a14="http://schemas.microsoft.com/office/drawing/2010/main">
+                <a:effectLst>
+                  <a:outerShdw dist="35921" dir="2700000" algn="ctr" rotWithShape="0">
+                    <a:schemeClr val="bg2"/>
+                  </a:outerShdw>
+                </a:effectLst>
+              </a14:hiddenEffects>
+            </a:ext>
+          </a:extLst>
+        </p:spPr>
+      </p:pic>
+    </p:spTree>
+    <p:extLst>
+      <p:ext uri="{BB962C8B-B14F-4D97-AF65-F5344CB8AC3E}">
+        <p14:creationId xmlns:p14="http://schemas.microsoft.com/office/powerpoint/2010/main" val="4158840129"/>
+      </p:ext>
+    </p:extLst>
+  </p:cSld>
+  <p:clrMapOvr>
+    <a:masterClrMapping/>
+  </p:clrMapOvr>
+  <p:timing>
+    <p:tnLst>
+      <p:par>
+        <p:cTn id="1" dur="indefinite" restart="never" nodeType="tmRoot"/>
+      </p:par>
+    </p:tnLst>
+  </p:timing>
+</p:sld>
+</file>
+
+<file path=ppt/slides/slide3.xml><?xml version="1.0" encoding="utf-8"?>
+<p:sld xmlns:a="http://schemas.openxmlformats.org/drawingml/2006/main" xmlns:r="http://schemas.openxmlformats.org/officeDocument/2006/relationships" xmlns:p="http://schemas.openxmlformats.org/presentationml/2006/main">
+  <p:cSld>
+    <p:spTree>
+      <p:nvGrpSpPr>
+        <p:cNvPr id="1" name=""/>
+        <p:cNvGrpSpPr/>
+        <p:nvPr/>
+      </p:nvGrpSpPr>
+      <p:grpSpPr>
+        <a:xfrm>
+          <a:off x="0" y="0"/>
+          <a:ext cx="0" cy="0"/>
+          <a:chOff x="0" y="0"/>
+          <a:chExt cx="0" cy="0"/>
+        </a:xfrm>
+      </p:grpSpPr>
+      <p:sp>
+        <p:nvSpPr>
+          <p:cNvPr id="2" name="Title 1"/>
+          <p:cNvSpPr>
+            <a:spLocks noGrp="1"/>
+          </p:cNvSpPr>
+          <p:nvPr>
+            <p:ph type="title"/>
+          </p:nvPr>
+        </p:nvSpPr>
+        <p:spPr/>
+        <p:txBody>
+          <a:bodyPr/>
+          <a:lstStyle/>
+          <a:p>
+            <a:r>
+              <a:rPr lang="bg-BG" dirty="0"/>
+              <a:t>Работа по итерацията</a:t>
+            </a:r>
+            <a:endParaRPr lang="en-US" dirty="0"/>
+          </a:p>
+        </p:txBody>
+      </p:sp>
+      <p:sp>
+        <p:nvSpPr>
+          <p:cNvPr id="3" name="Content Placeholder 2"/>
+          <p:cNvSpPr>
+            <a:spLocks noGrp="1"/>
+          </p:cNvSpPr>
+          <p:nvPr>
+            <p:ph idx="1"/>
+          </p:nvPr>
+        </p:nvSpPr>
+        <p:spPr>
+          <a:xfrm>
+            <a:off x="795647" y="1175657"/>
+            <a:ext cx="9254207" cy="5072743"/>
+          </a:xfrm>
+        </p:spPr>
+        <p:txBody>
+          <a:bodyPr/>
+          <a:lstStyle/>
+          <a:p>
+            <a:pPr marL="0" indent="0">
+              <a:buNone/>
+            </a:pPr>
+            <a:r>
+              <a:rPr lang="bg-BG" dirty="0"/>
+              <a:t>Диаграма на изпълнените задачи</a:t>
+            </a:r>
+            <a:endParaRPr lang="en-US" dirty="0"/>
+          </a:p>
+          <a:p>
+            <a:endParaRPr lang="en-US" dirty="0"/>
+          </a:p>
+        </p:txBody>
+      </p:sp>
+      <p:pic>
+        <p:nvPicPr>
+          <p:cNvPr id="1026" name="Picture 2"/>
+          <p:cNvPicPr>
+            <a:picLocks noChangeAspect="1" noChangeArrowheads="1"/>
+          </p:cNvPicPr>
+          <p:nvPr/>
+        </p:nvPicPr>
+        <p:blipFill>
+          <a:blip r:embed="rId2">
+            <a:extLst>
+              <a:ext uri="{28A0092B-C50C-407E-A947-70E740481C1C}">
+                <a14:useLocalDpi xmlns:a14="http://schemas.microsoft.com/office/drawing/2010/main" val="0"/>
+              </a:ext>
+            </a:extLst>
+          </a:blip>
+          <a:srcRect/>
+          <a:stretch>
+            <a:fillRect/>
+          </a:stretch>
+        </p:blipFill>
+        <p:spPr bwMode="auto">
+          <a:xfrm>
+            <a:off x="2678072" y="1769609"/>
+            <a:ext cx="5824659" cy="4453497"/>
+          </a:xfrm>
+          <a:prstGeom prst="rect">
+            <a:avLst/>
+          </a:prstGeom>
+          <a:noFill/>
+          <a:ln>
+            <a:noFill/>
+          </a:ln>
+          <a:effectLst/>
+          <a:extLst>
+            <a:ext uri="{909E8E84-426E-40DD-AFC4-6F175D3DCCD1}">
+              <a14:hiddenFill xmlns:a14="http://schemas.microsoft.com/office/drawing/2010/main">
+                <a:solidFill>
+                  <a:schemeClr val="accent1"/>
+                </a:solidFill>
+              </a14:hiddenFill>
+            </a:ext>
+            <a:ext uri="{91240B29-F687-4F45-9708-019B960494DF}">
+              <a14:hiddenLine xmlns:a14="http://schemas.microsoft.com/office/drawing/2010/main" w="9525">
+                <a:solidFill>
+                  <a:schemeClr val="tx1"/>
+                </a:solidFill>
+                <a:miter lim="800000"/>
+                <a:headEnd/>
+                <a:tailEnd/>
+              </a14:hiddenLine>
+            </a:ext>
+            <a:ext uri="{AF507438-7753-43E0-B8FC-AC1667EBCBE1}">
+              <a14:hiddenEffects xmlns:a14="http://schemas.microsoft.com/office/drawing/2010/main">
+                <a:effectLst>
+                  <a:outerShdw dist="35921" dir="2700000" algn="ctr" rotWithShape="0">
+                    <a:schemeClr val="bg2"/>
+                  </a:outerShdw>
+                </a:effectLst>
+              </a14:hiddenEffects>
+            </a:ext>
+          </a:extLst>
+        </p:spPr>
+      </p:pic>
+    </p:spTree>
+    <p:extLst>
+      <p:ext uri="{BB962C8B-B14F-4D97-AF65-F5344CB8AC3E}">
+        <p14:creationId xmlns:p14="http://schemas.microsoft.com/office/powerpoint/2010/main" val="1244320568"/>
+      </p:ext>
+    </p:extLst>
+  </p:cSld>
+  <p:clrMapOvr>
+    <a:masterClrMapping/>
+  </p:clrMapOvr>
+  <p:timing>
+    <p:tnLst>
+      <p:par>
+        <p:cTn id="1" dur="indefinite" restart="never" nodeType="tmRoot"/>
+      </p:par>
+    </p:tnLst>
+  </p:timing>
+</p:sld>
+</file>
+
+<file path=ppt/slides/slide30.xml><?xml version="1.0" encoding="utf-8"?>
+<p:sld xmlns:a="http://schemas.openxmlformats.org/drawingml/2006/main" xmlns:r="http://schemas.openxmlformats.org/officeDocument/2006/relationships" xmlns:p="http://schemas.openxmlformats.org/presentationml/2006/main">
+  <p:cSld>
+    <p:spTree>
+      <p:nvGrpSpPr>
+        <p:cNvPr id="1" name=""/>
+        <p:cNvGrpSpPr/>
+        <p:nvPr/>
+      </p:nvGrpSpPr>
+      <p:grpSpPr>
+        <a:xfrm>
+          <a:off x="0" y="0"/>
+          <a:ext cx="0" cy="0"/>
+          <a:chOff x="0" y="0"/>
+          <a:chExt cx="0" cy="0"/>
+        </a:xfrm>
+      </p:grpSpPr>
+      <p:sp>
+        <p:nvSpPr>
+          <p:cNvPr id="2" name="Title 1"/>
+          <p:cNvSpPr>
+            <a:spLocks noGrp="1"/>
+          </p:cNvSpPr>
+          <p:nvPr>
+            <p:ph type="title"/>
+          </p:nvPr>
+        </p:nvSpPr>
+        <p:spPr/>
+        <p:txBody>
+          <a:bodyPr/>
+          <a:lstStyle/>
+          <a:p>
+            <a:r>
+              <a:rPr lang="bg-BG" dirty="0" smtClean="0"/>
+              <a:t>Дизайн модел</a:t>
+            </a:r>
+            <a:endParaRPr lang="en-US" dirty="0"/>
+          </a:p>
+        </p:txBody>
+      </p:sp>
+      <p:sp>
+        <p:nvSpPr>
+          <p:cNvPr id="3" name="Content Placeholder 2"/>
+          <p:cNvSpPr>
+            <a:spLocks noGrp="1"/>
+          </p:cNvSpPr>
+          <p:nvPr>
+            <p:ph idx="1"/>
+          </p:nvPr>
+        </p:nvSpPr>
+        <p:spPr>
+          <a:xfrm>
+            <a:off x="676894" y="1270660"/>
+            <a:ext cx="9372959" cy="4977739"/>
+          </a:xfrm>
+        </p:spPr>
+        <p:txBody>
+          <a:bodyPr/>
+          <a:lstStyle/>
+          <a:p>
+            <a:pPr marL="0" indent="0">
+              <a:buNone/>
+            </a:pPr>
+            <a:r>
+              <a:rPr lang="bg-BG" dirty="0" smtClean="0"/>
+              <a:t>Модел за работа с данните</a:t>
+            </a:r>
+            <a:endParaRPr lang="en-US" dirty="0"/>
+          </a:p>
+        </p:txBody>
+      </p:sp>
+      <p:pic>
+        <p:nvPicPr>
+          <p:cNvPr id="9218" name="Picture 2"/>
+          <p:cNvPicPr>
+            <a:picLocks noChangeAspect="1" noChangeArrowheads="1"/>
+          </p:cNvPicPr>
+          <p:nvPr/>
+        </p:nvPicPr>
+        <p:blipFill>
+          <a:blip r:embed="rId2">
+            <a:extLst>
+              <a:ext uri="{28A0092B-C50C-407E-A947-70E740481C1C}">
+                <a14:useLocalDpi xmlns:a14="http://schemas.microsoft.com/office/drawing/2010/main" val="0"/>
+              </a:ext>
+            </a:extLst>
+          </a:blip>
+          <a:srcRect/>
+          <a:stretch>
+            <a:fillRect/>
+          </a:stretch>
+        </p:blipFill>
+        <p:spPr bwMode="auto">
+          <a:xfrm>
+            <a:off x="2004168" y="1879455"/>
+            <a:ext cx="7068580" cy="4334407"/>
+          </a:xfrm>
+          <a:prstGeom prst="rect">
+            <a:avLst/>
+          </a:prstGeom>
+          <a:noFill/>
+          <a:ln>
+            <a:noFill/>
+          </a:ln>
+          <a:extLst>
+            <a:ext uri="{909E8E84-426E-40DD-AFC4-6F175D3DCCD1}">
+              <a14:hiddenFill xmlns:a14="http://schemas.microsoft.com/office/drawing/2010/main">
+                <a:solidFill>
+                  <a:srgbClr val="FFFFFF"/>
+                </a:solidFill>
+              </a14:hiddenFill>
+            </a:ext>
+            <a:ext uri="{91240B29-F687-4F45-9708-019B960494DF}">
+              <a14:hiddenLine xmlns:a14="http://schemas.microsoft.com/office/drawing/2010/main" w="9525">
+                <a:solidFill>
+                  <a:srgbClr val="000000"/>
+                </a:solidFill>
+                <a:miter lim="800000"/>
+                <a:headEnd/>
+                <a:tailEnd/>
+              </a14:hiddenLine>
+            </a:ext>
+          </a:extLst>
+        </p:spPr>
+      </p:pic>
+    </p:spTree>
+    <p:extLst>
+      <p:ext uri="{BB962C8B-B14F-4D97-AF65-F5344CB8AC3E}">
+        <p14:creationId xmlns:p14="http://schemas.microsoft.com/office/powerpoint/2010/main" val="650249484"/>
+      </p:ext>
+    </p:extLst>
+  </p:cSld>
+  <p:clrMapOvr>
+    <a:masterClrMapping/>
+  </p:clrMapOvr>
+  <p:timing>
+    <p:tnLst>
+      <p:par>
+        <p:cTn id="1" dur="indefinite" restart="never" nodeType="tmRoot"/>
+      </p:par>
+    </p:tnLst>
+  </p:timing>
+</p:sld>
+</file>
+
+<file path=ppt/slides/slide31.xml><?xml version="1.0" encoding="utf-8"?>
+<p:sld xmlns:a="http://schemas.openxmlformats.org/drawingml/2006/main" xmlns:r="http://schemas.openxmlformats.org/officeDocument/2006/relationships" xmlns:p="http://schemas.openxmlformats.org/presentationml/2006/main">
+  <p:cSld>
+    <p:spTree>
+      <p:nvGrpSpPr>
+        <p:cNvPr id="1" name=""/>
+        <p:cNvGrpSpPr/>
+        <p:nvPr/>
+      </p:nvGrpSpPr>
+      <p:grpSpPr>
+        <a:xfrm>
+          <a:off x="0" y="0"/>
+          <a:ext cx="0" cy="0"/>
+          <a:chOff x="0" y="0"/>
+          <a:chExt cx="0" cy="0"/>
+        </a:xfrm>
+      </p:grpSpPr>
+      <p:sp>
+        <p:nvSpPr>
+          <p:cNvPr id="2" name="Title 1"/>
+          <p:cNvSpPr>
+            <a:spLocks noGrp="1"/>
+          </p:cNvSpPr>
+          <p:nvPr>
+            <p:ph type="title"/>
+          </p:nvPr>
+        </p:nvSpPr>
+        <p:spPr/>
+        <p:txBody>
+          <a:bodyPr/>
+          <a:lstStyle/>
+          <a:p>
+            <a:r>
+              <a:rPr lang="bg-BG" dirty="0" smtClean="0"/>
+              <a:t>Дизайн модел	</a:t>
+            </a:r>
+            <a:endParaRPr lang="en-US" dirty="0"/>
+          </a:p>
+        </p:txBody>
+      </p:sp>
+      <p:sp>
+        <p:nvSpPr>
+          <p:cNvPr id="3" name="Content Placeholder 2"/>
+          <p:cNvSpPr>
+            <a:spLocks noGrp="1"/>
+          </p:cNvSpPr>
+          <p:nvPr>
+            <p:ph idx="1"/>
+          </p:nvPr>
+        </p:nvSpPr>
+        <p:spPr>
+          <a:xfrm>
+            <a:off x="736270" y="1270660"/>
+            <a:ext cx="9313583" cy="4977739"/>
+          </a:xfrm>
+        </p:spPr>
+        <p:txBody>
+          <a:bodyPr/>
+          <a:lstStyle/>
+          <a:p>
+            <a:pPr marL="0" indent="0">
+              <a:buNone/>
+            </a:pPr>
+            <a:r>
+              <a:rPr lang="bg-BG" dirty="0" smtClean="0"/>
+              <a:t>Модел за генерирането на отчети</a:t>
+            </a:r>
+            <a:endParaRPr lang="en-US" dirty="0"/>
+          </a:p>
+        </p:txBody>
+      </p:sp>
+      <p:pic>
+        <p:nvPicPr>
+          <p:cNvPr id="10242" name="Picture 2"/>
+          <p:cNvPicPr>
+            <a:picLocks noChangeAspect="1" noChangeArrowheads="1"/>
+          </p:cNvPicPr>
+          <p:nvPr/>
+        </p:nvPicPr>
+        <p:blipFill>
+          <a:blip r:embed="rId2">
+            <a:extLst>
+              <a:ext uri="{28A0092B-C50C-407E-A947-70E740481C1C}">
+                <a14:useLocalDpi xmlns:a14="http://schemas.microsoft.com/office/drawing/2010/main" val="0"/>
+              </a:ext>
+            </a:extLst>
+          </a:blip>
+          <a:srcRect/>
+          <a:stretch>
+            <a:fillRect/>
+          </a:stretch>
+        </p:blipFill>
+        <p:spPr bwMode="auto">
+          <a:xfrm>
+            <a:off x="570015" y="2006929"/>
+            <a:ext cx="10998094" cy="4198875"/>
+          </a:xfrm>
+          <a:prstGeom prst="rect">
+            <a:avLst/>
+          </a:prstGeom>
+          <a:noFill/>
+          <a:ln>
+            <a:noFill/>
+          </a:ln>
+          <a:extLst>
+            <a:ext uri="{909E8E84-426E-40DD-AFC4-6F175D3DCCD1}">
+              <a14:hiddenFill xmlns:a14="http://schemas.microsoft.com/office/drawing/2010/main">
+                <a:solidFill>
+                  <a:srgbClr val="FFFFFF"/>
+                </a:solidFill>
+              </a14:hiddenFill>
+            </a:ext>
+            <a:ext uri="{91240B29-F687-4F45-9708-019B960494DF}">
+              <a14:hiddenLine xmlns:a14="http://schemas.microsoft.com/office/drawing/2010/main" w="9525">
+                <a:solidFill>
+                  <a:srgbClr val="000000"/>
+                </a:solidFill>
+                <a:miter lim="800000"/>
+                <a:headEnd/>
+                <a:tailEnd/>
+              </a14:hiddenLine>
+            </a:ext>
+          </a:extLst>
+        </p:spPr>
+      </p:pic>
+    </p:spTree>
+    <p:extLst>
+      <p:ext uri="{BB962C8B-B14F-4D97-AF65-F5344CB8AC3E}">
+        <p14:creationId xmlns:p14="http://schemas.microsoft.com/office/powerpoint/2010/main" val="3839681670"/>
+      </p:ext>
+    </p:extLst>
+  </p:cSld>
+  <p:clrMapOvr>
+    <a:masterClrMapping/>
+  </p:clrMapOvr>
+  <p:timing>
+    <p:tnLst>
+      <p:par>
+        <p:cTn id="1" dur="indefinite" restart="never" nodeType="tmRoot"/>
+      </p:par>
+    </p:tnLst>
+  </p:timing>
+</p:sld>
+</file>
+
+<file path=ppt/slides/slide32.xml><?xml version="1.0" encoding="utf-8"?>
+<p:sld xmlns:a="http://schemas.openxmlformats.org/drawingml/2006/main" xmlns:r="http://schemas.openxmlformats.org/officeDocument/2006/relationships" xmlns:p="http://schemas.openxmlformats.org/presentationml/2006/main">
+  <p:cSld>
+    <p:spTree>
+      <p:nvGrpSpPr>
+        <p:cNvPr id="1" name=""/>
+        <p:cNvGrpSpPr/>
+        <p:nvPr/>
+      </p:nvGrpSpPr>
+      <p:grpSpPr>
+        <a:xfrm>
+          <a:off x="0" y="0"/>
+          <a:ext cx="0" cy="0"/>
+          <a:chOff x="0" y="0"/>
+          <a:chExt cx="0" cy="0"/>
+        </a:xfrm>
+      </p:grpSpPr>
+      <p:sp>
+        <p:nvSpPr>
+          <p:cNvPr id="2" name="Title 1"/>
+          <p:cNvSpPr>
+            <a:spLocks noGrp="1"/>
+          </p:cNvSpPr>
+          <p:nvPr>
+            <p:ph type="title"/>
+          </p:nvPr>
+        </p:nvSpPr>
+        <p:spPr/>
+        <p:txBody>
+          <a:bodyPr/>
+          <a:lstStyle/>
+          <a:p>
+            <a:r>
+              <a:rPr lang="bg-BG" dirty="0" smtClean="0"/>
+              <a:t>Дизайн модел</a:t>
+            </a:r>
+            <a:endParaRPr lang="en-US" dirty="0"/>
+          </a:p>
+        </p:txBody>
+      </p:sp>
+      <p:sp>
+        <p:nvSpPr>
+          <p:cNvPr id="3" name="Content Placeholder 2"/>
+          <p:cNvSpPr>
+            <a:spLocks noGrp="1"/>
+          </p:cNvSpPr>
+          <p:nvPr>
+            <p:ph idx="1"/>
+          </p:nvPr>
+        </p:nvSpPr>
+        <p:spPr>
+          <a:xfrm>
+            <a:off x="877681" y="1304772"/>
+            <a:ext cx="10225748" cy="4195481"/>
+          </a:xfrm>
+        </p:spPr>
+        <p:txBody>
+          <a:bodyPr/>
+          <a:lstStyle/>
+          <a:p>
+            <a:pPr marL="0" indent="0">
+              <a:buNone/>
+            </a:pPr>
+            <a:r>
+              <a:rPr lang="bg-BG" dirty="0" smtClean="0"/>
+              <a:t>Модел на отворените </a:t>
+            </a:r>
+            <a:r>
+              <a:rPr lang="bg-BG" dirty="0" err="1" smtClean="0"/>
+              <a:t>сървиси</a:t>
+            </a:r>
+            <a:r>
+              <a:rPr lang="bg-BG" dirty="0" smtClean="0"/>
+              <a:t> </a:t>
+            </a:r>
+            <a:r>
+              <a:rPr lang="bg-BG" dirty="0" smtClean="0"/>
+              <a:t>и обектите за използване на външни </a:t>
+            </a:r>
+            <a:r>
+              <a:rPr lang="bg-BG" dirty="0" err="1" smtClean="0"/>
+              <a:t>сървиси</a:t>
+            </a:r>
+            <a:endParaRPr lang="en-US" dirty="0"/>
+          </a:p>
+        </p:txBody>
+      </p:sp>
+      <p:pic>
+        <p:nvPicPr>
+          <p:cNvPr id="11266" name="Picture 2"/>
+          <p:cNvPicPr>
+            <a:picLocks noChangeAspect="1" noChangeArrowheads="1"/>
+          </p:cNvPicPr>
+          <p:nvPr/>
+        </p:nvPicPr>
+        <p:blipFill>
+          <a:blip r:embed="rId2">
+            <a:extLst>
+              <a:ext uri="{28A0092B-C50C-407E-A947-70E740481C1C}">
+                <a14:useLocalDpi xmlns:a14="http://schemas.microsoft.com/office/drawing/2010/main" val="0"/>
+              </a:ext>
+            </a:extLst>
+          </a:blip>
+          <a:srcRect/>
+          <a:stretch>
+            <a:fillRect/>
+          </a:stretch>
+        </p:blipFill>
+        <p:spPr bwMode="auto">
+          <a:xfrm>
+            <a:off x="1588530" y="1809832"/>
+            <a:ext cx="8588622" cy="4861292"/>
+          </a:xfrm>
+          <a:prstGeom prst="rect">
+            <a:avLst/>
+          </a:prstGeom>
+          <a:noFill/>
+          <a:ln>
+            <a:noFill/>
+          </a:ln>
+          <a:extLst>
+            <a:ext uri="{909E8E84-426E-40DD-AFC4-6F175D3DCCD1}">
+              <a14:hiddenFill xmlns:a14="http://schemas.microsoft.com/office/drawing/2010/main">
+                <a:solidFill>
+                  <a:srgbClr val="FFFFFF"/>
+                </a:solidFill>
+              </a14:hiddenFill>
+            </a:ext>
+            <a:ext uri="{91240B29-F687-4F45-9708-019B960494DF}">
+              <a14:hiddenLine xmlns:a14="http://schemas.microsoft.com/office/drawing/2010/main" w="9525">
+                <a:solidFill>
+                  <a:srgbClr val="000000"/>
+                </a:solidFill>
+                <a:miter lim="800000"/>
+                <a:headEnd/>
+                <a:tailEnd/>
+              </a14:hiddenLine>
+            </a:ext>
+          </a:extLst>
+        </p:spPr>
+      </p:pic>
+    </p:spTree>
+    <p:extLst>
+      <p:ext uri="{BB962C8B-B14F-4D97-AF65-F5344CB8AC3E}">
+        <p14:creationId xmlns:p14="http://schemas.microsoft.com/office/powerpoint/2010/main" val="142747659"/>
+      </p:ext>
+    </p:extLst>
+  </p:cSld>
+  <p:clrMapOvr>
+    <a:masterClrMapping/>
+  </p:clrMapOvr>
+  <p:timing>
+    <p:tnLst>
+      <p:par>
+        <p:cTn id="1" dur="indefinite" restart="never" nodeType="tmRoot"/>
+      </p:par>
+    </p:tnLst>
+  </p:timing>
+</p:sld>
+</file>
+
+<file path=ppt/slides/slide33.xml><?xml version="1.0" encoding="utf-8"?>
+<p:sld xmlns:a="http://schemas.openxmlformats.org/drawingml/2006/main" xmlns:r="http://schemas.openxmlformats.org/officeDocument/2006/relationships" xmlns:p="http://schemas.openxmlformats.org/presentationml/2006/main">
+  <p:cSld>
+    <p:spTree>
+      <p:nvGrpSpPr>
+        <p:cNvPr id="1" name=""/>
+        <p:cNvGrpSpPr/>
+        <p:nvPr/>
+      </p:nvGrpSpPr>
+      <p:grpSpPr>
+        <a:xfrm>
+          <a:off x="0" y="0"/>
+          <a:ext cx="0" cy="0"/>
+          <a:chOff x="0" y="0"/>
+          <a:chExt cx="0" cy="0"/>
+        </a:xfrm>
+      </p:grpSpPr>
+      <p:sp>
+        <p:nvSpPr>
+          <p:cNvPr id="2" name="Title 1"/>
+          <p:cNvSpPr>
+            <a:spLocks noGrp="1"/>
+          </p:cNvSpPr>
+          <p:nvPr>
+            <p:ph type="title"/>
+          </p:nvPr>
+        </p:nvSpPr>
+        <p:spPr/>
+        <p:txBody>
+          <a:bodyPr/>
+          <a:lstStyle/>
+          <a:p>
+            <a:r>
+              <a:rPr lang="bg-BG" dirty="0" smtClean="0"/>
+              <a:t>Дизайн модел</a:t>
+            </a:r>
+            <a:endParaRPr lang="en-US" dirty="0"/>
+          </a:p>
+        </p:txBody>
+      </p:sp>
+      <p:sp>
+        <p:nvSpPr>
+          <p:cNvPr id="3" name="Content Placeholder 2"/>
+          <p:cNvSpPr>
+            <a:spLocks noGrp="1"/>
+          </p:cNvSpPr>
+          <p:nvPr>
+            <p:ph idx="1"/>
+          </p:nvPr>
+        </p:nvSpPr>
+        <p:spPr>
+          <a:xfrm>
+            <a:off x="675799" y="1197894"/>
+            <a:ext cx="8946541" cy="4195481"/>
+          </a:xfrm>
+        </p:spPr>
+        <p:txBody>
+          <a:bodyPr/>
+          <a:lstStyle/>
+          <a:p>
+            <a:pPr marL="0" indent="0">
+              <a:buNone/>
+            </a:pPr>
+            <a:r>
+              <a:rPr lang="bg-BG" dirty="0" smtClean="0"/>
+              <a:t>Модел за Депозити и Влогове</a:t>
+            </a:r>
+            <a:endParaRPr lang="en-US" dirty="0"/>
+          </a:p>
+        </p:txBody>
+      </p:sp>
+      <p:pic>
+        <p:nvPicPr>
+          <p:cNvPr id="12290" name="Picture 2"/>
+          <p:cNvPicPr>
+            <a:picLocks noChangeAspect="1" noChangeArrowheads="1"/>
+          </p:cNvPicPr>
+          <p:nvPr/>
+        </p:nvPicPr>
+        <p:blipFill>
+          <a:blip r:embed="rId2">
+            <a:extLst>
+              <a:ext uri="{28A0092B-C50C-407E-A947-70E740481C1C}">
+                <a14:useLocalDpi xmlns:a14="http://schemas.microsoft.com/office/drawing/2010/main" val="0"/>
+              </a:ext>
+            </a:extLst>
+          </a:blip>
+          <a:srcRect/>
+          <a:stretch>
+            <a:fillRect/>
+          </a:stretch>
+        </p:blipFill>
+        <p:spPr bwMode="auto">
+          <a:xfrm>
+            <a:off x="688767" y="1691078"/>
+            <a:ext cx="10567177" cy="4923478"/>
+          </a:xfrm>
+          <a:prstGeom prst="rect">
+            <a:avLst/>
+          </a:prstGeom>
+          <a:noFill/>
+          <a:ln>
+            <a:noFill/>
+          </a:ln>
+          <a:extLst>
+            <a:ext uri="{909E8E84-426E-40DD-AFC4-6F175D3DCCD1}">
+              <a14:hiddenFill xmlns:a14="http://schemas.microsoft.com/office/drawing/2010/main">
+                <a:solidFill>
+                  <a:srgbClr val="FFFFFF"/>
+                </a:solidFill>
+              </a14:hiddenFill>
+            </a:ext>
+            <a:ext uri="{91240B29-F687-4F45-9708-019B960494DF}">
+              <a14:hiddenLine xmlns:a14="http://schemas.microsoft.com/office/drawing/2010/main" w="9525">
+                <a:solidFill>
+                  <a:srgbClr val="000000"/>
+                </a:solidFill>
+                <a:miter lim="800000"/>
+                <a:headEnd/>
+                <a:tailEnd/>
+              </a14:hiddenLine>
+            </a:ext>
+          </a:extLst>
+        </p:spPr>
+      </p:pic>
+    </p:spTree>
+    <p:extLst>
+      <p:ext uri="{BB962C8B-B14F-4D97-AF65-F5344CB8AC3E}">
+        <p14:creationId xmlns:p14="http://schemas.microsoft.com/office/powerpoint/2010/main" val="1217948260"/>
+      </p:ext>
+    </p:extLst>
+  </p:cSld>
+  <p:clrMapOvr>
+    <a:masterClrMapping/>
+  </p:clrMapOvr>
+  <p:timing>
+    <p:tnLst>
+      <p:par>
+        <p:cTn id="1" dur="indefinite" restart="never" nodeType="tmRoot"/>
+      </p:par>
+    </p:tnLst>
+  </p:timing>
+</p:sld>
+</file>
+
+<file path=ppt/slides/slide34.xml><?xml version="1.0" encoding="utf-8"?>
+<p:sld xmlns:a="http://schemas.openxmlformats.org/drawingml/2006/main" xmlns:r="http://schemas.openxmlformats.org/officeDocument/2006/relationships" xmlns:p="http://schemas.openxmlformats.org/presentationml/2006/main">
+  <p:cSld>
+    <p:spTree>
+      <p:nvGrpSpPr>
+        <p:cNvPr id="1" name=""/>
+        <p:cNvGrpSpPr/>
+        <p:nvPr/>
+      </p:nvGrpSpPr>
+      <p:grpSpPr>
+        <a:xfrm>
+          <a:off x="0" y="0"/>
+          <a:ext cx="0" cy="0"/>
+          <a:chOff x="0" y="0"/>
+          <a:chExt cx="0" cy="0"/>
+        </a:xfrm>
+      </p:grpSpPr>
+      <p:sp>
+        <p:nvSpPr>
+          <p:cNvPr id="2" name="Title 1"/>
+          <p:cNvSpPr>
+            <a:spLocks noGrp="1"/>
+          </p:cNvSpPr>
+          <p:nvPr>
+            <p:ph type="title"/>
+          </p:nvPr>
+        </p:nvSpPr>
+        <p:spPr>
+          <a:xfrm>
+            <a:off x="634236" y="393341"/>
+            <a:ext cx="9404723" cy="1400530"/>
+          </a:xfrm>
+        </p:spPr>
+        <p:txBody>
+          <a:bodyPr/>
+          <a:lstStyle/>
+          <a:p>
+            <a:r>
+              <a:rPr lang="bg-BG" dirty="0" smtClean="0"/>
+              <a:t>Дизайн модел</a:t>
+            </a:r>
+            <a:endParaRPr lang="en-US" dirty="0"/>
+          </a:p>
+        </p:txBody>
+      </p:sp>
+      <p:sp>
+        <p:nvSpPr>
+          <p:cNvPr id="3" name="Content Placeholder 2"/>
+          <p:cNvSpPr>
+            <a:spLocks noGrp="1"/>
+          </p:cNvSpPr>
+          <p:nvPr>
+            <p:ph idx="1"/>
+          </p:nvPr>
+        </p:nvSpPr>
+        <p:spPr>
+          <a:xfrm>
+            <a:off x="617517" y="1104406"/>
+            <a:ext cx="9456087" cy="4894612"/>
+          </a:xfrm>
+        </p:spPr>
+        <p:txBody>
+          <a:bodyPr/>
+          <a:lstStyle/>
+          <a:p>
+            <a:pPr marL="0" indent="0">
+              <a:buNone/>
+            </a:pPr>
+            <a:r>
+              <a:rPr lang="bg-BG" dirty="0" smtClean="0"/>
+              <a:t>Модел инвестиции</a:t>
+            </a:r>
+            <a:endParaRPr lang="en-US" dirty="0"/>
+          </a:p>
+        </p:txBody>
+      </p:sp>
+      <p:pic>
+        <p:nvPicPr>
+          <p:cNvPr id="13314" name="Picture 2"/>
+          <p:cNvPicPr>
+            <a:picLocks noChangeAspect="1" noChangeArrowheads="1"/>
+          </p:cNvPicPr>
+          <p:nvPr/>
+        </p:nvPicPr>
+        <p:blipFill>
+          <a:blip r:embed="rId2">
+            <a:extLst>
+              <a:ext uri="{28A0092B-C50C-407E-A947-70E740481C1C}">
+                <a14:useLocalDpi xmlns:a14="http://schemas.microsoft.com/office/drawing/2010/main" val="0"/>
+              </a:ext>
+            </a:extLst>
+          </a:blip>
+          <a:srcRect/>
+          <a:stretch>
+            <a:fillRect/>
+          </a:stretch>
+        </p:blipFill>
+        <p:spPr bwMode="auto">
+          <a:xfrm>
+            <a:off x="935387" y="1562833"/>
+            <a:ext cx="9930535" cy="5033907"/>
+          </a:xfrm>
+          <a:prstGeom prst="rect">
+            <a:avLst/>
+          </a:prstGeom>
+          <a:noFill/>
+          <a:ln>
+            <a:noFill/>
+          </a:ln>
+          <a:extLst>
+            <a:ext uri="{909E8E84-426E-40DD-AFC4-6F175D3DCCD1}">
+              <a14:hiddenFill xmlns:a14="http://schemas.microsoft.com/office/drawing/2010/main">
+                <a:solidFill>
+                  <a:srgbClr val="FFFFFF"/>
+                </a:solidFill>
+              </a14:hiddenFill>
+            </a:ext>
+            <a:ext uri="{91240B29-F687-4F45-9708-019B960494DF}">
+              <a14:hiddenLine xmlns:a14="http://schemas.microsoft.com/office/drawing/2010/main" w="9525">
+                <a:solidFill>
+                  <a:srgbClr val="000000"/>
+                </a:solidFill>
+                <a:miter lim="800000"/>
+                <a:headEnd/>
+                <a:tailEnd/>
+              </a14:hiddenLine>
+            </a:ext>
+          </a:extLst>
+        </p:spPr>
+      </p:pic>
+    </p:spTree>
+    <p:extLst>
+      <p:ext uri="{BB962C8B-B14F-4D97-AF65-F5344CB8AC3E}">
+        <p14:creationId xmlns:p14="http://schemas.microsoft.com/office/powerpoint/2010/main" val="527442189"/>
+      </p:ext>
+    </p:extLst>
+  </p:cSld>
+  <p:clrMapOvr>
+    <a:masterClrMapping/>
+  </p:clrMapOvr>
+  <p:timing>
+    <p:tnLst>
+      <p:par>
+        <p:cTn id="1" dur="indefinite" restart="never" nodeType="tmRoot"/>
+      </p:par>
+    </p:tnLst>
+  </p:timing>
+</p:sld>
+</file>
+
+<file path=ppt/slides/slide35.xml><?xml version="1.0" encoding="utf-8"?>
+<p:sld xmlns:a="http://schemas.openxmlformats.org/drawingml/2006/main" xmlns:r="http://schemas.openxmlformats.org/officeDocument/2006/relationships" xmlns:p="http://schemas.openxmlformats.org/presentationml/2006/main">
+  <p:cSld>
+    <p:spTree>
+      <p:nvGrpSpPr>
+        <p:cNvPr id="1" name=""/>
+        <p:cNvGrpSpPr/>
+        <p:nvPr/>
+      </p:nvGrpSpPr>
+      <p:grpSpPr>
+        <a:xfrm>
+          <a:off x="0" y="0"/>
+          <a:ext cx="0" cy="0"/>
+          <a:chOff x="0" y="0"/>
+          <a:chExt cx="0" cy="0"/>
+        </a:xfrm>
+      </p:grpSpPr>
+      <p:sp>
+        <p:nvSpPr>
+          <p:cNvPr id="2" name="Title 1"/>
+          <p:cNvSpPr>
+            <a:spLocks noGrp="1"/>
+          </p:cNvSpPr>
+          <p:nvPr>
+            <p:ph type="title"/>
+          </p:nvPr>
+        </p:nvSpPr>
+        <p:spPr/>
+        <p:txBody>
+          <a:bodyPr/>
+          <a:lstStyle/>
+          <a:p>
+            <a:r>
+              <a:rPr lang="bg-BG" dirty="0" smtClean="0"/>
+              <a:t>Дизайн модел</a:t>
+            </a:r>
+            <a:endParaRPr lang="en-US" dirty="0"/>
+          </a:p>
+        </p:txBody>
+      </p:sp>
+      <p:sp>
+        <p:nvSpPr>
+          <p:cNvPr id="3" name="Content Placeholder 2"/>
+          <p:cNvSpPr>
+            <a:spLocks noGrp="1"/>
+          </p:cNvSpPr>
+          <p:nvPr>
+            <p:ph idx="1"/>
+          </p:nvPr>
+        </p:nvSpPr>
+        <p:spPr>
+          <a:xfrm>
+            <a:off x="650931" y="1221645"/>
+            <a:ext cx="8946541" cy="4195481"/>
+          </a:xfrm>
+        </p:spPr>
+        <p:txBody>
+          <a:bodyPr/>
+          <a:lstStyle/>
+          <a:p>
+            <a:pPr marL="0" indent="0">
+              <a:buNone/>
+            </a:pPr>
+            <a:r>
+              <a:rPr lang="bg-BG" dirty="0" smtClean="0"/>
+              <a:t>Функционалности: АТМ</a:t>
+            </a:r>
+            <a:endParaRPr lang="en-US" dirty="0"/>
+          </a:p>
+        </p:txBody>
+      </p:sp>
+      <p:pic>
+        <p:nvPicPr>
+          <p:cNvPr id="14339" name="Picture 3"/>
+          <p:cNvPicPr>
+            <a:picLocks noChangeAspect="1" noChangeArrowheads="1"/>
+          </p:cNvPicPr>
+          <p:nvPr/>
+        </p:nvPicPr>
+        <p:blipFill>
+          <a:blip r:embed="rId2">
+            <a:extLst>
+              <a:ext uri="{28A0092B-C50C-407E-A947-70E740481C1C}">
+                <a14:useLocalDpi xmlns:a14="http://schemas.microsoft.com/office/drawing/2010/main" val="0"/>
+              </a:ext>
+            </a:extLst>
+          </a:blip>
+          <a:srcRect/>
+          <a:stretch>
+            <a:fillRect/>
+          </a:stretch>
+        </p:blipFill>
+        <p:spPr bwMode="auto">
+          <a:xfrm>
+            <a:off x="2030680" y="1603927"/>
+            <a:ext cx="7906368" cy="4885630"/>
+          </a:xfrm>
+          <a:prstGeom prst="rect">
+            <a:avLst/>
+          </a:prstGeom>
+          <a:noFill/>
+          <a:ln>
+            <a:noFill/>
+          </a:ln>
+          <a:effectLst/>
+          <a:extLst>
+            <a:ext uri="{909E8E84-426E-40DD-AFC4-6F175D3DCCD1}">
+              <a14:hiddenFill xmlns:a14="http://schemas.microsoft.com/office/drawing/2010/main">
+                <a:solidFill>
+                  <a:schemeClr val="accent1"/>
+                </a:solidFill>
+              </a14:hiddenFill>
+            </a:ext>
+            <a:ext uri="{91240B29-F687-4F45-9708-019B960494DF}">
+              <a14:hiddenLine xmlns:a14="http://schemas.microsoft.com/office/drawing/2010/main" w="9525">
+                <a:solidFill>
+                  <a:schemeClr val="tx1"/>
+                </a:solidFill>
+                <a:miter lim="800000"/>
+                <a:headEnd/>
+                <a:tailEnd/>
+              </a14:hiddenLine>
+            </a:ext>
+            <a:ext uri="{AF507438-7753-43E0-B8FC-AC1667EBCBE1}">
+              <a14:hiddenEffects xmlns:a14="http://schemas.microsoft.com/office/drawing/2010/main">
+                <a:effectLst>
+                  <a:outerShdw dist="35921" dir="2700000" algn="ctr" rotWithShape="0">
+                    <a:schemeClr val="bg2"/>
+                  </a:outerShdw>
+                </a:effectLst>
+              </a14:hiddenEffects>
+            </a:ext>
+          </a:extLst>
+        </p:spPr>
+      </p:pic>
+    </p:spTree>
+    <p:extLst>
+      <p:ext uri="{BB962C8B-B14F-4D97-AF65-F5344CB8AC3E}">
+        <p14:creationId xmlns:p14="http://schemas.microsoft.com/office/powerpoint/2010/main" val="1336992001"/>
+      </p:ext>
+    </p:extLst>
+  </p:cSld>
+  <p:clrMapOvr>
+    <a:masterClrMapping/>
+  </p:clrMapOvr>
+  <p:timing>
+    <p:tnLst>
+      <p:par>
+        <p:cTn id="1" dur="indefinite" restart="never" nodeType="tmRoot"/>
+      </p:par>
+    </p:tnLst>
+  </p:timing>
+</p:sld>
+</file>
+
+<file path=ppt/slides/slide36.xml><?xml version="1.0" encoding="utf-8"?>
+<p:sld xmlns:a="http://schemas.openxmlformats.org/drawingml/2006/main" xmlns:r="http://schemas.openxmlformats.org/officeDocument/2006/relationships" xmlns:p="http://schemas.openxmlformats.org/presentationml/2006/main">
+  <p:cSld>
+    <p:spTree>
+      <p:nvGrpSpPr>
+        <p:cNvPr id="1" name=""/>
+        <p:cNvGrpSpPr/>
+        <p:nvPr/>
+      </p:nvGrpSpPr>
+      <p:grpSpPr>
+        <a:xfrm>
+          <a:off x="0" y="0"/>
+          <a:ext cx="0" cy="0"/>
+          <a:chOff x="0" y="0"/>
+          <a:chExt cx="0" cy="0"/>
+        </a:xfrm>
+      </p:grpSpPr>
+      <p:sp>
+        <p:nvSpPr>
+          <p:cNvPr id="2" name="Title 1"/>
+          <p:cNvSpPr>
+            <a:spLocks noGrp="1"/>
+          </p:cNvSpPr>
+          <p:nvPr>
+            <p:ph type="title"/>
+          </p:nvPr>
+        </p:nvSpPr>
+        <p:spPr/>
+        <p:txBody>
+          <a:bodyPr/>
+          <a:lstStyle/>
+          <a:p>
+            <a:r>
+              <a:rPr lang="bg-BG" dirty="0" smtClean="0"/>
+              <a:t>Дизайн модел</a:t>
+            </a:r>
+            <a:endParaRPr lang="en-US" dirty="0"/>
+          </a:p>
+        </p:txBody>
+      </p:sp>
+      <p:sp>
+        <p:nvSpPr>
+          <p:cNvPr id="3" name="Content Placeholder 2"/>
+          <p:cNvSpPr>
+            <a:spLocks noGrp="1"/>
+          </p:cNvSpPr>
+          <p:nvPr>
+            <p:ph idx="1"/>
+          </p:nvPr>
+        </p:nvSpPr>
+        <p:spPr>
+          <a:xfrm>
+            <a:off x="663925" y="1162269"/>
+            <a:ext cx="8946541" cy="4195481"/>
+          </a:xfrm>
+        </p:spPr>
+        <p:txBody>
+          <a:bodyPr/>
+          <a:lstStyle/>
+          <a:p>
+            <a:pPr marL="0" indent="0">
+              <a:buNone/>
+            </a:pPr>
+            <a:r>
+              <a:rPr lang="bg-BG" dirty="0" smtClean="0"/>
+              <a:t>Функционалности: АТМ</a:t>
+            </a:r>
+            <a:endParaRPr lang="en-US" dirty="0"/>
+          </a:p>
+        </p:txBody>
+      </p:sp>
+      <p:pic>
+        <p:nvPicPr>
+          <p:cNvPr id="15363" name="Picture 3"/>
+          <p:cNvPicPr>
+            <a:picLocks noChangeAspect="1" noChangeArrowheads="1"/>
+          </p:cNvPicPr>
+          <p:nvPr/>
+        </p:nvPicPr>
+        <p:blipFill>
+          <a:blip r:embed="rId2">
+            <a:extLst>
+              <a:ext uri="{28A0092B-C50C-407E-A947-70E740481C1C}">
+                <a14:useLocalDpi xmlns:a14="http://schemas.microsoft.com/office/drawing/2010/main" val="0"/>
+              </a:ext>
+            </a:extLst>
+          </a:blip>
+          <a:srcRect/>
+          <a:stretch>
+            <a:fillRect/>
+          </a:stretch>
+        </p:blipFill>
+        <p:spPr bwMode="auto">
+          <a:xfrm>
+            <a:off x="1778204" y="1723035"/>
+            <a:ext cx="8241329" cy="4737142"/>
+          </a:xfrm>
+          <a:prstGeom prst="rect">
+            <a:avLst/>
+          </a:prstGeom>
+          <a:noFill/>
+          <a:ln>
+            <a:noFill/>
+          </a:ln>
+          <a:effectLst/>
+          <a:extLst>
+            <a:ext uri="{909E8E84-426E-40DD-AFC4-6F175D3DCCD1}">
+              <a14:hiddenFill xmlns:a14="http://schemas.microsoft.com/office/drawing/2010/main">
+                <a:solidFill>
+                  <a:schemeClr val="accent1"/>
+                </a:solidFill>
+              </a14:hiddenFill>
+            </a:ext>
+            <a:ext uri="{91240B29-F687-4F45-9708-019B960494DF}">
+              <a14:hiddenLine xmlns:a14="http://schemas.microsoft.com/office/drawing/2010/main" w="9525">
+                <a:solidFill>
+                  <a:schemeClr val="tx1"/>
+                </a:solidFill>
+                <a:miter lim="800000"/>
+                <a:headEnd/>
+                <a:tailEnd/>
+              </a14:hiddenLine>
+            </a:ext>
+            <a:ext uri="{AF507438-7753-43E0-B8FC-AC1667EBCBE1}">
+              <a14:hiddenEffects xmlns:a14="http://schemas.microsoft.com/office/drawing/2010/main">
+                <a:effectLst>
+                  <a:outerShdw dist="35921" dir="2700000" algn="ctr" rotWithShape="0">
+                    <a:schemeClr val="bg2"/>
+                  </a:outerShdw>
+                </a:effectLst>
+              </a14:hiddenEffects>
+            </a:ext>
+          </a:extLst>
+        </p:spPr>
+      </p:pic>
+    </p:spTree>
+    <p:extLst>
+      <p:ext uri="{BB962C8B-B14F-4D97-AF65-F5344CB8AC3E}">
+        <p14:creationId xmlns:p14="http://schemas.microsoft.com/office/powerpoint/2010/main" val="2428491785"/>
+      </p:ext>
+    </p:extLst>
+  </p:cSld>
+  <p:clrMapOvr>
+    <a:masterClrMapping/>
+  </p:clrMapOvr>
+  <p:timing>
+    <p:tnLst>
+      <p:par>
+        <p:cTn id="1" dur="indefinite" restart="never" nodeType="tmRoot"/>
+      </p:par>
+    </p:tnLst>
+  </p:timing>
+</p:sld>
+</file>
+
+<file path=ppt/slides/slide37.xml><?xml version="1.0" encoding="utf-8"?>
+<p:sld xmlns:a="http://schemas.openxmlformats.org/drawingml/2006/main" xmlns:r="http://schemas.openxmlformats.org/officeDocument/2006/relationships" xmlns:p="http://schemas.openxmlformats.org/presentationml/2006/main">
+  <p:cSld>
+    <p:spTree>
+      <p:nvGrpSpPr>
+        <p:cNvPr id="1" name=""/>
+        <p:cNvGrpSpPr/>
+        <p:nvPr/>
+      </p:nvGrpSpPr>
+      <p:grpSpPr>
+        <a:xfrm>
+          <a:off x="0" y="0"/>
+          <a:ext cx="0" cy="0"/>
+          <a:chOff x="0" y="0"/>
+          <a:chExt cx="0" cy="0"/>
+        </a:xfrm>
+      </p:grpSpPr>
+      <p:sp>
+        <p:nvSpPr>
+          <p:cNvPr id="2" name="Title 1"/>
+          <p:cNvSpPr>
+            <a:spLocks noGrp="1"/>
+          </p:cNvSpPr>
+          <p:nvPr>
+            <p:ph type="title"/>
+          </p:nvPr>
+        </p:nvSpPr>
+        <p:spPr/>
+        <p:txBody>
+          <a:bodyPr/>
+          <a:lstStyle/>
+          <a:p>
+            <a:r>
+              <a:rPr lang="bg-BG" dirty="0" smtClean="0"/>
+              <a:t>Дизайн модел</a:t>
+            </a:r>
+            <a:endParaRPr lang="en-US" dirty="0"/>
+          </a:p>
+        </p:txBody>
+      </p:sp>
+      <p:sp>
+        <p:nvSpPr>
+          <p:cNvPr id="3" name="Content Placeholder 2"/>
+          <p:cNvSpPr>
+            <a:spLocks noGrp="1"/>
+          </p:cNvSpPr>
+          <p:nvPr>
+            <p:ph idx="1"/>
+          </p:nvPr>
+        </p:nvSpPr>
+        <p:spPr>
+          <a:xfrm>
+            <a:off x="653143" y="1092531"/>
+            <a:ext cx="8945447" cy="4288970"/>
+          </a:xfrm>
+        </p:spPr>
+        <p:txBody>
+          <a:bodyPr/>
+          <a:lstStyle/>
+          <a:p>
+            <a:pPr marL="0" indent="0">
+              <a:buNone/>
+            </a:pPr>
+            <a:r>
+              <a:rPr lang="bg-BG" dirty="0" smtClean="0"/>
+              <a:t>Функционалности: Кандидатстване за инвестиция</a:t>
+            </a:r>
+            <a:endParaRPr lang="en-US" dirty="0"/>
+          </a:p>
+        </p:txBody>
+      </p:sp>
+      <p:pic>
+        <p:nvPicPr>
+          <p:cNvPr id="16386" name="Picture 2"/>
+          <p:cNvPicPr>
+            <a:picLocks noChangeAspect="1" noChangeArrowheads="1"/>
+          </p:cNvPicPr>
+          <p:nvPr/>
+        </p:nvPicPr>
+        <p:blipFill>
+          <a:blip r:embed="rId2">
+            <a:extLst>
+              <a:ext uri="{28A0092B-C50C-407E-A947-70E740481C1C}">
+                <a14:useLocalDpi xmlns:a14="http://schemas.microsoft.com/office/drawing/2010/main" val="0"/>
+              </a:ext>
+            </a:extLst>
+          </a:blip>
+          <a:srcRect/>
+          <a:stretch>
+            <a:fillRect/>
+          </a:stretch>
+        </p:blipFill>
+        <p:spPr bwMode="auto">
+          <a:xfrm>
+            <a:off x="1794225" y="1553934"/>
+            <a:ext cx="8359166" cy="4906243"/>
+          </a:xfrm>
+          <a:prstGeom prst="rect">
+            <a:avLst/>
+          </a:prstGeom>
+          <a:noFill/>
+          <a:ln>
+            <a:noFill/>
+          </a:ln>
+          <a:effectLst/>
+          <a:extLst>
+            <a:ext uri="{909E8E84-426E-40DD-AFC4-6F175D3DCCD1}">
+              <a14:hiddenFill xmlns:a14="http://schemas.microsoft.com/office/drawing/2010/main">
+                <a:solidFill>
+                  <a:schemeClr val="accent1"/>
+                </a:solidFill>
+              </a14:hiddenFill>
+            </a:ext>
+            <a:ext uri="{91240B29-F687-4F45-9708-019B960494DF}">
+              <a14:hiddenLine xmlns:a14="http://schemas.microsoft.com/office/drawing/2010/main" w="9525">
+                <a:solidFill>
+                  <a:schemeClr val="tx1"/>
+                </a:solidFill>
+                <a:miter lim="800000"/>
+                <a:headEnd/>
+                <a:tailEnd/>
+              </a14:hiddenLine>
+            </a:ext>
+            <a:ext uri="{AF507438-7753-43E0-B8FC-AC1667EBCBE1}">
+              <a14:hiddenEffects xmlns:a14="http://schemas.microsoft.com/office/drawing/2010/main">
+                <a:effectLst>
+                  <a:outerShdw dist="35921" dir="2700000" algn="ctr" rotWithShape="0">
+                    <a:schemeClr val="bg2"/>
+                  </a:outerShdw>
+                </a:effectLst>
+              </a14:hiddenEffects>
+            </a:ext>
+          </a:extLst>
+        </p:spPr>
+      </p:pic>
+    </p:spTree>
+    <p:extLst>
+      <p:ext uri="{BB962C8B-B14F-4D97-AF65-F5344CB8AC3E}">
+        <p14:creationId xmlns:p14="http://schemas.microsoft.com/office/powerpoint/2010/main" val="4288423592"/>
+      </p:ext>
+    </p:extLst>
+  </p:cSld>
+  <p:clrMapOvr>
+    <a:masterClrMapping/>
+  </p:clrMapOvr>
+  <p:timing>
+    <p:tnLst>
+      <p:par>
+        <p:cTn id="1" dur="indefinite" restart="never" nodeType="tmRoot"/>
+      </p:par>
+    </p:tnLst>
+  </p:timing>
+</p:sld>
+</file>
+
+<file path=ppt/slides/slide38.xml><?xml version="1.0" encoding="utf-8"?>
+<p:sld xmlns:a="http://schemas.openxmlformats.org/drawingml/2006/main" xmlns:r="http://schemas.openxmlformats.org/officeDocument/2006/relationships" xmlns:p="http://schemas.openxmlformats.org/presentationml/2006/main">
+  <p:cSld>
+    <p:spTree>
+      <p:nvGrpSpPr>
+        <p:cNvPr id="1" name=""/>
+        <p:cNvGrpSpPr/>
+        <p:nvPr/>
+      </p:nvGrpSpPr>
+      <p:grpSpPr>
+        <a:xfrm>
+          <a:off x="0" y="0"/>
+          <a:ext cx="0" cy="0"/>
+          <a:chOff x="0" y="0"/>
+          <a:chExt cx="0" cy="0"/>
+        </a:xfrm>
+      </p:grpSpPr>
+      <p:sp>
+        <p:nvSpPr>
+          <p:cNvPr id="4" name="Title 3"/>
+          <p:cNvSpPr>
+            <a:spLocks noGrp="1"/>
+          </p:cNvSpPr>
+          <p:nvPr>
+            <p:ph type="title"/>
+          </p:nvPr>
+        </p:nvSpPr>
+        <p:spPr>
+          <a:xfrm>
+            <a:off x="1653718" y="2528455"/>
+            <a:ext cx="8825659" cy="1981200"/>
+          </a:xfrm>
+        </p:spPr>
+        <p:txBody>
+          <a:bodyPr/>
+          <a:lstStyle/>
+          <a:p>
+            <a:r>
+              <a:rPr lang="bg-BG" dirty="0" smtClean="0"/>
+              <a:t>Благодарим за вниманието</a:t>
+            </a:r>
+            <a:endParaRPr lang="en-US" dirty="0"/>
+          </a:p>
+        </p:txBody>
+      </p:sp>
+    </p:spTree>
+    <p:extLst>
+      <p:ext uri="{BB962C8B-B14F-4D97-AF65-F5344CB8AC3E}">
+        <p14:creationId xmlns:p14="http://schemas.microsoft.com/office/powerpoint/2010/main" val="3557159254"/>
+      </p:ext>
+    </p:extLst>
+  </p:cSld>
+  <p:clrMapOvr>
+    <a:masterClrMapping/>
+  </p:clrMapOvr>
+  <p:timing>
+    <p:tnLst>
+      <p:par>
+        <p:cTn id="1" dur="indefinite" restart="never" nodeType="tmRoot"/>
+      </p:par>
+    </p:tnLst>
+  </p:timing>
+</p:sld>
+</file>
+
+<file path=ppt/slides/slide4.xml><?xml version="1.0" encoding="utf-8"?>
+<p:sld xmlns:a="http://schemas.openxmlformats.org/drawingml/2006/main" xmlns:r="http://schemas.openxmlformats.org/officeDocument/2006/relationships" xmlns:p="http://schemas.openxmlformats.org/presentationml/2006/main">
+  <p:cSld>
+    <p:spTree>
+      <p:nvGrpSpPr>
+        <p:cNvPr id="1" name=""/>
+        <p:cNvGrpSpPr/>
+        <p:nvPr/>
+      </p:nvGrpSpPr>
+      <p:grpSpPr>
+        <a:xfrm>
+          <a:off x="0" y="0"/>
+          <a:ext cx="0" cy="0"/>
+          <a:chOff x="0" y="0"/>
+          <a:chExt cx="0" cy="0"/>
+        </a:xfrm>
+      </p:grpSpPr>
+      <p:sp>
+        <p:nvSpPr>
+          <p:cNvPr id="2" name="Title 1"/>
+          <p:cNvSpPr>
+            <a:spLocks noGrp="1"/>
+          </p:cNvSpPr>
+          <p:nvPr>
+            <p:ph type="title"/>
+          </p:nvPr>
+        </p:nvSpPr>
+        <p:spPr/>
+        <p:txBody>
+          <a:bodyPr/>
+          <a:lstStyle/>
+          <a:p>
+            <a:r>
+              <a:rPr lang="bg-BG" dirty="0"/>
+              <a:t>Статистика на задачите</a:t>
+            </a:r>
+            <a:endParaRPr lang="en-US" dirty="0"/>
+          </a:p>
+        </p:txBody>
+      </p:sp>
+      <p:pic>
+        <p:nvPicPr>
+          <p:cNvPr id="2050" name="Picture 2"/>
+          <p:cNvPicPr>
+            <a:picLocks noChangeAspect="1" noChangeArrowheads="1"/>
+          </p:cNvPicPr>
+          <p:nvPr/>
+        </p:nvPicPr>
+        <p:blipFill>
+          <a:blip r:embed="rId2">
+            <a:extLst>
+              <a:ext uri="{28A0092B-C50C-407E-A947-70E740481C1C}">
+                <a14:useLocalDpi xmlns:a14="http://schemas.microsoft.com/office/drawing/2010/main" val="0"/>
+              </a:ext>
+            </a:extLst>
+          </a:blip>
+          <a:srcRect/>
+          <a:stretch>
+            <a:fillRect/>
+          </a:stretch>
+        </p:blipFill>
+        <p:spPr bwMode="auto">
+          <a:xfrm>
+            <a:off x="2570906" y="1246909"/>
+            <a:ext cx="6430592" cy="5242955"/>
+          </a:xfrm>
+          <a:prstGeom prst="rect">
+            <a:avLst/>
+          </a:prstGeom>
+          <a:noFill/>
+          <a:ln>
+            <a:noFill/>
+          </a:ln>
+          <a:effectLst/>
+          <a:extLst>
+            <a:ext uri="{909E8E84-426E-40DD-AFC4-6F175D3DCCD1}">
+              <a14:hiddenFill xmlns:a14="http://schemas.microsoft.com/office/drawing/2010/main">
+                <a:solidFill>
+                  <a:schemeClr val="accent1"/>
+                </a:solidFill>
+              </a14:hiddenFill>
+            </a:ext>
+            <a:ext uri="{91240B29-F687-4F45-9708-019B960494DF}">
+              <a14:hiddenLine xmlns:a14="http://schemas.microsoft.com/office/drawing/2010/main" w="9525">
+                <a:solidFill>
+                  <a:schemeClr val="tx1"/>
+                </a:solidFill>
+                <a:miter lim="800000"/>
+                <a:headEnd/>
+                <a:tailEnd/>
+              </a14:hiddenLine>
+            </a:ext>
+            <a:ext uri="{AF507438-7753-43E0-B8FC-AC1667EBCBE1}">
+              <a14:hiddenEffects xmlns:a14="http://schemas.microsoft.com/office/drawing/2010/main">
+                <a:effectLst>
+                  <a:outerShdw dist="35921" dir="2700000" algn="ctr" rotWithShape="0">
+                    <a:schemeClr val="bg2"/>
+                  </a:outerShdw>
+                </a:effectLst>
+              </a14:hiddenEffects>
+            </a:ext>
+          </a:extLst>
+        </p:spPr>
+      </p:pic>
+    </p:spTree>
+    <p:extLst>
+      <p:ext uri="{BB962C8B-B14F-4D97-AF65-F5344CB8AC3E}">
+        <p14:creationId xmlns:p14="http://schemas.microsoft.com/office/powerpoint/2010/main" val="20021158"/>
+      </p:ext>
+    </p:extLst>
+  </p:cSld>
+  <p:clrMapOvr>
+    <a:masterClrMapping/>
+  </p:clrMapOvr>
+  <p:timing>
+    <p:tnLst>
+      <p:par>
+        <p:cTn id="1" dur="indefinite" restart="never" nodeType="tmRoot"/>
+      </p:par>
+    </p:tnLst>
+  </p:timing>
+</p:sld>
+</file>
+
+<file path=ppt/slides/slide5.xml><?xml version="1.0" encoding="utf-8"?>
+<p:sld xmlns:a="http://schemas.openxmlformats.org/drawingml/2006/main" xmlns:r="http://schemas.openxmlformats.org/officeDocument/2006/relationships" xmlns:p="http://schemas.openxmlformats.org/presentationml/2006/main">
+  <p:cSld>
+    <p:spTree>
+      <p:nvGrpSpPr>
+        <p:cNvPr id="1" name=""/>
+        <p:cNvGrpSpPr/>
+        <p:nvPr/>
+      </p:nvGrpSpPr>
+      <p:grpSpPr>
+        <a:xfrm>
+          <a:off x="0" y="0"/>
+          <a:ext cx="0" cy="0"/>
+          <a:chOff x="0" y="0"/>
+          <a:chExt cx="0" cy="0"/>
+        </a:xfrm>
+      </p:grpSpPr>
+      <p:sp>
+        <p:nvSpPr>
+          <p:cNvPr id="2" name="Title 1"/>
+          <p:cNvSpPr>
+            <a:spLocks noGrp="1"/>
+          </p:cNvSpPr>
+          <p:nvPr>
+            <p:ph type="title"/>
+          </p:nvPr>
+        </p:nvSpPr>
+        <p:spPr>
+          <a:xfrm>
+            <a:off x="646111" y="452718"/>
+            <a:ext cx="9792299" cy="1400530"/>
+          </a:xfrm>
+        </p:spPr>
+        <p:txBody>
+          <a:bodyPr/>
+          <a:lstStyle/>
+          <a:p>
+            <a:r>
+              <a:rPr lang="bg-BG" dirty="0"/>
+              <a:t>Графика на нанесените промени</a:t>
+            </a:r>
+            <a:endParaRPr lang="en-US" dirty="0"/>
+          </a:p>
+        </p:txBody>
+      </p:sp>
+      <p:pic>
+        <p:nvPicPr>
+          <p:cNvPr id="3074" name="Picture 2"/>
+          <p:cNvPicPr>
+            <a:picLocks noChangeAspect="1" noChangeArrowheads="1"/>
+          </p:cNvPicPr>
+          <p:nvPr/>
+        </p:nvPicPr>
+        <p:blipFill>
+          <a:blip r:embed="rId2">
+            <a:extLst>
+              <a:ext uri="{28A0092B-C50C-407E-A947-70E740481C1C}">
+                <a14:useLocalDpi xmlns:a14="http://schemas.microsoft.com/office/drawing/2010/main" val="0"/>
+              </a:ext>
+            </a:extLst>
+          </a:blip>
+          <a:srcRect/>
+          <a:stretch>
+            <a:fillRect/>
+          </a:stretch>
+        </p:blipFill>
+        <p:spPr bwMode="auto">
+          <a:xfrm>
+            <a:off x="1759424" y="1202283"/>
+            <a:ext cx="7907090" cy="5258657"/>
+          </a:xfrm>
+          <a:prstGeom prst="rect">
+            <a:avLst/>
+          </a:prstGeom>
+          <a:noFill/>
+          <a:ln>
+            <a:noFill/>
+          </a:ln>
+          <a:effectLst/>
+          <a:extLst>
+            <a:ext uri="{909E8E84-426E-40DD-AFC4-6F175D3DCCD1}">
+              <a14:hiddenFill xmlns:a14="http://schemas.microsoft.com/office/drawing/2010/main">
+                <a:solidFill>
+                  <a:schemeClr val="accent1"/>
+                </a:solidFill>
+              </a14:hiddenFill>
+            </a:ext>
+            <a:ext uri="{91240B29-F687-4F45-9708-019B960494DF}">
+              <a14:hiddenLine xmlns:a14="http://schemas.microsoft.com/office/drawing/2010/main" w="9525">
+                <a:solidFill>
+                  <a:schemeClr val="tx1"/>
+                </a:solidFill>
+                <a:miter lim="800000"/>
+                <a:headEnd/>
+                <a:tailEnd/>
+              </a14:hiddenLine>
+            </a:ext>
+            <a:ext uri="{AF507438-7753-43E0-B8FC-AC1667EBCBE1}">
+              <a14:hiddenEffects xmlns:a14="http://schemas.microsoft.com/office/drawing/2010/main">
+                <a:effectLst>
+                  <a:outerShdw dist="35921" dir="2700000" algn="ctr" rotWithShape="0">
+                    <a:schemeClr val="bg2"/>
+                  </a:outerShdw>
+                </a:effectLst>
+              </a14:hiddenEffects>
+            </a:ext>
+          </a:extLst>
+        </p:spPr>
+      </p:pic>
+    </p:spTree>
+    <p:extLst>
+      <p:ext uri="{BB962C8B-B14F-4D97-AF65-F5344CB8AC3E}">
+        <p14:creationId xmlns:p14="http://schemas.microsoft.com/office/powerpoint/2010/main" val="3989339959"/>
+      </p:ext>
+    </p:extLst>
+  </p:cSld>
+  <p:clrMapOvr>
+    <a:masterClrMapping/>
+  </p:clrMapOvr>
+  <p:timing>
+    <p:tnLst>
+      <p:par>
+        <p:cTn id="1" dur="indefinite" restart="never" nodeType="tmRoot"/>
+      </p:par>
+    </p:tnLst>
+  </p:timing>
+</p:sld>
+</file>
+
+<file path=ppt/slides/slide6.xml><?xml version="1.0" encoding="utf-8"?>
+<p:sld xmlns:a="http://schemas.openxmlformats.org/drawingml/2006/main" xmlns:r="http://schemas.openxmlformats.org/officeDocument/2006/relationships" xmlns:p="http://schemas.openxmlformats.org/presentationml/2006/main">
+  <p:cSld>
+    <p:spTree>
+      <p:nvGrpSpPr>
+        <p:cNvPr id="1" name=""/>
+        <p:cNvGrpSpPr/>
+        <p:nvPr/>
+      </p:nvGrpSpPr>
+      <p:grpSpPr>
+        <a:xfrm>
+          <a:off x="0" y="0"/>
+          <a:ext cx="0" cy="0"/>
+          <a:chOff x="0" y="0"/>
+          <a:chExt cx="0" cy="0"/>
+        </a:xfrm>
+      </p:grpSpPr>
+      <p:sp>
+        <p:nvSpPr>
+          <p:cNvPr id="2" name="Title 1"/>
+          <p:cNvSpPr>
+            <a:spLocks noGrp="1"/>
+          </p:cNvSpPr>
+          <p:nvPr>
+            <p:ph type="title"/>
+          </p:nvPr>
+        </p:nvSpPr>
+        <p:spPr/>
+        <p:txBody>
+          <a:bodyPr/>
+          <a:lstStyle/>
+          <a:p>
+            <a:r>
+              <a:rPr lang="bg-BG" sz="3200" dirty="0"/>
+              <a:t>Списък на задачите предмет на итерацията</a:t>
+            </a:r>
+            <a:endParaRPr lang="en-US" sz="3200" dirty="0"/>
+          </a:p>
+        </p:txBody>
+      </p:sp>
+      <p:pic>
+        <p:nvPicPr>
+          <p:cNvPr id="4098" name="Picture 2"/>
+          <p:cNvPicPr>
+            <a:picLocks noChangeAspect="1" noChangeArrowheads="1"/>
+          </p:cNvPicPr>
+          <p:nvPr/>
+        </p:nvPicPr>
+        <p:blipFill>
+          <a:blip r:embed="rId2">
+            <a:extLst>
+              <a:ext uri="{28A0092B-C50C-407E-A947-70E740481C1C}">
+                <a14:useLocalDpi xmlns:a14="http://schemas.microsoft.com/office/drawing/2010/main" val="0"/>
+              </a:ext>
+            </a:extLst>
+          </a:blip>
+          <a:srcRect/>
+          <a:stretch>
+            <a:fillRect/>
+          </a:stretch>
+        </p:blipFill>
+        <p:spPr bwMode="auto">
+          <a:xfrm>
+            <a:off x="1092530" y="1089664"/>
+            <a:ext cx="9096499" cy="5238684"/>
+          </a:xfrm>
+          <a:prstGeom prst="rect">
+            <a:avLst/>
+          </a:prstGeom>
+          <a:noFill/>
+          <a:ln>
+            <a:noFill/>
+          </a:ln>
+          <a:effectLst/>
+          <a:extLst>
+            <a:ext uri="{909E8E84-426E-40DD-AFC4-6F175D3DCCD1}">
+              <a14:hiddenFill xmlns:a14="http://schemas.microsoft.com/office/drawing/2010/main">
+                <a:solidFill>
+                  <a:schemeClr val="accent1"/>
+                </a:solidFill>
+              </a14:hiddenFill>
+            </a:ext>
+            <a:ext uri="{91240B29-F687-4F45-9708-019B960494DF}">
+              <a14:hiddenLine xmlns:a14="http://schemas.microsoft.com/office/drawing/2010/main" w="9525">
+                <a:solidFill>
+                  <a:schemeClr val="tx1"/>
+                </a:solidFill>
+                <a:miter lim="800000"/>
+                <a:headEnd/>
+                <a:tailEnd/>
+              </a14:hiddenLine>
+            </a:ext>
+            <a:ext uri="{AF507438-7753-43E0-B8FC-AC1667EBCBE1}">
+              <a14:hiddenEffects xmlns:a14="http://schemas.microsoft.com/office/drawing/2010/main">
+                <a:effectLst>
+                  <a:outerShdw dist="35921" dir="2700000" algn="ctr" rotWithShape="0">
+                    <a:schemeClr val="bg2"/>
+                  </a:outerShdw>
+                </a:effectLst>
+              </a14:hiddenEffects>
+            </a:ext>
+          </a:extLst>
+        </p:spPr>
+      </p:pic>
+    </p:spTree>
+    <p:extLst>
+      <p:ext uri="{BB962C8B-B14F-4D97-AF65-F5344CB8AC3E}">
+        <p14:creationId xmlns:p14="http://schemas.microsoft.com/office/powerpoint/2010/main" val="1414534813"/>
+      </p:ext>
+    </p:extLst>
+  </p:cSld>
+  <p:clrMapOvr>
+    <a:masterClrMapping/>
+  </p:clrMapOvr>
+  <p:timing>
+    <p:tnLst>
+      <p:par>
+        <p:cTn id="1" dur="indefinite" restart="never" nodeType="tmRoot"/>
+      </p:par>
+    </p:tnLst>
+  </p:timing>
+</p:sld>
+</file>
+
+<file path=ppt/slides/slide7.xml><?xml version="1.0" encoding="utf-8"?>
+<p:sld xmlns:a="http://schemas.openxmlformats.org/drawingml/2006/main" xmlns:r="http://schemas.openxmlformats.org/officeDocument/2006/relationships" xmlns:p="http://schemas.openxmlformats.org/presentationml/2006/main">
+  <p:cSld>
+    <p:spTree>
+      <p:nvGrpSpPr>
+        <p:cNvPr id="1" name=""/>
+        <p:cNvGrpSpPr/>
+        <p:nvPr/>
+      </p:nvGrpSpPr>
+      <p:grpSpPr>
+        <a:xfrm>
+          <a:off x="0" y="0"/>
+          <a:ext cx="0" cy="0"/>
+          <a:chOff x="0" y="0"/>
+          <a:chExt cx="0" cy="0"/>
+        </a:xfrm>
+      </p:grpSpPr>
+      <p:sp>
+        <p:nvSpPr>
+          <p:cNvPr id="2" name="Title 1"/>
+          <p:cNvSpPr>
+            <a:spLocks noGrp="1"/>
+          </p:cNvSpPr>
+          <p:nvPr>
+            <p:ph type="title"/>
+          </p:nvPr>
+        </p:nvSpPr>
+        <p:spPr/>
+        <p:txBody>
+          <a:bodyPr/>
+          <a:lstStyle/>
+          <a:p>
+            <a:r>
+              <a:rPr lang="bg-BG" sz="3200" dirty="0"/>
+              <a:t>Списък на задачите предмет на итерацията</a:t>
+            </a:r>
+            <a:endParaRPr lang="en-US" sz="3200" dirty="0"/>
+          </a:p>
+        </p:txBody>
+      </p:sp>
+      <p:pic>
+        <p:nvPicPr>
+          <p:cNvPr id="5123" name="Picture 3"/>
+          <p:cNvPicPr>
+            <a:picLocks noChangeAspect="1" noChangeArrowheads="1"/>
+          </p:cNvPicPr>
+          <p:nvPr/>
+        </p:nvPicPr>
+        <p:blipFill>
+          <a:blip r:embed="rId2">
+            <a:extLst>
+              <a:ext uri="{28A0092B-C50C-407E-A947-70E740481C1C}">
+                <a14:useLocalDpi xmlns:a14="http://schemas.microsoft.com/office/drawing/2010/main" val="0"/>
+              </a:ext>
+            </a:extLst>
+          </a:blip>
+          <a:srcRect/>
+          <a:stretch>
+            <a:fillRect/>
+          </a:stretch>
+        </p:blipFill>
+        <p:spPr bwMode="auto">
+          <a:xfrm>
+            <a:off x="1006516" y="1128961"/>
+            <a:ext cx="9254892" cy="5295590"/>
+          </a:xfrm>
+          <a:prstGeom prst="rect">
+            <a:avLst/>
+          </a:prstGeom>
+          <a:noFill/>
+          <a:ln>
+            <a:noFill/>
+          </a:ln>
+          <a:effectLst/>
+          <a:extLst>
+            <a:ext uri="{909E8E84-426E-40DD-AFC4-6F175D3DCCD1}">
+              <a14:hiddenFill xmlns:a14="http://schemas.microsoft.com/office/drawing/2010/main">
+                <a:solidFill>
+                  <a:schemeClr val="accent1"/>
+                </a:solidFill>
+              </a14:hiddenFill>
+            </a:ext>
+            <a:ext uri="{91240B29-F687-4F45-9708-019B960494DF}">
+              <a14:hiddenLine xmlns:a14="http://schemas.microsoft.com/office/drawing/2010/main" w="9525">
+                <a:solidFill>
+                  <a:schemeClr val="tx1"/>
+                </a:solidFill>
+                <a:miter lim="800000"/>
+                <a:headEnd/>
+                <a:tailEnd/>
+              </a14:hiddenLine>
+            </a:ext>
+            <a:ext uri="{AF507438-7753-43E0-B8FC-AC1667EBCBE1}">
+              <a14:hiddenEffects xmlns:a14="http://schemas.microsoft.com/office/drawing/2010/main">
+                <a:effectLst>
+                  <a:outerShdw dist="35921" dir="2700000" algn="ctr" rotWithShape="0">
+                    <a:schemeClr val="bg2"/>
+                  </a:outerShdw>
+                </a:effectLst>
+              </a14:hiddenEffects>
+            </a:ext>
+          </a:extLst>
+        </p:spPr>
+      </p:pic>
+    </p:spTree>
+    <p:extLst>
+      <p:ext uri="{BB962C8B-B14F-4D97-AF65-F5344CB8AC3E}">
+        <p14:creationId xmlns:p14="http://schemas.microsoft.com/office/powerpoint/2010/main" val="836070217"/>
+      </p:ext>
+    </p:extLst>
+  </p:cSld>
+  <p:clrMapOvr>
+    <a:masterClrMapping/>
+  </p:clrMapOvr>
+  <p:timing>
+    <p:tnLst>
+      <p:par>
+        <p:cTn id="1" dur="indefinite" restart="never" nodeType="tmRoot"/>
+      </p:par>
+    </p:tnLst>
+  </p:timing>
+</p:sld>
+</file>
+
+<file path=ppt/slides/slide8.xml><?xml version="1.0" encoding="utf-8"?>
+<p:sld xmlns:a="http://schemas.openxmlformats.org/drawingml/2006/main" xmlns:r="http://schemas.openxmlformats.org/officeDocument/2006/relationships" xmlns:p="http://schemas.openxmlformats.org/presentationml/2006/main">
+  <p:cSld>
+    <p:spTree>
+      <p:nvGrpSpPr>
+        <p:cNvPr id="1" name=""/>
+        <p:cNvGrpSpPr/>
+        <p:nvPr/>
+      </p:nvGrpSpPr>
+      <p:grpSpPr>
+        <a:xfrm>
+          <a:off x="0" y="0"/>
+          <a:ext cx="0" cy="0"/>
+          <a:chOff x="0" y="0"/>
+          <a:chExt cx="0" cy="0"/>
+        </a:xfrm>
+      </p:grpSpPr>
+      <p:sp>
+        <p:nvSpPr>
+          <p:cNvPr id="2" name="Title 1"/>
+          <p:cNvSpPr>
+            <a:spLocks noGrp="1"/>
+          </p:cNvSpPr>
+          <p:nvPr>
+            <p:ph type="title"/>
+          </p:nvPr>
+        </p:nvSpPr>
+        <p:spPr/>
+        <p:txBody>
+          <a:bodyPr/>
+          <a:lstStyle/>
+          <a:p>
+            <a:r>
+              <a:rPr lang="bg-BG" sz="3200" dirty="0"/>
+              <a:t>Списък на задачите предмет на итерацията</a:t>
+            </a:r>
+            <a:endParaRPr lang="en-US" sz="3200" dirty="0"/>
+          </a:p>
+        </p:txBody>
+      </p:sp>
+      <p:pic>
+        <p:nvPicPr>
+          <p:cNvPr id="6146" name="Picture 2"/>
+          <p:cNvPicPr>
+            <a:picLocks noChangeAspect="1" noChangeArrowheads="1"/>
+          </p:cNvPicPr>
+          <p:nvPr/>
+        </p:nvPicPr>
+        <p:blipFill>
+          <a:blip r:embed="rId2">
+            <a:extLst>
+              <a:ext uri="{28A0092B-C50C-407E-A947-70E740481C1C}">
+                <a14:useLocalDpi xmlns:a14="http://schemas.microsoft.com/office/drawing/2010/main" val="0"/>
+              </a:ext>
+            </a:extLst>
+          </a:blip>
+          <a:srcRect/>
+          <a:stretch>
+            <a:fillRect/>
+          </a:stretch>
+        </p:blipFill>
+        <p:spPr bwMode="auto">
+          <a:xfrm>
+            <a:off x="638382" y="1991901"/>
+            <a:ext cx="10874810" cy="2781980"/>
+          </a:xfrm>
+          <a:prstGeom prst="rect">
+            <a:avLst/>
+          </a:prstGeom>
+          <a:noFill/>
+          <a:ln>
+            <a:noFill/>
+          </a:ln>
+          <a:effectLst/>
+          <a:extLst>
+            <a:ext uri="{909E8E84-426E-40DD-AFC4-6F175D3DCCD1}">
+              <a14:hiddenFill xmlns:a14="http://schemas.microsoft.com/office/drawing/2010/main">
+                <a:solidFill>
+                  <a:schemeClr val="accent1"/>
+                </a:solidFill>
+              </a14:hiddenFill>
+            </a:ext>
+            <a:ext uri="{91240B29-F687-4F45-9708-019B960494DF}">
+              <a14:hiddenLine xmlns:a14="http://schemas.microsoft.com/office/drawing/2010/main" w="9525">
+                <a:solidFill>
+                  <a:schemeClr val="tx1"/>
+                </a:solidFill>
+                <a:miter lim="800000"/>
+                <a:headEnd/>
+                <a:tailEnd/>
+              </a14:hiddenLine>
+            </a:ext>
+            <a:ext uri="{AF507438-7753-43E0-B8FC-AC1667EBCBE1}">
+              <a14:hiddenEffects xmlns:a14="http://schemas.microsoft.com/office/drawing/2010/main">
+                <a:effectLst>
+                  <a:outerShdw dist="35921" dir="2700000" algn="ctr" rotWithShape="0">
+                    <a:schemeClr val="bg2"/>
+                  </a:outerShdw>
+                </a:effectLst>
+              </a14:hiddenEffects>
+            </a:ext>
+          </a:extLst>
+        </p:spPr>
+      </p:pic>
+    </p:spTree>
+    <p:extLst>
+      <p:ext uri="{BB962C8B-B14F-4D97-AF65-F5344CB8AC3E}">
+        <p14:creationId xmlns:p14="http://schemas.microsoft.com/office/powerpoint/2010/main" val="678105014"/>
+      </p:ext>
+    </p:extLst>
+  </p:cSld>
+  <p:clrMapOvr>
+    <a:masterClrMapping/>
+  </p:clrMapOvr>
+  <p:timing>
+    <p:tnLst>
+      <p:par>
+        <p:cTn id="1" dur="indefinite" restart="never" nodeType="tmRoot"/>
+      </p:par>
+    </p:tnLst>
+  </p:timing>
 </p:sld>
 </file>
 
@@ -7938,7 +13655,7 @@
       </p:grpSpPr>
       <p:sp>
         <p:nvSpPr>
-          <p:cNvPr id="2" name="Заглавие 1"/>
+          <p:cNvPr id="2" name="Title 1"/>
           <p:cNvSpPr>
             <a:spLocks noGrp="1"/>
           </p:cNvSpPr>
@@ -7953,106 +13670,165 @@
           <a:p>
             <a:r>
               <a:rPr lang="bg-BG" dirty="0" smtClean="0"/>
-              <a:t>Блокиране на карта</a:t>
-            </a:r>
-            <a:endParaRPr lang="bg-BG" dirty="0"/>
-          </a:p>
-        </p:txBody>
-      </p:sp>
-      <p:pic>
-        <p:nvPicPr>
-          <p:cNvPr id="4" name="Контейнер за съдържание 3"/>
-          <p:cNvPicPr>
-            <a:picLocks noGrp="1" noChangeAspect="1"/>
-          </p:cNvPicPr>
+              <a:t>Планирани функционалности за тестване</a:t>
+            </a:r>
+            <a:endParaRPr lang="en-US" dirty="0"/>
+          </a:p>
+        </p:txBody>
+      </p:sp>
+      <p:sp>
+        <p:nvSpPr>
+          <p:cNvPr id="3" name="Content Placeholder 2"/>
+          <p:cNvSpPr>
+            <a:spLocks noGrp="1"/>
+          </p:cNvSpPr>
           <p:nvPr>
             <p:ph idx="1"/>
           </p:nvPr>
-        </p:nvPicPr>
-        <p:blipFill rotWithShape="1">
-          <a:blip r:embed="rId2"/>
-          <a:srcRect l="11155" t="16622" r="20612" b="13372"/>
-          <a:stretch/>
-        </p:blipFill>
+        </p:nvSpPr>
         <p:spPr>
           <a:xfrm>
-            <a:off x="4258101" y="1306345"/>
-            <a:ext cx="7042244" cy="4835147"/>
+            <a:off x="510640" y="1757548"/>
+            <a:ext cx="9539214" cy="4953989"/>
           </a:xfrm>
-          <a:prstGeom prst="rect">
-            <a:avLst/>
-          </a:prstGeom>
         </p:spPr>
-      </p:pic>
-      <p:sp>
-        <p:nvSpPr>
-          <p:cNvPr id="5" name="Текстово поле 4"/>
-          <p:cNvSpPr txBox="1"/>
-          <p:nvPr/>
-        </p:nvSpPr>
-        <p:spPr>
-          <a:xfrm>
-            <a:off x="741646" y="2804769"/>
-            <a:ext cx="3611990" cy="1477328"/>
-          </a:xfrm>
-          <a:prstGeom prst="rect">
-            <a:avLst/>
-          </a:prstGeom>
-          <a:noFill/>
-        </p:spPr>
-        <p:txBody>
-          <a:bodyPr wrap="square" rtlCol="0">
-            <a:spAutoFit/>
+        <p:txBody>
+          <a:bodyPr>
+            <a:normAutofit/>
           </a:bodyPr>
           <a:lstStyle/>
           <a:p>
-            <a:pPr marL="342900" indent="-342900">
-              <a:buAutoNum type="arabicPeriod"/>
-            </a:pPr>
-            <a:r>
-              <a:rPr lang="bg-BG" dirty="0" smtClean="0"/>
-              <a:t>Избор на меню за </a:t>
-            </a:r>
-            <a:r>
-              <a:rPr lang="bg-BG" dirty="0" err="1" smtClean="0"/>
-              <a:t>блокриане</a:t>
-            </a:r>
-            <a:r>
-              <a:rPr lang="bg-BG" dirty="0" smtClean="0"/>
-              <a:t> на карта</a:t>
-            </a:r>
-          </a:p>
-          <a:p>
-            <a:pPr marL="342900" indent="-342900">
-              <a:buAutoNum type="arabicPeriod"/>
-            </a:pPr>
-            <a:r>
-              <a:rPr lang="bg-BG" dirty="0" smtClean="0"/>
-              <a:t>Определяне на причина за блокиране</a:t>
-            </a:r>
-          </a:p>
-          <a:p>
-            <a:pPr marL="342900" indent="-342900">
-              <a:buAutoNum type="arabicPeriod"/>
-            </a:pPr>
-            <a:r>
-              <a:rPr lang="bg-BG" dirty="0" smtClean="0"/>
-              <a:t>Потвърждение </a:t>
-            </a:r>
-            <a:endParaRPr lang="bg-BG" dirty="0"/>
+            <a:r>
+              <a:rPr lang="bg-BG" b="1" dirty="0" smtClean="0"/>
+              <a:t>Функционалностите, </a:t>
+            </a:r>
+            <a:r>
+              <a:rPr lang="bg-BG" b="1" dirty="0"/>
+              <a:t>които ще се тестват</a:t>
+            </a:r>
+            <a:endParaRPr lang="en-US" b="1" dirty="0"/>
+          </a:p>
+          <a:p>
+            <a:pPr lvl="1"/>
+            <a:r>
+              <a:rPr lang="bg-BG" dirty="0"/>
+              <a:t>Модул за управление на влогове, депозити и кредити</a:t>
+            </a:r>
+            <a:endParaRPr lang="en-US" dirty="0"/>
+          </a:p>
+          <a:p>
+            <a:pPr lvl="1"/>
+            <a:r>
+              <a:rPr lang="bg-BG" dirty="0"/>
+              <a:t>Модул банкомати</a:t>
+            </a:r>
+            <a:endParaRPr lang="en-US" dirty="0"/>
+          </a:p>
+          <a:p>
+            <a:pPr lvl="1"/>
+            <a:r>
+              <a:rPr lang="bg-BG" dirty="0"/>
+              <a:t>Модул управление на карти</a:t>
+            </a:r>
+            <a:endParaRPr lang="en-US" dirty="0"/>
+          </a:p>
+          <a:p>
+            <a:pPr lvl="1"/>
+            <a:r>
+              <a:rPr lang="bg-BG" dirty="0"/>
+              <a:t>Модул електронно банкиране</a:t>
+            </a:r>
+            <a:endParaRPr lang="en-US" dirty="0"/>
+          </a:p>
+          <a:p>
+            <a:pPr lvl="1"/>
+            <a:r>
+              <a:rPr lang="bg-BG" dirty="0"/>
+              <a:t>Модул </a:t>
+            </a:r>
+            <a:r>
+              <a:rPr lang="en-US" dirty="0"/>
+              <a:t>SMS</a:t>
+            </a:r>
+            <a:r>
+              <a:rPr lang="bg-BG" dirty="0"/>
+              <a:t> банкиране</a:t>
+            </a:r>
+            <a:endParaRPr lang="en-US" dirty="0"/>
+          </a:p>
+          <a:p>
+            <a:pPr lvl="1"/>
+            <a:r>
+              <a:rPr lang="bg-BG" dirty="0"/>
+              <a:t>Модул управление на инвестиции</a:t>
+            </a:r>
+            <a:endParaRPr lang="en-US" dirty="0"/>
+          </a:p>
+          <a:p>
+            <a:pPr lvl="1"/>
+            <a:r>
+              <a:rPr lang="bg-BG" dirty="0"/>
+              <a:t>Модул работа с клиенти</a:t>
+            </a:r>
+            <a:endParaRPr lang="en-US" dirty="0"/>
+          </a:p>
+          <a:p>
+            <a:r>
+              <a:rPr lang="bg-BG" b="1" dirty="0" smtClean="0"/>
+              <a:t>Допълнителни функционалности, </a:t>
+            </a:r>
+            <a:r>
+              <a:rPr lang="bg-BG" b="1" dirty="0"/>
+              <a:t>които ще се тестват</a:t>
+            </a:r>
+            <a:endParaRPr lang="en-US" b="1" dirty="0"/>
+          </a:p>
+          <a:p>
+            <a:pPr lvl="1"/>
+            <a:r>
+              <a:rPr lang="bg-BG" dirty="0"/>
+              <a:t>Интеграция с външни системи</a:t>
+            </a:r>
+            <a:endParaRPr lang="en-US" dirty="0"/>
+          </a:p>
+          <a:p>
+            <a:pPr lvl="1"/>
+            <a:r>
+              <a:rPr lang="bg-BG" dirty="0"/>
+              <a:t>Сигурност</a:t>
+            </a:r>
+            <a:endParaRPr lang="en-US" dirty="0"/>
+          </a:p>
+          <a:p>
+            <a:pPr lvl="1"/>
+            <a:r>
+              <a:rPr lang="bg-BG" dirty="0"/>
+              <a:t>Справки</a:t>
+            </a:r>
+            <a:endParaRPr lang="en-US" dirty="0"/>
+          </a:p>
+          <a:p>
+            <a:endParaRPr lang="en-US" dirty="0"/>
           </a:p>
         </p:txBody>
       </p:sp>
     </p:spTree>
     <p:extLst>
       <p:ext uri="{BB962C8B-B14F-4D97-AF65-F5344CB8AC3E}">
-        <p14:creationId xmlns:p14="http://schemas.microsoft.com/office/powerpoint/2010/main" val="2479056072"/>
+        <p14:creationId xmlns:p14="http://schemas.microsoft.com/office/powerpoint/2010/main" val="1990957798"/>
       </p:ext>
     </p:extLst>
   </p:cSld>
   <p:clrMapOvr>
     <a:masterClrMapping/>
   </p:clrMapOvr>
+  <p:timing>
+    <p:tnLst>
+      <p:par>
+        <p:cTn id="1" dur="indefinite" restart="never" nodeType="tmRoot"/>
+      </p:par>
+    </p:tnLst>
+  </p:timing>
 </p:sld>
 </file>
 
@@ -8099,7 +13875,7 @@
     </a:clrScheme>
     <a:fontScheme name="Йон">
       <a:majorFont>
-        <a:latin typeface="Century Gothic" panose="020B0502020202020204"/>
+        <a:latin typeface="Century Gothic"/>
         <a:ea typeface=""/>
         <a:cs typeface=""/>
         <a:font script="Jpan" typeface="メイリオ"/>
@@ -8134,7 +13910,7 @@
         <a:font script="Geor" typeface="Sylfaen"/>
       </a:majorFont>
       <a:minorFont>
-        <a:latin typeface="Century Gothic" panose="020B0502020202020204"/>
+        <a:latin typeface="Century Gothic"/>
         <a:ea typeface=""/>
         <a:cs typeface=""/>
         <a:font script="Jpan" typeface="メイリオ"/>
@@ -8316,7 +14092,7 @@
   <a:extraClrSchemeLst/>
   <a:extLst>
     <a:ext uri="{05A4C25C-085E-4340-85A3-A5531E510DB2}">
-      <thm15:themeFamily xmlns:thm15="http://schemas.microsoft.com/office/thememl/2012/main" name="Ion" id="{B8441ADB-2E43-4AF7-B97A-BD870242C6A8}" vid="{292E63A9-BB86-4E3D-B92A-7223C6510D2E}"/>
+      <thm15:themeFamily xmlns:thm15="http://schemas.microsoft.com/office/thememl/2012/main" xmlns="" name="Ion" id="{B8441ADB-2E43-4AF7-B97A-BD870242C6A8}" vid="{292E63A9-BB86-4E3D-B92A-7223C6510D2E}"/>
     </a:ext>
   </a:extLst>
 </a:theme>
